--- a/doc/PPT/ Automatic Mixing Proposal.pptx
+++ b/doc/PPT/ Automatic Mixing Proposal.pptx
@@ -5,28 +5,38 @@
     <p:sldMasterId id="2147483648" r:id="rId1"/>
   </p:sldMasterIdLst>
   <p:notesMasterIdLst>
-    <p:notesMasterId r:id="rId18"/>
+    <p:notesMasterId r:id="rId28"/>
   </p:notesMasterIdLst>
   <p:handoutMasterIdLst>
-    <p:handoutMasterId r:id="rId19"/>
+    <p:handoutMasterId r:id="rId29"/>
   </p:handoutMasterIdLst>
   <p:sldIdLst>
     <p:sldId id="256" r:id="rId2"/>
-    <p:sldId id="277" r:id="rId3"/>
-    <p:sldId id="264" r:id="rId4"/>
-    <p:sldId id="260" r:id="rId5"/>
-    <p:sldId id="261" r:id="rId6"/>
-    <p:sldId id="265" r:id="rId7"/>
-    <p:sldId id="275" r:id="rId8"/>
-    <p:sldId id="270" r:id="rId9"/>
-    <p:sldId id="271" r:id="rId10"/>
-    <p:sldId id="269" r:id="rId11"/>
-    <p:sldId id="274" r:id="rId12"/>
-    <p:sldId id="267" r:id="rId13"/>
-    <p:sldId id="276" r:id="rId14"/>
-    <p:sldId id="268" r:id="rId15"/>
-    <p:sldId id="263" r:id="rId16"/>
-    <p:sldId id="258" r:id="rId17"/>
+    <p:sldId id="282" r:id="rId3"/>
+    <p:sldId id="277" r:id="rId4"/>
+    <p:sldId id="264" r:id="rId5"/>
+    <p:sldId id="260" r:id="rId6"/>
+    <p:sldId id="281" r:id="rId7"/>
+    <p:sldId id="278" r:id="rId8"/>
+    <p:sldId id="279" r:id="rId9"/>
+    <p:sldId id="280" r:id="rId10"/>
+    <p:sldId id="261" r:id="rId11"/>
+    <p:sldId id="275" r:id="rId12"/>
+    <p:sldId id="286" r:id="rId13"/>
+    <p:sldId id="288" r:id="rId14"/>
+    <p:sldId id="291" r:id="rId15"/>
+    <p:sldId id="294" r:id="rId16"/>
+    <p:sldId id="271" r:id="rId17"/>
+    <p:sldId id="289" r:id="rId18"/>
+    <p:sldId id="290" r:id="rId19"/>
+    <p:sldId id="274" r:id="rId20"/>
+    <p:sldId id="295" r:id="rId21"/>
+    <p:sldId id="292" r:id="rId22"/>
+    <p:sldId id="276" r:id="rId23"/>
+    <p:sldId id="296" r:id="rId24"/>
+    <p:sldId id="293" r:id="rId25"/>
+    <p:sldId id="263" r:id="rId26"/>
+    <p:sldId id="258" r:id="rId27"/>
   </p:sldIdLst>
   <p:sldSz cx="12192000" cy="6858000"/>
   <p:notesSz cx="6858000" cy="9144000"/>
@@ -1051,7 +1061,7 @@
             <a:buNone/>
           </a:pPr>
           <a:r>
-            <a:rPr lang="en-US" sz="1400" b="1" i="0" kern="1200" smtClean="0">
+            <a:rPr lang="en-US" sz="1400" b="1" i="0" kern="1200" dirty="0" smtClean="0">
               <a:latin typeface="+mn-lt"/>
               <a:ea typeface="+mn-ea"/>
               <a:cs typeface="+mn-cs"/>
@@ -1152,12 +1162,12 @@
             <a:buNone/>
           </a:pPr>
           <a:r>
-            <a:rPr lang="en-US" sz="1400" b="1" i="0" kern="1200" smtClean="0">
+            <a:rPr lang="en-US" sz="1400" b="1" i="0" kern="1200" dirty="0" smtClean="0">
               <a:latin typeface="+mn-lt"/>
               <a:ea typeface="+mn-ea"/>
               <a:cs typeface="+mn-cs"/>
             </a:rPr>
-            <a:t>Paper writing</a:t>
+            <a:t>Warp up</a:t>
           </a:r>
           <a:endParaRPr lang="en-US" sz="1400" b="1" i="0" kern="1200" dirty="0">
             <a:latin typeface="+mn-lt"/>
@@ -1483,15 +1493,7 @@
               <a:ea typeface="+mn-ea"/>
               <a:cs typeface="+mn-cs"/>
             </a:rPr>
-            <a:t>Level </a:t>
-          </a:r>
-          <a:r>
-            <a:rPr lang="en-US" sz="1400" b="1" i="0" kern="1200" dirty="0" smtClean="0">
-              <a:latin typeface="+mn-lt"/>
-              <a:ea typeface="+mn-ea"/>
-              <a:cs typeface="+mn-cs"/>
-            </a:rPr>
-            <a:t>balance</a:t>
+            <a:t>Level balance</a:t>
           </a:r>
         </a:p>
         <a:p>
@@ -1591,11 +1593,6 @@
             </a:rPr>
             <a:t>Compression</a:t>
           </a:r>
-          <a:endParaRPr lang="en-US" sz="1400" b="1" i="0" kern="1200" dirty="0" smtClean="0">
-            <a:latin typeface="+mn-lt"/>
-            <a:ea typeface="+mn-ea"/>
-            <a:cs typeface="+mn-cs"/>
-          </a:endParaRPr>
         </a:p>
         <a:p>
           <a:pPr marL="0" lvl="0" indent="0" algn="ctr" defTabSz="533400">
@@ -1635,7 +1632,7 @@
               <a:ea typeface="+mn-ea"/>
               <a:cs typeface="+mn-cs"/>
             </a:rPr>
-            <a:t>Equalization</a:t>
+            <a:t>Experiment preparation</a:t>
           </a:r>
           <a:endParaRPr lang="en-US" sz="1400" b="1" i="0" kern="1200" dirty="0">
             <a:latin typeface="+mn-lt"/>
@@ -1692,13 +1689,8 @@
               <a:ea typeface="+mn-ea"/>
               <a:cs typeface="+mn-cs"/>
             </a:rPr>
-            <a:t>Reverberation</a:t>
+            <a:t>Equalization</a:t>
           </a:r>
-          <a:endParaRPr lang="en-US" sz="1400" b="1" i="0" kern="1200" dirty="0" smtClean="0">
-            <a:latin typeface="+mn-lt"/>
-            <a:ea typeface="+mn-ea"/>
-            <a:cs typeface="+mn-cs"/>
-          </a:endParaRPr>
         </a:p>
         <a:p>
           <a:pPr marL="0" lvl="0" indent="0" algn="ctr" defTabSz="533400">
@@ -1738,13 +1730,8 @@
               <a:ea typeface="+mn-ea"/>
               <a:cs typeface="+mn-cs"/>
             </a:rPr>
-            <a:t>Experiment preparation</a:t>
+            <a:t>Reverberation</a:t>
           </a:r>
-          <a:endParaRPr lang="en-US" sz="1400" b="1" i="0" kern="1200" dirty="0">
-            <a:latin typeface="+mn-lt"/>
-            <a:ea typeface="+mn-ea"/>
-            <a:cs typeface="+mn-cs"/>
-          </a:endParaRPr>
         </a:p>
       </dgm:t>
     </dgm:pt>
@@ -3178,15 +3165,7 @@
               <a:ea typeface="+mn-ea"/>
               <a:cs typeface="+mn-cs"/>
             </a:rPr>
-            <a:t>Level </a:t>
-          </a:r>
-          <a:r>
-            <a:rPr lang="en-US" sz="1400" b="1" i="0" kern="1200" dirty="0" smtClean="0">
-              <a:latin typeface="+mn-lt"/>
-              <a:ea typeface="+mn-ea"/>
-              <a:cs typeface="+mn-cs"/>
-            </a:rPr>
-            <a:t>balance</a:t>
+            <a:t>Level balance</a:t>
           </a:r>
         </a:p>
         <a:p>
@@ -3791,11 +3770,6 @@
             </a:rPr>
             <a:t>Compression</a:t>
           </a:r>
-          <a:endParaRPr lang="en-US" sz="1400" b="1" i="0" kern="1200" dirty="0" smtClean="0">
-            <a:latin typeface="+mn-lt"/>
-            <a:ea typeface="+mn-ea"/>
-            <a:cs typeface="+mn-cs"/>
-          </a:endParaRPr>
         </a:p>
         <a:p>
           <a:pPr marL="0" lvl="0" indent="0" algn="ctr" defTabSz="533400">
@@ -3835,7 +3809,7 @@
               <a:ea typeface="+mn-ea"/>
               <a:cs typeface="+mn-cs"/>
             </a:rPr>
-            <a:t>Equalization</a:t>
+            <a:t>Experiment preparation</a:t>
           </a:r>
           <a:endParaRPr lang="en-US" sz="1400" b="1" i="0" kern="1200" dirty="0">
             <a:latin typeface="+mn-lt"/>
@@ -4098,13 +4072,8 @@
               <a:ea typeface="+mn-ea"/>
               <a:cs typeface="+mn-cs"/>
             </a:rPr>
-            <a:t>Reverberation</a:t>
+            <a:t>Equalization</a:t>
           </a:r>
-          <a:endParaRPr lang="en-US" sz="1400" b="1" i="0" kern="1200" dirty="0" smtClean="0">
-            <a:latin typeface="+mn-lt"/>
-            <a:ea typeface="+mn-ea"/>
-            <a:cs typeface="+mn-cs"/>
-          </a:endParaRPr>
         </a:p>
         <a:p>
           <a:pPr marL="0" lvl="0" indent="0" algn="ctr" defTabSz="533400">
@@ -4144,13 +4113,8 @@
               <a:ea typeface="+mn-ea"/>
               <a:cs typeface="+mn-cs"/>
             </a:rPr>
-            <a:t>Experiment preparation</a:t>
+            <a:t>Reverberation</a:t>
           </a:r>
-          <a:endParaRPr lang="en-US" sz="1400" b="1" i="0" kern="1200" dirty="0">
-            <a:latin typeface="+mn-lt"/>
-            <a:ea typeface="+mn-ea"/>
-            <a:cs typeface="+mn-cs"/>
-          </a:endParaRPr>
         </a:p>
       </dsp:txBody>
       <dsp:txXfrm>
@@ -4402,7 +4366,7 @@
             <a:buNone/>
           </a:pPr>
           <a:r>
-            <a:rPr lang="en-US" sz="1400" b="1" i="0" kern="1200" smtClean="0">
+            <a:rPr lang="en-US" sz="1400" b="1" i="0" kern="1200" dirty="0" smtClean="0">
               <a:latin typeface="+mn-lt"/>
               <a:ea typeface="+mn-ea"/>
               <a:cs typeface="+mn-cs"/>
@@ -4665,12 +4629,12 @@
             <a:buNone/>
           </a:pPr>
           <a:r>
-            <a:rPr lang="en-US" sz="1400" b="1" i="0" kern="1200" smtClean="0">
+            <a:rPr lang="en-US" sz="1400" b="1" i="0" kern="1200" dirty="0" smtClean="0">
               <a:latin typeface="+mn-lt"/>
               <a:ea typeface="+mn-ea"/>
               <a:cs typeface="+mn-cs"/>
             </a:rPr>
-            <a:t>Paper writing</a:t>
+            <a:t>Warp up</a:t>
           </a:r>
           <a:endParaRPr lang="en-US" sz="1400" b="1" i="0" kern="1200" dirty="0">
             <a:latin typeface="+mn-lt"/>
@@ -5102,7 +5066,7 @@
               <dgm:adjLst/>
               <dgm:extLst>
                 <a:ext uri="{B698B0E9-8C71-41B9-8309-B3DCBF30829C}">
-                  <dgm1612:spPr xmlns:dgm1612="http://schemas.microsoft.com/office/drawing/2016/12/diagram" xmlns="">
+                  <dgm1612:spPr xmlns="" xmlns:dgm1612="http://schemas.microsoft.com/office/drawing/2016/12/diagram">
                     <a:ln w="6350"/>
                   </dgm1612:spPr>
                 </a:ext>
@@ -5136,7 +5100,7 @@
   </dgm:layoutNode>
   <dgm:extLst>
     <a:ext uri="{68A01E43-0DF5-4B5B-8FA6-DAF915123BFB}">
-      <dgm1612:lstStyle xmlns:dgm1612="http://schemas.microsoft.com/office/drawing/2016/12/diagram" xmlns="">
+      <dgm1612:lstStyle xmlns="" xmlns:dgm1612="http://schemas.microsoft.com/office/drawing/2016/12/diagram">
         <a:lvl1pPr>
           <a:defRPr b="1"/>
         </a:lvl1pPr>
@@ -6207,7 +6171,7 @@
           <p:cNvPr id="2" name="Header Placeholder 1">
             <a:extLst>
               <a:ext uri="{FF2B5EF4-FFF2-40B4-BE49-F238E27FC236}">
-                <a16:creationId xmlns="" xmlns:a16="http://schemas.microsoft.com/office/drawing/2014/main" id="{840B08AC-E5DB-2346-9522-E13FDAED48B6}"/>
+                <a16:creationId xmlns:a16="http://schemas.microsoft.com/office/drawing/2014/main" xmlns="" id="{840B08AC-E5DB-2346-9522-E13FDAED48B6}"/>
               </a:ext>
             </a:extLst>
           </p:cNvPr>
@@ -6244,7 +6208,7 @@
           <p:cNvPr id="3" name="Date Placeholder 2">
             <a:extLst>
               <a:ext uri="{FF2B5EF4-FFF2-40B4-BE49-F238E27FC236}">
-                <a16:creationId xmlns="" xmlns:a16="http://schemas.microsoft.com/office/drawing/2014/main" id="{8FEF2A5E-8AC0-D242-BDB0-D48C52EC46F6}"/>
+                <a16:creationId xmlns:a16="http://schemas.microsoft.com/office/drawing/2014/main" xmlns="" id="{8FEF2A5E-8AC0-D242-BDB0-D48C52EC46F6}"/>
               </a:ext>
             </a:extLst>
           </p:cNvPr>
@@ -6274,7 +6238,7 @@
           <a:p>
             <a:fld id="{1790BDCF-FDED-7944-8BF6-2AC6A3D70E73}" type="datetimeFigureOut">
               <a:rPr lang="en-US" smtClean="0"/>
-              <a:t>3/13/22</a:t>
+              <a:t>3/25/22</a:t>
             </a:fld>
             <a:endParaRPr lang="en-US"/>
           </a:p>
@@ -6285,7 +6249,7 @@
           <p:cNvPr id="4" name="Footer Placeholder 3">
             <a:extLst>
               <a:ext uri="{FF2B5EF4-FFF2-40B4-BE49-F238E27FC236}">
-                <a16:creationId xmlns="" xmlns:a16="http://schemas.microsoft.com/office/drawing/2014/main" id="{04CDD624-43F6-2E45-9536-1E4A096D8D9B}"/>
+                <a16:creationId xmlns:a16="http://schemas.microsoft.com/office/drawing/2014/main" xmlns="" id="{04CDD624-43F6-2E45-9536-1E4A096D8D9B}"/>
               </a:ext>
             </a:extLst>
           </p:cNvPr>
@@ -6322,7 +6286,7 @@
           <p:cNvPr id="5" name="Slide Number Placeholder 4">
             <a:extLst>
               <a:ext uri="{FF2B5EF4-FFF2-40B4-BE49-F238E27FC236}">
-                <a16:creationId xmlns="" xmlns:a16="http://schemas.microsoft.com/office/drawing/2014/main" id="{4BD07A2B-CDBD-BE48-8A80-8CCEF44924D9}"/>
+                <a16:creationId xmlns:a16="http://schemas.microsoft.com/office/drawing/2014/main" xmlns="" id="{4BD07A2B-CDBD-BE48-8A80-8CCEF44924D9}"/>
               </a:ext>
             </a:extLst>
           </p:cNvPr>
@@ -6451,7 +6415,7 @@
           <a:p>
             <a:fld id="{7FC19A01-7786-9E40-A342-3F309B51F3C8}" type="datetimeFigureOut">
               <a:rPr lang="en-US" smtClean="0"/>
-              <a:t>3/13/22</a:t>
+              <a:t>3/25/22</a:t>
             </a:fld>
             <a:endParaRPr lang="en-US"/>
           </a:p>
@@ -6935,7 +6899,7 @@
           <p:cNvPr id="5" name="Graphic 4">
             <a:extLst>
               <a:ext uri="{FF2B5EF4-FFF2-40B4-BE49-F238E27FC236}">
-                <a16:creationId xmlns="" xmlns:a16="http://schemas.microsoft.com/office/drawing/2014/main" id="{19727A66-6455-4B6B-B6B0-C885C09984FC}"/>
+                <a16:creationId xmlns:a16="http://schemas.microsoft.com/office/drawing/2014/main" xmlns="" id="{19727A66-6455-4B6B-B6B0-C885C09984FC}"/>
               </a:ext>
             </a:extLst>
           </p:cNvPr>
@@ -6948,7 +6912,7 @@
           <a:blip r:embed="rId2">
             <a:extLst>
               <a:ext uri="{96DAC541-7B7A-43D3-8B79-37D633B846F1}">
-                <asvg:svgBlip xmlns="" xmlns:asvg="http://schemas.microsoft.com/office/drawing/2016/SVG/main" r:embed="rId3"/>
+                <asvg:svgBlip xmlns:asvg="http://schemas.microsoft.com/office/drawing/2016/SVG/main" xmlns="" r:embed="rId3"/>
               </a:ext>
             </a:extLst>
           </a:blip>
@@ -7122,7 +7086,7 @@
           <p:cNvPr id="16" name="TextBox 15">
             <a:extLst>
               <a:ext uri="{FF2B5EF4-FFF2-40B4-BE49-F238E27FC236}">
-                <a16:creationId xmlns="" xmlns:a16="http://schemas.microsoft.com/office/drawing/2014/main" id="{4F90BFBB-34F3-6C4E-AE14-F79FC96106B4}"/>
+                <a16:creationId xmlns:a16="http://schemas.microsoft.com/office/drawing/2014/main" xmlns="" id="{4F90BFBB-34F3-6C4E-AE14-F79FC96106B4}"/>
               </a:ext>
             </a:extLst>
           </p:cNvPr>
@@ -7159,7 +7123,7 @@
           <p:cNvPr id="17" name="TextBox 16">
             <a:extLst>
               <a:ext uri="{FF2B5EF4-FFF2-40B4-BE49-F238E27FC236}">
-                <a16:creationId xmlns="" xmlns:a16="http://schemas.microsoft.com/office/drawing/2014/main" id="{C69906DC-87C5-E442-8918-7F76D287958D}"/>
+                <a16:creationId xmlns:a16="http://schemas.microsoft.com/office/drawing/2014/main" xmlns="" id="{C69906DC-87C5-E442-8918-7F76D287958D}"/>
               </a:ext>
             </a:extLst>
           </p:cNvPr>
@@ -7212,7 +7176,7 @@
           <p:cNvPr id="18" name="Graphic 17">
             <a:extLst>
               <a:ext uri="{FF2B5EF4-FFF2-40B4-BE49-F238E27FC236}">
-                <a16:creationId xmlns="" xmlns:a16="http://schemas.microsoft.com/office/drawing/2014/main" id="{C2C99E5F-79BF-4DC9-BB46-FFC780AFFE85}"/>
+                <a16:creationId xmlns:a16="http://schemas.microsoft.com/office/drawing/2014/main" xmlns="" id="{C2C99E5F-79BF-4DC9-BB46-FFC780AFFE85}"/>
               </a:ext>
             </a:extLst>
           </p:cNvPr>
@@ -7225,7 +7189,7 @@
           <a:blip r:embed="rId2">
             <a:extLst>
               <a:ext uri="{96DAC541-7B7A-43D3-8B79-37D633B846F1}">
-                <asvg:svgBlip xmlns="" xmlns:asvg="http://schemas.microsoft.com/office/drawing/2016/SVG/main" r:embed="rId3"/>
+                <asvg:svgBlip xmlns:asvg="http://schemas.microsoft.com/office/drawing/2016/SVG/main" xmlns="" r:embed="rId3"/>
               </a:ext>
             </a:extLst>
           </a:blip>
@@ -7409,7 +7373,7 @@
           <p:cNvPr id="16" name="TextBox 15">
             <a:extLst>
               <a:ext uri="{FF2B5EF4-FFF2-40B4-BE49-F238E27FC236}">
-                <a16:creationId xmlns="" xmlns:a16="http://schemas.microsoft.com/office/drawing/2014/main" id="{00F103E9-D16A-EB46-9F7B-A8705483339D}"/>
+                <a16:creationId xmlns:a16="http://schemas.microsoft.com/office/drawing/2014/main" xmlns="" id="{00F103E9-D16A-EB46-9F7B-A8705483339D}"/>
               </a:ext>
             </a:extLst>
           </p:cNvPr>
@@ -7446,7 +7410,7 @@
           <p:cNvPr id="17" name="TextBox 16">
             <a:extLst>
               <a:ext uri="{FF2B5EF4-FFF2-40B4-BE49-F238E27FC236}">
-                <a16:creationId xmlns="" xmlns:a16="http://schemas.microsoft.com/office/drawing/2014/main" id="{66CFA407-F8A1-7642-9F56-93689CE11E42}"/>
+                <a16:creationId xmlns:a16="http://schemas.microsoft.com/office/drawing/2014/main" xmlns="" id="{66CFA407-F8A1-7642-9F56-93689CE11E42}"/>
               </a:ext>
             </a:extLst>
           </p:cNvPr>
@@ -7499,7 +7463,7 @@
           <p:cNvPr id="18" name="Graphic 17">
             <a:extLst>
               <a:ext uri="{FF2B5EF4-FFF2-40B4-BE49-F238E27FC236}">
-                <a16:creationId xmlns="" xmlns:a16="http://schemas.microsoft.com/office/drawing/2014/main" id="{E219413A-BB37-4E7C-B085-A0D943A15432}"/>
+                <a16:creationId xmlns:a16="http://schemas.microsoft.com/office/drawing/2014/main" xmlns="" id="{E219413A-BB37-4E7C-B085-A0D943A15432}"/>
               </a:ext>
             </a:extLst>
           </p:cNvPr>
@@ -7512,7 +7476,7 @@
           <a:blip r:embed="rId2">
             <a:extLst>
               <a:ext uri="{96DAC541-7B7A-43D3-8B79-37D633B846F1}">
-                <asvg:svgBlip xmlns="" xmlns:asvg="http://schemas.microsoft.com/office/drawing/2016/SVG/main" r:embed="rId3"/>
+                <asvg:svgBlip xmlns:asvg="http://schemas.microsoft.com/office/drawing/2016/SVG/main" xmlns="" r:embed="rId3"/>
               </a:ext>
             </a:extLst>
           </a:blip>
@@ -7925,7 +7889,7 @@
           <p:cNvPr id="15" name="Graphic 14">
             <a:extLst>
               <a:ext uri="{FF2B5EF4-FFF2-40B4-BE49-F238E27FC236}">
-                <a16:creationId xmlns="" xmlns:a16="http://schemas.microsoft.com/office/drawing/2014/main" id="{94289BB5-E802-4E3E-9EF3-493812A6E29A}"/>
+                <a16:creationId xmlns:a16="http://schemas.microsoft.com/office/drawing/2014/main" xmlns="" id="{94289BB5-E802-4E3E-9EF3-493812A6E29A}"/>
               </a:ext>
             </a:extLst>
           </p:cNvPr>
@@ -7938,7 +7902,7 @@
           <a:blip r:embed="rId2">
             <a:extLst>
               <a:ext uri="{96DAC541-7B7A-43D3-8B79-37D633B846F1}">
-                <asvg:svgBlip xmlns="" xmlns:asvg="http://schemas.microsoft.com/office/drawing/2016/SVG/main" r:embed="rId3"/>
+                <asvg:svgBlip xmlns:asvg="http://schemas.microsoft.com/office/drawing/2016/SVG/main" xmlns="" r:embed="rId3"/>
               </a:ext>
             </a:extLst>
           </a:blip>
@@ -8119,7 +8083,7 @@
           <p:cNvPr id="28" name="TextBox 27">
             <a:extLst>
               <a:ext uri="{FF2B5EF4-FFF2-40B4-BE49-F238E27FC236}">
-                <a16:creationId xmlns="" xmlns:a16="http://schemas.microsoft.com/office/drawing/2014/main" id="{E766909F-446E-5A44-9EA1-75B086A02941}"/>
+                <a16:creationId xmlns:a16="http://schemas.microsoft.com/office/drawing/2014/main" xmlns="" id="{E766909F-446E-5A44-9EA1-75B086A02941}"/>
               </a:ext>
             </a:extLst>
           </p:cNvPr>
@@ -8156,7 +8120,7 @@
           <p:cNvPr id="6" name="Graphic 5">
             <a:extLst>
               <a:ext uri="{FF2B5EF4-FFF2-40B4-BE49-F238E27FC236}">
-                <a16:creationId xmlns="" xmlns:a16="http://schemas.microsoft.com/office/drawing/2014/main" id="{5C1EAA8F-F34E-45FC-9E10-C12246B4945A}"/>
+                <a16:creationId xmlns:a16="http://schemas.microsoft.com/office/drawing/2014/main" xmlns="" id="{5C1EAA8F-F34E-45FC-9E10-C12246B4945A}"/>
               </a:ext>
             </a:extLst>
           </p:cNvPr>
@@ -8169,7 +8133,7 @@
           <a:blip r:embed="rId2">
             <a:extLst>
               <a:ext uri="{96DAC541-7B7A-43D3-8B79-37D633B846F1}">
-                <asvg:svgBlip xmlns="" xmlns:asvg="http://schemas.microsoft.com/office/drawing/2016/SVG/main" r:embed="rId3"/>
+                <asvg:svgBlip xmlns:asvg="http://schemas.microsoft.com/office/drawing/2016/SVG/main" xmlns="" r:embed="rId3"/>
               </a:ext>
             </a:extLst>
           </a:blip>
@@ -8420,7 +8384,7 @@
           <p:cNvPr id="18" name="TextBox 17">
             <a:extLst>
               <a:ext uri="{FF2B5EF4-FFF2-40B4-BE49-F238E27FC236}">
-                <a16:creationId xmlns="" xmlns:a16="http://schemas.microsoft.com/office/drawing/2014/main" id="{B09DEBDD-94B7-DE41-A403-C96CB3E1D8AE}"/>
+                <a16:creationId xmlns:a16="http://schemas.microsoft.com/office/drawing/2014/main" xmlns="" id="{B09DEBDD-94B7-DE41-A403-C96CB3E1D8AE}"/>
               </a:ext>
             </a:extLst>
           </p:cNvPr>
@@ -8457,7 +8421,7 @@
           <p:cNvPr id="19" name="TextBox 18">
             <a:extLst>
               <a:ext uri="{FF2B5EF4-FFF2-40B4-BE49-F238E27FC236}">
-                <a16:creationId xmlns="" xmlns:a16="http://schemas.microsoft.com/office/drawing/2014/main" id="{EB58DFE1-15D0-9443-B5D0-33A92FE3806F}"/>
+                <a16:creationId xmlns:a16="http://schemas.microsoft.com/office/drawing/2014/main" xmlns="" id="{EB58DFE1-15D0-9443-B5D0-33A92FE3806F}"/>
               </a:ext>
             </a:extLst>
           </p:cNvPr>
@@ -8510,7 +8474,7 @@
           <p:cNvPr id="17" name="Graphic 16">
             <a:extLst>
               <a:ext uri="{FF2B5EF4-FFF2-40B4-BE49-F238E27FC236}">
-                <a16:creationId xmlns="" xmlns:a16="http://schemas.microsoft.com/office/drawing/2014/main" id="{16F8265F-1D5C-47BE-B72E-76932958F3A6}"/>
+                <a16:creationId xmlns:a16="http://schemas.microsoft.com/office/drawing/2014/main" xmlns="" id="{16F8265F-1D5C-47BE-B72E-76932958F3A6}"/>
               </a:ext>
             </a:extLst>
           </p:cNvPr>
@@ -8523,7 +8487,7 @@
           <a:blip r:embed="rId2">
             <a:extLst>
               <a:ext uri="{96DAC541-7B7A-43D3-8B79-37D633B846F1}">
-                <asvg:svgBlip xmlns="" xmlns:asvg="http://schemas.microsoft.com/office/drawing/2016/SVG/main" r:embed="rId3"/>
+                <asvg:svgBlip xmlns:asvg="http://schemas.microsoft.com/office/drawing/2016/SVG/main" xmlns="" r:embed="rId3"/>
               </a:ext>
             </a:extLst>
           </a:blip>
@@ -8835,7 +8799,7 @@
           <p:cNvPr id="19" name="TextBox 18">
             <a:extLst>
               <a:ext uri="{FF2B5EF4-FFF2-40B4-BE49-F238E27FC236}">
-                <a16:creationId xmlns="" xmlns:a16="http://schemas.microsoft.com/office/drawing/2014/main" id="{BEF3DDB2-0665-BB4D-A7BB-D6E15B1BDEBE}"/>
+                <a16:creationId xmlns:a16="http://schemas.microsoft.com/office/drawing/2014/main" xmlns="" id="{BEF3DDB2-0665-BB4D-A7BB-D6E15B1BDEBE}"/>
               </a:ext>
             </a:extLst>
           </p:cNvPr>
@@ -8872,7 +8836,7 @@
           <p:cNvPr id="20" name="TextBox 19">
             <a:extLst>
               <a:ext uri="{FF2B5EF4-FFF2-40B4-BE49-F238E27FC236}">
-                <a16:creationId xmlns="" xmlns:a16="http://schemas.microsoft.com/office/drawing/2014/main" id="{C2F0BE45-414F-044C-A933-3D62AEBB17B5}"/>
+                <a16:creationId xmlns:a16="http://schemas.microsoft.com/office/drawing/2014/main" xmlns="" id="{C2F0BE45-414F-044C-A933-3D62AEBB17B5}"/>
               </a:ext>
             </a:extLst>
           </p:cNvPr>
@@ -8925,7 +8889,7 @@
           <p:cNvPr id="18" name="Graphic 17">
             <a:extLst>
               <a:ext uri="{FF2B5EF4-FFF2-40B4-BE49-F238E27FC236}">
-                <a16:creationId xmlns="" xmlns:a16="http://schemas.microsoft.com/office/drawing/2014/main" id="{679613E3-F659-4F6B-A525-3814C323F7E8}"/>
+                <a16:creationId xmlns:a16="http://schemas.microsoft.com/office/drawing/2014/main" xmlns="" id="{679613E3-F659-4F6B-A525-3814C323F7E8}"/>
               </a:ext>
             </a:extLst>
           </p:cNvPr>
@@ -8938,7 +8902,7 @@
           <a:blip r:embed="rId2">
             <a:extLst>
               <a:ext uri="{96DAC541-7B7A-43D3-8B79-37D633B846F1}">
-                <asvg:svgBlip xmlns="" xmlns:asvg="http://schemas.microsoft.com/office/drawing/2016/SVG/main" r:embed="rId3"/>
+                <asvg:svgBlip xmlns:asvg="http://schemas.microsoft.com/office/drawing/2016/SVG/main" xmlns="" r:embed="rId3"/>
               </a:ext>
             </a:extLst>
           </a:blip>
@@ -9060,7 +9024,7 @@
           <p:cNvPr id="15" name="TextBox 14">
             <a:extLst>
               <a:ext uri="{FF2B5EF4-FFF2-40B4-BE49-F238E27FC236}">
-                <a16:creationId xmlns="" xmlns:a16="http://schemas.microsoft.com/office/drawing/2014/main" id="{61E30C84-59E8-9E44-A555-8B1373AB1B1A}"/>
+                <a16:creationId xmlns:a16="http://schemas.microsoft.com/office/drawing/2014/main" xmlns="" id="{61E30C84-59E8-9E44-A555-8B1373AB1B1A}"/>
               </a:ext>
             </a:extLst>
           </p:cNvPr>
@@ -9097,7 +9061,7 @@
           <p:cNvPr id="16" name="TextBox 15">
             <a:extLst>
               <a:ext uri="{FF2B5EF4-FFF2-40B4-BE49-F238E27FC236}">
-                <a16:creationId xmlns="" xmlns:a16="http://schemas.microsoft.com/office/drawing/2014/main" id="{F2BA38A8-83A5-E149-BF88-F17D812DBE80}"/>
+                <a16:creationId xmlns:a16="http://schemas.microsoft.com/office/drawing/2014/main" xmlns="" id="{F2BA38A8-83A5-E149-BF88-F17D812DBE80}"/>
               </a:ext>
             </a:extLst>
           </p:cNvPr>
@@ -9150,7 +9114,7 @@
           <p:cNvPr id="18" name="Graphic 17">
             <a:extLst>
               <a:ext uri="{FF2B5EF4-FFF2-40B4-BE49-F238E27FC236}">
-                <a16:creationId xmlns="" xmlns:a16="http://schemas.microsoft.com/office/drawing/2014/main" id="{F533209D-E000-476D-B7FA-1A35997E0521}"/>
+                <a16:creationId xmlns:a16="http://schemas.microsoft.com/office/drawing/2014/main" xmlns="" id="{F533209D-E000-476D-B7FA-1A35997E0521}"/>
               </a:ext>
             </a:extLst>
           </p:cNvPr>
@@ -9163,7 +9127,7 @@
           <a:blip r:embed="rId2">
             <a:extLst>
               <a:ext uri="{96DAC541-7B7A-43D3-8B79-37D633B846F1}">
-                <asvg:svgBlip xmlns="" xmlns:asvg="http://schemas.microsoft.com/office/drawing/2016/SVG/main" r:embed="rId3"/>
+                <asvg:svgBlip xmlns:asvg="http://schemas.microsoft.com/office/drawing/2016/SVG/main" xmlns="" r:embed="rId3"/>
               </a:ext>
             </a:extLst>
           </a:blip>
@@ -9262,7 +9226,7 @@
           <p:cNvPr id="19" name="TextBox 18">
             <a:extLst>
               <a:ext uri="{FF2B5EF4-FFF2-40B4-BE49-F238E27FC236}">
-                <a16:creationId xmlns="" xmlns:a16="http://schemas.microsoft.com/office/drawing/2014/main" id="{3814FAE4-C3CE-8945-8C50-23225D3560EE}"/>
+                <a16:creationId xmlns:a16="http://schemas.microsoft.com/office/drawing/2014/main" xmlns="" id="{3814FAE4-C3CE-8945-8C50-23225D3560EE}"/>
               </a:ext>
             </a:extLst>
           </p:cNvPr>
@@ -9299,7 +9263,7 @@
           <p:cNvPr id="20" name="TextBox 19">
             <a:extLst>
               <a:ext uri="{FF2B5EF4-FFF2-40B4-BE49-F238E27FC236}">
-                <a16:creationId xmlns="" xmlns:a16="http://schemas.microsoft.com/office/drawing/2014/main" id="{ED8E22FF-8F07-5448-88EA-2ADF8A34A1E6}"/>
+                <a16:creationId xmlns:a16="http://schemas.microsoft.com/office/drawing/2014/main" xmlns="" id="{ED8E22FF-8F07-5448-88EA-2ADF8A34A1E6}"/>
               </a:ext>
             </a:extLst>
           </p:cNvPr>
@@ -9352,7 +9316,7 @@
           <p:cNvPr id="14" name="Graphic 13">
             <a:extLst>
               <a:ext uri="{FF2B5EF4-FFF2-40B4-BE49-F238E27FC236}">
-                <a16:creationId xmlns="" xmlns:a16="http://schemas.microsoft.com/office/drawing/2014/main" id="{AB16132E-0B74-4CB4-818A-E7CB3F95FB55}"/>
+                <a16:creationId xmlns:a16="http://schemas.microsoft.com/office/drawing/2014/main" xmlns="" id="{AB16132E-0B74-4CB4-818A-E7CB3F95FB55}"/>
               </a:ext>
             </a:extLst>
           </p:cNvPr>
@@ -9365,7 +9329,7 @@
           <a:blip r:embed="rId2">
             <a:extLst>
               <a:ext uri="{96DAC541-7B7A-43D3-8B79-37D633B846F1}">
-                <asvg:svgBlip xmlns="" xmlns:asvg="http://schemas.microsoft.com/office/drawing/2016/SVG/main" r:embed="rId3"/>
+                <asvg:svgBlip xmlns:asvg="http://schemas.microsoft.com/office/drawing/2016/SVG/main" xmlns="" r:embed="rId3"/>
               </a:ext>
             </a:extLst>
           </a:blip>
@@ -9646,7 +9610,7 @@
           <p:cNvPr id="17" name="TextBox 16">
             <a:extLst>
               <a:ext uri="{FF2B5EF4-FFF2-40B4-BE49-F238E27FC236}">
-                <a16:creationId xmlns="" xmlns:a16="http://schemas.microsoft.com/office/drawing/2014/main" id="{EF90A807-0D75-8046-B1F9-FB7BE21BCEB5}"/>
+                <a16:creationId xmlns:a16="http://schemas.microsoft.com/office/drawing/2014/main" xmlns="" id="{EF90A807-0D75-8046-B1F9-FB7BE21BCEB5}"/>
               </a:ext>
             </a:extLst>
           </p:cNvPr>
@@ -9683,7 +9647,7 @@
           <p:cNvPr id="18" name="TextBox 17">
             <a:extLst>
               <a:ext uri="{FF2B5EF4-FFF2-40B4-BE49-F238E27FC236}">
-                <a16:creationId xmlns="" xmlns:a16="http://schemas.microsoft.com/office/drawing/2014/main" id="{DB11F5CE-32A3-7C4F-9727-B808DCFEDD2D}"/>
+                <a16:creationId xmlns:a16="http://schemas.microsoft.com/office/drawing/2014/main" xmlns="" id="{DB11F5CE-32A3-7C4F-9727-B808DCFEDD2D}"/>
               </a:ext>
             </a:extLst>
           </p:cNvPr>
@@ -9736,7 +9700,7 @@
           <p:cNvPr id="19" name="Graphic 18">
             <a:extLst>
               <a:ext uri="{FF2B5EF4-FFF2-40B4-BE49-F238E27FC236}">
-                <a16:creationId xmlns="" xmlns:a16="http://schemas.microsoft.com/office/drawing/2014/main" id="{EBD44E6D-3D6F-4868-AA74-A0E507BB7E75}"/>
+                <a16:creationId xmlns:a16="http://schemas.microsoft.com/office/drawing/2014/main" xmlns="" id="{EBD44E6D-3D6F-4868-AA74-A0E507BB7E75}"/>
               </a:ext>
             </a:extLst>
           </p:cNvPr>
@@ -9749,7 +9713,7 @@
           <a:blip r:embed="rId2">
             <a:extLst>
               <a:ext uri="{96DAC541-7B7A-43D3-8B79-37D633B846F1}">
-                <asvg:svgBlip xmlns="" xmlns:asvg="http://schemas.microsoft.com/office/drawing/2016/SVG/main" r:embed="rId3"/>
+                <asvg:svgBlip xmlns:asvg="http://schemas.microsoft.com/office/drawing/2016/SVG/main" xmlns="" r:embed="rId3"/>
               </a:ext>
             </a:extLst>
           </a:blip>
@@ -10010,7 +9974,7 @@
           <p:cNvPr id="17" name="TextBox 16">
             <a:extLst>
               <a:ext uri="{FF2B5EF4-FFF2-40B4-BE49-F238E27FC236}">
-                <a16:creationId xmlns="" xmlns:a16="http://schemas.microsoft.com/office/drawing/2014/main" id="{3CAF80FF-3C5D-6F43-8A74-58134F834FB5}"/>
+                <a16:creationId xmlns:a16="http://schemas.microsoft.com/office/drawing/2014/main" xmlns="" id="{3CAF80FF-3C5D-6F43-8A74-58134F834FB5}"/>
               </a:ext>
             </a:extLst>
           </p:cNvPr>
@@ -10047,7 +10011,7 @@
           <p:cNvPr id="18" name="TextBox 17">
             <a:extLst>
               <a:ext uri="{FF2B5EF4-FFF2-40B4-BE49-F238E27FC236}">
-                <a16:creationId xmlns="" xmlns:a16="http://schemas.microsoft.com/office/drawing/2014/main" id="{4024CBF7-36BB-C848-9C0A-A657B15810D9}"/>
+                <a16:creationId xmlns:a16="http://schemas.microsoft.com/office/drawing/2014/main" xmlns="" id="{4024CBF7-36BB-C848-9C0A-A657B15810D9}"/>
               </a:ext>
             </a:extLst>
           </p:cNvPr>
@@ -10100,7 +10064,7 @@
           <p:cNvPr id="19" name="Graphic 18">
             <a:extLst>
               <a:ext uri="{FF2B5EF4-FFF2-40B4-BE49-F238E27FC236}">
-                <a16:creationId xmlns="" xmlns:a16="http://schemas.microsoft.com/office/drawing/2014/main" id="{E0509593-4E93-46FF-B3D2-A6EC0CBF0985}"/>
+                <a16:creationId xmlns:a16="http://schemas.microsoft.com/office/drawing/2014/main" xmlns="" id="{E0509593-4E93-46FF-B3D2-A6EC0CBF0985}"/>
               </a:ext>
             </a:extLst>
           </p:cNvPr>
@@ -10113,7 +10077,7 @@
           <a:blip r:embed="rId2">
             <a:extLst>
               <a:ext uri="{96DAC541-7B7A-43D3-8B79-37D633B846F1}">
-                <asvg:svgBlip xmlns="" xmlns:asvg="http://schemas.microsoft.com/office/drawing/2016/SVG/main" r:embed="rId3"/>
+                <asvg:svgBlip xmlns:asvg="http://schemas.microsoft.com/office/drawing/2016/SVG/main" xmlns="" r:embed="rId3"/>
               </a:ext>
             </a:extLst>
           </a:blip>
@@ -10588,7 +10552,7 @@
           <p:cNvPr id="2" name="Title 1">
             <a:extLst>
               <a:ext uri="{FF2B5EF4-FFF2-40B4-BE49-F238E27FC236}">
-                <a16:creationId xmlns="" xmlns:a16="http://schemas.microsoft.com/office/drawing/2014/main" id="{B100FC07-DFB9-468B-95C1-22281A00D4C4}"/>
+                <a16:creationId xmlns:a16="http://schemas.microsoft.com/office/drawing/2014/main" xmlns="" id="{B100FC07-DFB9-468B-95C1-22281A00D4C4}"/>
               </a:ext>
             </a:extLst>
           </p:cNvPr>
@@ -10606,10 +10570,16 @@
           </a:bodyPr>
           <a:lstStyle/>
           <a:p>
+            <a:pPr algn="ctr"/>
             <a:r>
               <a:rPr lang="en-US" dirty="0"/>
-              <a:t>Autonomous Vocal and Backing Track Mixing </a:t>
-            </a:r>
+              <a:t>Autonomous Vocal and Backing Track </a:t>
+            </a:r>
+            <a:r>
+              <a:rPr lang="en-US" dirty="0" smtClean="0"/>
+              <a:t>Mixing</a:t>
+            </a:r>
+            <a:endParaRPr lang="en-US" dirty="0"/>
           </a:p>
         </p:txBody>
       </p:sp>
@@ -10618,7 +10588,7 @@
           <p:cNvPr id="3" name="Subtitle 2">
             <a:extLst>
               <a:ext uri="{FF2B5EF4-FFF2-40B4-BE49-F238E27FC236}">
-                <a16:creationId xmlns="" xmlns:a16="http://schemas.microsoft.com/office/drawing/2014/main" id="{F939B8E8-A3AB-46B3-8726-E933C8297D94}"/>
+                <a16:creationId xmlns:a16="http://schemas.microsoft.com/office/drawing/2014/main" xmlns="" id="{F939B8E8-A3AB-46B3-8726-E933C8297D94}"/>
               </a:ext>
             </a:extLst>
           </p:cNvPr>
@@ -10668,6 +10638,13 @@
   <p:clrMapOvr>
     <a:masterClrMapping/>
   </p:clrMapOvr>
+  <p:timing>
+    <p:tnLst>
+      <p:par>
+        <p:cTn id="1" dur="indefinite" restart="never" nodeType="tmRoot"/>
+      </p:par>
+    </p:tnLst>
+  </p:timing>
 </p:sld>
 </file>
 
@@ -10693,7 +10670,7 @@
           <p:cNvPr id="2" name="Title 1">
             <a:extLst>
               <a:ext uri="{FF2B5EF4-FFF2-40B4-BE49-F238E27FC236}">
-                <a16:creationId xmlns="" xmlns:a16="http://schemas.microsoft.com/office/drawing/2014/main" id="{9045A477-9EA3-4F5C-B4B9-8CE29E6FF138}"/>
+                <a16:creationId xmlns:a16="http://schemas.microsoft.com/office/drawing/2014/main" xmlns="" id="{9045A477-9EA3-4F5C-B4B9-8CE29E6FF138}"/>
               </a:ext>
             </a:extLst>
           </p:cNvPr>
@@ -10706,63 +10683,126 @@
         </p:nvSpPr>
         <p:spPr/>
         <p:txBody>
-          <a:bodyPr>
-            <a:normAutofit fontScale="90000"/>
-          </a:bodyPr>
+          <a:bodyPr/>
           <a:lstStyle/>
           <a:p>
             <a:r>
-              <a:rPr lang="en-US" dirty="0"/>
-              <a:t>Proposed Method</a:t>
-            </a:r>
-            <a:br>
-              <a:rPr lang="en-US" dirty="0"/>
-            </a:br>
-            <a:r>
-              <a:rPr lang="en-US" dirty="0"/>
-              <a:t>	</a:t>
-            </a:r>
-            <a:r>
               <a:rPr lang="en-US" dirty="0" smtClean="0"/>
-              <a:t>-Compression</a:t>
+              <a:t>Baseline System</a:t>
             </a:r>
             <a:endParaRPr lang="en-US" dirty="0"/>
           </a:p>
         </p:txBody>
       </p:sp>
-      <p:pic>
-        <p:nvPicPr>
-          <p:cNvPr id="6" name="Content Placeholder 5"/>
-          <p:cNvPicPr>
-            <a:picLocks noGrp="1" noChangeAspect="1"/>
-          </p:cNvPicPr>
+      <p:sp>
+        <p:nvSpPr>
+          <p:cNvPr id="3" name="Content Placeholder 2">
+            <a:extLst>
+              <a:ext uri="{FF2B5EF4-FFF2-40B4-BE49-F238E27FC236}">
+                <a16:creationId xmlns:a16="http://schemas.microsoft.com/office/drawing/2014/main" xmlns="" id="{4FFC9F3E-C7DF-44CE-A057-14D5228F5C26}"/>
+              </a:ext>
+            </a:extLst>
+          </p:cNvPr>
+          <p:cNvSpPr>
+            <a:spLocks noGrp="1"/>
+          </p:cNvSpPr>
           <p:nvPr>
             <p:ph idx="1"/>
           </p:nvPr>
-        </p:nvPicPr>
-        <p:blipFill>
-          <a:blip r:embed="rId2">
-            <a:extLst>
-              <a:ext uri="{28A0092B-C50C-407E-A947-70E740481C1C}">
-                <a14:useLocalDpi xmlns:a14="http://schemas.microsoft.com/office/drawing/2010/main" val="0"/>
-              </a:ext>
-            </a:extLst>
-          </a:blip>
-          <a:stretch>
-            <a:fillRect/>
-          </a:stretch>
-        </p:blipFill>
-        <p:spPr>
-          <a:xfrm>
-            <a:off x="2817612" y="1460810"/>
-            <a:ext cx="6556774" cy="5066599"/>
-          </a:xfrm>
-        </p:spPr>
-      </p:pic>
+        </p:nvSpPr>
+        <p:spPr/>
+        <p:txBody>
+          <a:bodyPr>
+            <a:noAutofit/>
+          </a:bodyPr>
+          <a:lstStyle/>
+          <a:p>
+            <a:r>
+              <a:rPr lang="en-US" sz="2800" b="1" dirty="0" smtClean="0"/>
+              <a:t>Level balance</a:t>
+            </a:r>
+          </a:p>
+          <a:p>
+            <a:pPr lvl="1"/>
+            <a:r>
+              <a:rPr lang="sk-SK" sz="2400" dirty="0"/>
+              <a:t>−3 </a:t>
+            </a:r>
+            <a:r>
+              <a:rPr lang="sk-SK" sz="2400" dirty="0" smtClean="0"/>
+              <a:t>dB</a:t>
+            </a:r>
+            <a:r>
+              <a:rPr lang="en-US" sz="2400" dirty="0" smtClean="0"/>
+              <a:t> vocal-to-mix ratio </a:t>
+            </a:r>
+          </a:p>
+          <a:p>
+            <a:pPr lvl="1"/>
+            <a:endParaRPr lang="en-US" sz="2400" dirty="0" smtClean="0"/>
+          </a:p>
+          <a:p>
+            <a:r>
+              <a:rPr lang="en-US" sz="2800" b="1" dirty="0" smtClean="0"/>
+              <a:t>Compression</a:t>
+            </a:r>
+          </a:p>
+          <a:p>
+            <a:pPr lvl="1"/>
+            <a:r>
+              <a:rPr lang="en-US" sz="2400" dirty="0" smtClean="0"/>
+              <a:t>14 dB </a:t>
+            </a:r>
+            <a:r>
+              <a:rPr lang="en-US" sz="2400" dirty="0"/>
+              <a:t>l</a:t>
+            </a:r>
+            <a:r>
+              <a:rPr lang="en-US" sz="2400" dirty="0" smtClean="0"/>
+              <a:t>oudness range</a:t>
+            </a:r>
+          </a:p>
+          <a:p>
+            <a:pPr lvl="1"/>
+            <a:endParaRPr lang="en-US" sz="2400" dirty="0" smtClean="0"/>
+          </a:p>
+          <a:p>
+            <a:r>
+              <a:rPr lang="en-US" sz="2800" b="1" dirty="0" smtClean="0"/>
+              <a:t>EQ</a:t>
+            </a:r>
+          </a:p>
+          <a:p>
+            <a:pPr lvl="1"/>
+            <a:r>
+              <a:rPr lang="en-US" sz="2400" dirty="0" smtClean="0"/>
+              <a:t>Frequency masking</a:t>
+            </a:r>
+          </a:p>
+          <a:p>
+            <a:pPr lvl="1"/>
+            <a:endParaRPr lang="en-US" sz="2400" dirty="0" smtClean="0"/>
+          </a:p>
+          <a:p>
+            <a:r>
+              <a:rPr lang="en-US" sz="2800" b="1" dirty="0" smtClean="0"/>
+              <a:t>Reverb</a:t>
+            </a:r>
+          </a:p>
+          <a:p>
+            <a:pPr lvl="1"/>
+            <a:r>
+              <a:rPr lang="en-US" sz="2400" dirty="0" smtClean="0"/>
+              <a:t>Linear mapping from tempo to reverb time</a:t>
+            </a:r>
+            <a:endParaRPr lang="en-US" sz="2400" dirty="0"/>
+          </a:p>
+        </p:txBody>
+      </p:sp>
     </p:spTree>
     <p:extLst>
       <p:ext uri="{BB962C8B-B14F-4D97-AF65-F5344CB8AC3E}">
-        <p14:creationId xmlns:p14="http://schemas.microsoft.com/office/powerpoint/2010/main" val="1868875253"/>
+        <p14:creationId xmlns:p14="http://schemas.microsoft.com/office/powerpoint/2010/main" val="2109491910"/>
       </p:ext>
     </p:extLst>
   </p:cSld>
@@ -10801,7 +10841,7 @@
           <p:cNvPr id="2" name="Title 1">
             <a:extLst>
               <a:ext uri="{FF2B5EF4-FFF2-40B4-BE49-F238E27FC236}">
-                <a16:creationId xmlns="" xmlns:a16="http://schemas.microsoft.com/office/drawing/2014/main" id="{9045A477-9EA3-4F5C-B4B9-8CE29E6FF138}"/>
+                <a16:creationId xmlns:a16="http://schemas.microsoft.com/office/drawing/2014/main" xmlns="" id="{9045A477-9EA3-4F5C-B4B9-8CE29E6FF138}"/>
               </a:ext>
             </a:extLst>
           </p:cNvPr>
@@ -10814,21 +10854,12 @@
         </p:nvSpPr>
         <p:spPr/>
         <p:txBody>
-          <a:bodyPr>
-            <a:normAutofit fontScale="90000"/>
-          </a:bodyPr>
+          <a:bodyPr/>
           <a:lstStyle/>
           <a:p>
             <a:r>
               <a:rPr lang="en-US" dirty="0" smtClean="0"/>
               <a:t>Proposed Method</a:t>
-            </a:r>
-            <a:br>
-              <a:rPr lang="en-US" dirty="0" smtClean="0"/>
-            </a:br>
-            <a:r>
-              <a:rPr lang="en-US" dirty="0" smtClean="0"/>
-              <a:t>	-Equalization</a:t>
             </a:r>
             <a:endParaRPr lang="en-US" dirty="0"/>
           </a:p>
@@ -10851,23 +10882,48 @@
           </a:bodyPr>
           <a:lstStyle/>
           <a:p>
-            <a:pPr marL="685800" lvl="2">
-              <a:spcBef>
-                <a:spcPts val="1000"/>
-              </a:spcBef>
-              <a:buFont typeface="Wingdings" panose="05000000000000000000" pitchFamily="2" charset="2"/>
-              <a:buChar char="§"/>
-            </a:pPr>
-            <a:endParaRPr lang="en-US" sz="3200" dirty="0" smtClean="0"/>
+            <a:r>
+              <a:rPr lang="en-US" sz="3200" dirty="0" smtClean="0"/>
+              <a:t>Data-driven</a:t>
+            </a:r>
           </a:p>
           <a:p>
             <a:r>
               <a:rPr lang="en-US" sz="3200" dirty="0"/>
-              <a:t>T</a:t>
+              <a:t>M</a:t>
             </a:r>
             <a:r>
               <a:rPr lang="en-US" sz="3200" dirty="0" smtClean="0"/>
-              <a:t>he “raw” tracks for training are </a:t>
+              <a:t>aps the input audio to mixing parameters</a:t>
+            </a:r>
+          </a:p>
+          <a:p>
+            <a:pPr lvl="1"/>
+            <a:r>
+              <a:rPr lang="en-US" sz="2800" dirty="0"/>
+              <a:t>O</a:t>
+            </a:r>
+            <a:r>
+              <a:rPr lang="en-US" sz="2800" dirty="0" smtClean="0"/>
+              <a:t>utputs </a:t>
+            </a:r>
+            <a:r>
+              <a:rPr lang="en-US" sz="2800" dirty="0"/>
+              <a:t>mixing parameters which allows human </a:t>
+            </a:r>
+            <a:r>
+              <a:rPr lang="en-US" sz="2800" dirty="0" smtClean="0"/>
+              <a:t>adjustment</a:t>
+            </a:r>
+          </a:p>
+          <a:p>
+            <a:pPr lvl="1"/>
+            <a:endParaRPr lang="en-US" sz="2800" dirty="0" smtClean="0"/>
+          </a:p>
+          <a:p>
+            <a:r>
+              <a:rPr lang="en-US" sz="3200" dirty="0" smtClean="0"/>
+              <a:t>Requires only </a:t>
             </a:r>
             <a:r>
               <a:rPr lang="en-US" sz="3200" dirty="0" smtClean="0">
@@ -10875,25 +10931,30 @@
                   <a:srgbClr val="FF0000"/>
                 </a:solidFill>
               </a:rPr>
-              <a:t>self-generated</a:t>
+              <a:t>mixed vocal and backing tracks</a:t>
             </a:r>
             <a:r>
               <a:rPr lang="en-US" sz="3200" dirty="0" smtClean="0"/>
-              <a:t> by applying EQ to the mixed vocal tracks. The corrected parameters are known.</a:t>
-            </a:r>
-          </a:p>
-          <a:p>
-            <a:endParaRPr lang="en-US" sz="3200" dirty="0"/>
-          </a:p>
-          <a:p>
-            <a:endParaRPr lang="en-US" sz="3200" dirty="0" smtClean="0"/>
+              <a:t> for training</a:t>
+            </a:r>
+          </a:p>
+          <a:p>
+            <a:pPr lvl="1"/>
+            <a:r>
+              <a:rPr lang="en-US" sz="2800" dirty="0"/>
+              <a:t>Raw vocal tracks are not </a:t>
+            </a:r>
+            <a:r>
+              <a:rPr lang="en-US" sz="2800" dirty="0" smtClean="0"/>
+              <a:t>needed</a:t>
+            </a:r>
           </a:p>
         </p:txBody>
       </p:sp>
     </p:spTree>
     <p:extLst>
       <p:ext uri="{BB962C8B-B14F-4D97-AF65-F5344CB8AC3E}">
-        <p14:creationId xmlns:p14="http://schemas.microsoft.com/office/powerpoint/2010/main" val="630892061"/>
+        <p14:creationId xmlns:p14="http://schemas.microsoft.com/office/powerpoint/2010/main" val="304958843"/>
       </p:ext>
     </p:extLst>
   </p:cSld>
@@ -10927,53 +10988,13 @@
           <a:chExt cx="0" cy="0"/>
         </a:xfrm>
       </p:grpSpPr>
-      <p:sp>
-        <p:nvSpPr>
-          <p:cNvPr id="2" name="Title 1">
-            <a:extLst>
-              <a:ext uri="{FF2B5EF4-FFF2-40B4-BE49-F238E27FC236}">
-                <a16:creationId xmlns="" xmlns:a16="http://schemas.microsoft.com/office/drawing/2014/main" id="{9045A477-9EA3-4F5C-B4B9-8CE29E6FF138}"/>
-              </a:ext>
-            </a:extLst>
-          </p:cNvPr>
-          <p:cNvSpPr>
-            <a:spLocks noGrp="1"/>
-          </p:cNvSpPr>
-          <p:nvPr>
-            <p:ph type="title"/>
-          </p:nvPr>
-        </p:nvSpPr>
-        <p:spPr/>
-        <p:txBody>
-          <a:bodyPr>
-            <a:normAutofit fontScale="90000"/>
-          </a:bodyPr>
-          <a:lstStyle/>
-          <a:p>
-            <a:r>
-              <a:rPr lang="en-US" dirty="0"/>
-              <a:t>Proposed Method</a:t>
-            </a:r>
-            <a:br>
-              <a:rPr lang="en-US" dirty="0"/>
-            </a:br>
-            <a:r>
-              <a:rPr lang="en-US" dirty="0"/>
-              <a:t>	-Equalization</a:t>
-            </a:r>
-            <a:endParaRPr lang="en-US" dirty="0"/>
-          </a:p>
-        </p:txBody>
-      </p:sp>
       <p:pic>
         <p:nvPicPr>
-          <p:cNvPr id="3" name="Content Placeholder 2"/>
+          <p:cNvPr id="2" name="Picture 1"/>
           <p:cNvPicPr>
-            <a:picLocks noGrp="1" noChangeAspect="1"/>
+            <a:picLocks noChangeAspect="1"/>
           </p:cNvPicPr>
-          <p:nvPr>
-            <p:ph idx="1"/>
-          </p:nvPr>
+          <p:nvPr/>
         </p:nvPicPr>
         <p:blipFill>
           <a:blip r:embed="rId2">
@@ -10989,15 +11010,266 @@
         </p:blipFill>
         <p:spPr>
           <a:xfrm>
-            <a:off x="2776024" y="1388646"/>
-            <a:ext cx="6639949" cy="5130870"/>
+            <a:off x="164432" y="6306552"/>
+            <a:ext cx="1816100" cy="381000"/>
           </a:xfrm>
+          <a:prstGeom prst="rect">
+            <a:avLst/>
+          </a:prstGeom>
         </p:spPr>
       </p:pic>
+      <p:sp>
+        <p:nvSpPr>
+          <p:cNvPr id="6" name="Rounded Rectangle 5"/>
+          <p:cNvSpPr/>
+          <p:nvPr/>
+        </p:nvSpPr>
+        <p:spPr>
+          <a:xfrm>
+            <a:off x="2188436" y="0"/>
+            <a:ext cx="7385929" cy="2199503"/>
+          </a:xfrm>
+          <a:prstGeom prst="roundRect">
+            <a:avLst/>
+          </a:prstGeom>
+          <a:solidFill>
+            <a:schemeClr val="accent1">
+              <a:lumMod val="60000"/>
+              <a:lumOff val="40000"/>
+              <a:alpha val="16000"/>
+            </a:schemeClr>
+          </a:solidFill>
+          <a:ln>
+            <a:noFill/>
+          </a:ln>
+        </p:spPr>
+        <p:style>
+          <a:lnRef idx="2">
+            <a:schemeClr val="accent1">
+              <a:shade val="50000"/>
+            </a:schemeClr>
+          </a:lnRef>
+          <a:fillRef idx="1">
+            <a:schemeClr val="accent1"/>
+          </a:fillRef>
+          <a:effectRef idx="0">
+            <a:schemeClr val="accent1"/>
+          </a:effectRef>
+          <a:fontRef idx="minor">
+            <a:schemeClr val="lt1"/>
+          </a:fontRef>
+        </p:style>
+        <p:txBody>
+          <a:bodyPr rtlCol="0" anchor="ctr"/>
+          <a:lstStyle/>
+          <a:p>
+            <a:pPr algn="ctr"/>
+            <a:endParaRPr lang="en-US">
+              <a:ln>
+                <a:solidFill>
+                  <a:sysClr val="windowText" lastClr="000000"/>
+                </a:solidFill>
+              </a:ln>
+            </a:endParaRPr>
+          </a:p>
+        </p:txBody>
+      </p:sp>
+      <p:sp>
+        <p:nvSpPr>
+          <p:cNvPr id="12" name="TextBox 11"/>
+          <p:cNvSpPr txBox="1"/>
+          <p:nvPr/>
+        </p:nvSpPr>
+        <p:spPr>
+          <a:xfrm>
+            <a:off x="112516" y="756730"/>
+            <a:ext cx="2054152" cy="461665"/>
+          </a:xfrm>
+          <a:prstGeom prst="rect">
+            <a:avLst/>
+          </a:prstGeom>
+          <a:noFill/>
+        </p:spPr>
+        <p:txBody>
+          <a:bodyPr wrap="none" rtlCol="0">
+            <a:spAutoFit/>
+          </a:bodyPr>
+          <a:lstStyle/>
+          <a:p>
+            <a:r>
+              <a:rPr lang="en-US" sz="2400" dirty="0" smtClean="0">
+                <a:ln w="0"/>
+                <a:solidFill>
+                  <a:schemeClr val="accent1"/>
+                </a:solidFill>
+                <a:effectLst>
+                  <a:outerShdw blurRad="38100" dist="25400" dir="5400000" algn="ctr" rotWithShape="0">
+                    <a:srgbClr val="6E747A">
+                      <a:alpha val="43000"/>
+                    </a:srgbClr>
+                  </a:outerShdw>
+                </a:effectLst>
+              </a:rPr>
+              <a:t>Model Training</a:t>
+            </a:r>
+            <a:endParaRPr lang="en-US" sz="2400" dirty="0">
+              <a:ln w="0"/>
+              <a:solidFill>
+                <a:schemeClr val="accent1"/>
+              </a:solidFill>
+              <a:effectLst>
+                <a:outerShdw blurRad="38100" dist="25400" dir="5400000" algn="ctr" rotWithShape="0">
+                  <a:srgbClr val="6E747A">
+                    <a:alpha val="43000"/>
+                  </a:srgbClr>
+                </a:outerShdw>
+              </a:effectLst>
+            </a:endParaRPr>
+          </a:p>
+        </p:txBody>
+      </p:sp>
+      <p:sp>
+        <p:nvSpPr>
+          <p:cNvPr id="17" name="TextBox 16"/>
+          <p:cNvSpPr txBox="1"/>
+          <p:nvPr/>
+        </p:nvSpPr>
+        <p:spPr>
+          <a:xfrm>
+            <a:off x="9782269" y="987562"/>
+            <a:ext cx="2277926" cy="923330"/>
+          </a:xfrm>
+          <a:prstGeom prst="rect">
+            <a:avLst/>
+          </a:prstGeom>
+          <a:noFill/>
+        </p:spPr>
+        <p:txBody>
+          <a:bodyPr wrap="square" rtlCol="0">
+            <a:spAutoFit/>
+          </a:bodyPr>
+          <a:lstStyle/>
+          <a:p>
+            <a:r>
+              <a:rPr lang="en-US" dirty="0" smtClean="0">
+                <a:ln w="0"/>
+                <a:solidFill>
+                  <a:schemeClr val="accent1"/>
+                </a:solidFill>
+                <a:effectLst>
+                  <a:outerShdw blurRad="38100" dist="25400" dir="5400000" algn="ctr" rotWithShape="0">
+                    <a:srgbClr val="6E747A">
+                      <a:alpha val="43000"/>
+                    </a:srgbClr>
+                  </a:outerShdw>
+                </a:effectLst>
+              </a:rPr>
+              <a:t>Ground truth is the direct or intermediate mixing parameters </a:t>
+            </a:r>
+            <a:endParaRPr lang="en-US" dirty="0">
+              <a:ln w="0"/>
+              <a:solidFill>
+                <a:schemeClr val="accent1"/>
+              </a:solidFill>
+              <a:effectLst>
+                <a:outerShdw blurRad="38100" dist="25400" dir="5400000" algn="ctr" rotWithShape="0">
+                  <a:srgbClr val="6E747A">
+                    <a:alpha val="43000"/>
+                  </a:srgbClr>
+                </a:outerShdw>
+              </a:effectLst>
+            </a:endParaRPr>
+          </a:p>
+        </p:txBody>
+      </p:sp>
+      <p:pic>
+        <p:nvPicPr>
+          <p:cNvPr id="11" name="Picture 10"/>
+          <p:cNvPicPr>
+            <a:picLocks noChangeAspect="1"/>
+          </p:cNvPicPr>
+          <p:nvPr/>
+        </p:nvPicPr>
+        <p:blipFill>
+          <a:blip r:embed="rId3">
+            <a:extLst>
+              <a:ext uri="{28A0092B-C50C-407E-A947-70E740481C1C}">
+                <a14:useLocalDpi xmlns:a14="http://schemas.microsoft.com/office/drawing/2010/main" val="0"/>
+              </a:ext>
+            </a:extLst>
+          </a:blip>
+          <a:stretch>
+            <a:fillRect/>
+          </a:stretch>
+        </p:blipFill>
+        <p:spPr>
+          <a:xfrm>
+            <a:off x="2188436" y="0"/>
+            <a:ext cx="7385928" cy="6858000"/>
+          </a:xfrm>
+          <a:prstGeom prst="rect">
+            <a:avLst/>
+          </a:prstGeom>
+        </p:spPr>
+      </p:pic>
+      <p:sp>
+        <p:nvSpPr>
+          <p:cNvPr id="7" name="Rounded Rectangle 6"/>
+          <p:cNvSpPr/>
+          <p:nvPr/>
+        </p:nvSpPr>
+        <p:spPr>
+          <a:xfrm>
+            <a:off x="2188436" y="2256925"/>
+            <a:ext cx="7289196" cy="4430627"/>
+          </a:xfrm>
+          <a:prstGeom prst="roundRect">
+            <a:avLst/>
+          </a:prstGeom>
+          <a:solidFill>
+            <a:schemeClr val="bg1">
+              <a:alpha val="72000"/>
+            </a:schemeClr>
+          </a:solidFill>
+          <a:ln>
+            <a:noFill/>
+          </a:ln>
+        </p:spPr>
+        <p:style>
+          <a:lnRef idx="2">
+            <a:schemeClr val="accent1">
+              <a:shade val="50000"/>
+            </a:schemeClr>
+          </a:lnRef>
+          <a:fillRef idx="1">
+            <a:schemeClr val="accent1"/>
+          </a:fillRef>
+          <a:effectRef idx="0">
+            <a:schemeClr val="accent1"/>
+          </a:effectRef>
+          <a:fontRef idx="minor">
+            <a:schemeClr val="lt1"/>
+          </a:fontRef>
+        </p:style>
+        <p:txBody>
+          <a:bodyPr rtlCol="0" anchor="ctr"/>
+          <a:lstStyle/>
+          <a:p>
+            <a:pPr algn="ctr"/>
+            <a:endParaRPr lang="en-US">
+              <a:ln>
+                <a:solidFill>
+                  <a:sysClr val="windowText" lastClr="000000"/>
+                </a:solidFill>
+              </a:ln>
+            </a:endParaRPr>
+          </a:p>
+        </p:txBody>
+      </p:sp>
     </p:spTree>
     <p:extLst>
       <p:ext uri="{BB962C8B-B14F-4D97-AF65-F5344CB8AC3E}">
-        <p14:creationId xmlns:p14="http://schemas.microsoft.com/office/powerpoint/2010/main" val="1289502002"/>
+        <p14:creationId xmlns:p14="http://schemas.microsoft.com/office/powerpoint/2010/main" val="418919787"/>
       </p:ext>
     </p:extLst>
   </p:cSld>
@@ -11031,109 +11303,430 @@
           <a:chExt cx="0" cy="0"/>
         </a:xfrm>
       </p:grpSpPr>
+      <p:pic>
+        <p:nvPicPr>
+          <p:cNvPr id="2" name="Picture 1"/>
+          <p:cNvPicPr>
+            <a:picLocks noChangeAspect="1"/>
+          </p:cNvPicPr>
+          <p:nvPr/>
+        </p:nvPicPr>
+        <p:blipFill>
+          <a:blip r:embed="rId2">
+            <a:extLst>
+              <a:ext uri="{28A0092B-C50C-407E-A947-70E740481C1C}">
+                <a14:useLocalDpi xmlns:a14="http://schemas.microsoft.com/office/drawing/2010/main" val="0"/>
+              </a:ext>
+            </a:extLst>
+          </a:blip>
+          <a:stretch>
+            <a:fillRect/>
+          </a:stretch>
+        </p:blipFill>
+        <p:spPr>
+          <a:xfrm>
+            <a:off x="164432" y="6306552"/>
+            <a:ext cx="1816100" cy="381000"/>
+          </a:xfrm>
+          <a:prstGeom prst="rect">
+            <a:avLst/>
+          </a:prstGeom>
+        </p:spPr>
+      </p:pic>
       <p:sp>
         <p:nvSpPr>
-          <p:cNvPr id="2" name="Title 1">
-            <a:extLst>
-              <a:ext uri="{FF2B5EF4-FFF2-40B4-BE49-F238E27FC236}">
-                <a16:creationId xmlns="" xmlns:a16="http://schemas.microsoft.com/office/drawing/2014/main" id="{9045A477-9EA3-4F5C-B4B9-8CE29E6FF138}"/>
-              </a:ext>
-            </a:extLst>
-          </p:cNvPr>
-          <p:cNvSpPr>
-            <a:spLocks noGrp="1"/>
-          </p:cNvSpPr>
-          <p:nvPr>
-            <p:ph type="title"/>
-          </p:nvPr>
+          <p:cNvPr id="6" name="Rounded Rectangle 5"/>
+          <p:cNvSpPr/>
+          <p:nvPr/>
         </p:nvSpPr>
-        <p:spPr/>
+        <p:spPr>
+          <a:xfrm>
+            <a:off x="2188436" y="0"/>
+            <a:ext cx="7385929" cy="2199503"/>
+          </a:xfrm>
+          <a:prstGeom prst="roundRect">
+            <a:avLst/>
+          </a:prstGeom>
+          <a:solidFill>
+            <a:schemeClr val="accent1">
+              <a:lumMod val="60000"/>
+              <a:lumOff val="40000"/>
+              <a:alpha val="16000"/>
+            </a:schemeClr>
+          </a:solidFill>
+          <a:ln>
+            <a:noFill/>
+          </a:ln>
+        </p:spPr>
+        <p:style>
+          <a:lnRef idx="2">
+            <a:schemeClr val="accent1">
+              <a:shade val="50000"/>
+            </a:schemeClr>
+          </a:lnRef>
+          <a:fillRef idx="1">
+            <a:schemeClr val="accent1"/>
+          </a:fillRef>
+          <a:effectRef idx="0">
+            <a:schemeClr val="accent1"/>
+          </a:effectRef>
+          <a:fontRef idx="minor">
+            <a:schemeClr val="lt1"/>
+          </a:fontRef>
+        </p:style>
         <p:txBody>
-          <a:bodyPr>
-            <a:normAutofit fontScale="90000"/>
-          </a:bodyPr>
+          <a:bodyPr rtlCol="0" anchor="ctr"/>
           <a:lstStyle/>
           <a:p>
-            <a:r>
-              <a:rPr lang="en-US" dirty="0"/>
-              <a:t>Proposed Method</a:t>
-            </a:r>
-            <a:br>
-              <a:rPr lang="en-US" dirty="0"/>
-            </a:br>
-            <a:r>
-              <a:rPr lang="en-US" dirty="0"/>
-              <a:t>	</a:t>
-            </a:r>
-            <a:r>
-              <a:rPr lang="en-US" dirty="0" smtClean="0"/>
-              <a:t>-Reverberation</a:t>
-            </a:r>
-            <a:endParaRPr lang="en-US" dirty="0"/>
+            <a:pPr algn="ctr"/>
+            <a:endParaRPr lang="en-US">
+              <a:ln>
+                <a:solidFill>
+                  <a:sysClr val="windowText" lastClr="000000"/>
+                </a:solidFill>
+              </a:ln>
+            </a:endParaRPr>
           </a:p>
         </p:txBody>
       </p:sp>
       <p:sp>
         <p:nvSpPr>
-          <p:cNvPr id="5" name="Content Placeholder 4"/>
-          <p:cNvSpPr>
-            <a:spLocks noGrp="1"/>
-          </p:cNvSpPr>
-          <p:nvPr>
-            <p:ph idx="1"/>
-          </p:nvPr>
+          <p:cNvPr id="9" name="TextBox 8"/>
+          <p:cNvSpPr txBox="1"/>
+          <p:nvPr/>
         </p:nvSpPr>
-        <p:spPr/>
+        <p:spPr>
+          <a:xfrm>
+            <a:off x="112516" y="756730"/>
+            <a:ext cx="2054152" cy="461665"/>
+          </a:xfrm>
+          <a:prstGeom prst="rect">
+            <a:avLst/>
+          </a:prstGeom>
+          <a:noFill/>
+        </p:spPr>
         <p:txBody>
-          <a:bodyPr>
-            <a:normAutofit/>
+          <a:bodyPr wrap="none" rtlCol="0">
+            <a:spAutoFit/>
           </a:bodyPr>
           <a:lstStyle/>
           <a:p>
-            <a:endParaRPr lang="en-US" sz="3200" dirty="0" smtClean="0"/>
-          </a:p>
-          <a:p>
-            <a:r>
-              <a:rPr lang="en-US" sz="3200" dirty="0" smtClean="0"/>
-              <a:t>Extracts the reverb impulse responses by a commercial plugin</a:t>
-            </a:r>
-          </a:p>
-          <a:p>
-            <a:endParaRPr lang="en-US" sz="3200" dirty="0"/>
-          </a:p>
-          <a:p>
-            <a:r>
-              <a:rPr lang="en-US" sz="3200" dirty="0" smtClean="0"/>
-              <a:t>Uses genetic optimization to </a:t>
-            </a:r>
-            <a:r>
-              <a:rPr lang="en-US" sz="3200" dirty="0" smtClean="0">
+            <a:r>
+              <a:rPr lang="en-US" sz="2400" dirty="0" smtClean="0">
+                <a:ln w="0"/>
                 <a:solidFill>
-                  <a:srgbClr val="FF0000"/>
+                  <a:schemeClr val="accent1"/>
                 </a:solidFill>
+                <a:effectLst>
+                  <a:outerShdw blurRad="38100" dist="25400" dir="5400000" algn="ctr" rotWithShape="0">
+                    <a:srgbClr val="6E747A">
+                      <a:alpha val="43000"/>
+                    </a:srgbClr>
+                  </a:outerShdw>
+                </a:effectLst>
               </a:rPr>
-              <a:t>approximate the reverb parameters for the </a:t>
-            </a:r>
-            <a:r>
-              <a:rPr lang="en-US" sz="3200" dirty="0">
-                <a:solidFill>
-                  <a:srgbClr val="FF0000"/>
-                </a:solidFill>
-              </a:rPr>
-              <a:t>impulse responses</a:t>
-            </a:r>
-            <a:r>
-              <a:rPr lang="en-US" sz="3200" dirty="0"/>
-              <a:t> </a:t>
-            </a:r>
-            <a:endParaRPr lang="en-US" sz="3200" dirty="0" smtClean="0"/>
+              <a:t>Model Training</a:t>
+            </a:r>
+            <a:endParaRPr lang="en-US" sz="2400" dirty="0">
+              <a:ln w="0"/>
+              <a:solidFill>
+                <a:schemeClr val="accent1"/>
+              </a:solidFill>
+              <a:effectLst>
+                <a:outerShdw blurRad="38100" dist="25400" dir="5400000" algn="ctr" rotWithShape="0">
+                  <a:srgbClr val="6E747A">
+                    <a:alpha val="43000"/>
+                  </a:srgbClr>
+                </a:outerShdw>
+              </a:effectLst>
+            </a:endParaRPr>
           </a:p>
         </p:txBody>
       </p:sp>
+      <p:sp>
+        <p:nvSpPr>
+          <p:cNvPr id="8" name="Rounded Rectangle 7"/>
+          <p:cNvSpPr/>
+          <p:nvPr/>
+        </p:nvSpPr>
+        <p:spPr>
+          <a:xfrm>
+            <a:off x="2188436" y="2409568"/>
+            <a:ext cx="7385929" cy="3373394"/>
+          </a:xfrm>
+          <a:prstGeom prst="roundRect">
+            <a:avLst/>
+          </a:prstGeom>
+          <a:solidFill>
+            <a:schemeClr val="accent2">
+              <a:lumMod val="60000"/>
+              <a:lumOff val="40000"/>
+              <a:alpha val="16000"/>
+            </a:schemeClr>
+          </a:solidFill>
+          <a:ln>
+            <a:noFill/>
+          </a:ln>
+        </p:spPr>
+        <p:style>
+          <a:lnRef idx="2">
+            <a:schemeClr val="accent1">
+              <a:shade val="50000"/>
+            </a:schemeClr>
+          </a:lnRef>
+          <a:fillRef idx="1">
+            <a:schemeClr val="accent1"/>
+          </a:fillRef>
+          <a:effectRef idx="0">
+            <a:schemeClr val="accent1"/>
+          </a:effectRef>
+          <a:fontRef idx="minor">
+            <a:schemeClr val="lt1"/>
+          </a:fontRef>
+        </p:style>
+        <p:txBody>
+          <a:bodyPr rtlCol="0" anchor="ctr"/>
+          <a:lstStyle/>
+          <a:p>
+            <a:pPr algn="ctr"/>
+            <a:endParaRPr lang="en-US">
+              <a:ln>
+                <a:solidFill>
+                  <a:sysClr val="windowText" lastClr="000000"/>
+                </a:solidFill>
+              </a:ln>
+            </a:endParaRPr>
+          </a:p>
+        </p:txBody>
+      </p:sp>
+      <p:sp>
+        <p:nvSpPr>
+          <p:cNvPr id="10" name="TextBox 9"/>
+          <p:cNvSpPr txBox="1"/>
+          <p:nvPr/>
+        </p:nvSpPr>
+        <p:spPr>
+          <a:xfrm>
+            <a:off x="-4022" y="4069618"/>
+            <a:ext cx="2287229" cy="461665"/>
+          </a:xfrm>
+          <a:prstGeom prst="rect">
+            <a:avLst/>
+          </a:prstGeom>
+          <a:noFill/>
+        </p:spPr>
+        <p:txBody>
+          <a:bodyPr wrap="none" rtlCol="0">
+            <a:spAutoFit/>
+          </a:bodyPr>
+          <a:lstStyle/>
+          <a:p>
+            <a:r>
+              <a:rPr lang="en-US" sz="2400" dirty="0" smtClean="0">
+                <a:ln w="0"/>
+                <a:solidFill>
+                  <a:schemeClr val="accent2"/>
+                </a:solidFill>
+                <a:effectLst>
+                  <a:outerShdw blurRad="38100" dist="25400" dir="5400000" algn="ctr" rotWithShape="0">
+                    <a:srgbClr val="6E747A">
+                      <a:alpha val="43000"/>
+                    </a:srgbClr>
+                  </a:outerShdw>
+                </a:effectLst>
+              </a:rPr>
+              <a:t>Model Inference</a:t>
+            </a:r>
+            <a:endParaRPr lang="en-US" sz="2400" dirty="0">
+              <a:ln w="0"/>
+              <a:solidFill>
+                <a:schemeClr val="accent2"/>
+              </a:solidFill>
+              <a:effectLst>
+                <a:outerShdw blurRad="38100" dist="25400" dir="5400000" algn="ctr" rotWithShape="0">
+                  <a:srgbClr val="6E747A">
+                    <a:alpha val="43000"/>
+                  </a:srgbClr>
+                </a:outerShdw>
+              </a:effectLst>
+            </a:endParaRPr>
+          </a:p>
+        </p:txBody>
+      </p:sp>
+      <p:sp>
+        <p:nvSpPr>
+          <p:cNvPr id="12" name="TextBox 11"/>
+          <p:cNvSpPr txBox="1"/>
+          <p:nvPr/>
+        </p:nvSpPr>
+        <p:spPr>
+          <a:xfrm>
+            <a:off x="9782269" y="3496100"/>
+            <a:ext cx="2277926" cy="1200329"/>
+          </a:xfrm>
+          <a:prstGeom prst="rect">
+            <a:avLst/>
+          </a:prstGeom>
+          <a:noFill/>
+        </p:spPr>
+        <p:txBody>
+          <a:bodyPr wrap="square" rtlCol="0">
+            <a:spAutoFit/>
+          </a:bodyPr>
+          <a:lstStyle/>
+          <a:p>
+            <a:r>
+              <a:rPr lang="en-US" dirty="0" smtClean="0">
+                <a:ln w="0"/>
+                <a:solidFill>
+                  <a:schemeClr val="accent2"/>
+                </a:solidFill>
+                <a:effectLst>
+                  <a:outerShdw blurRad="38100" dist="25400" dir="5400000" algn="ctr" rotWithShape="0">
+                    <a:srgbClr val="6E747A">
+                      <a:alpha val="43000"/>
+                    </a:srgbClr>
+                  </a:outerShdw>
+                </a:effectLst>
+              </a:rPr>
+              <a:t>Optionally</a:t>
+            </a:r>
+            <a:r>
+              <a:rPr lang="en-US" smtClean="0">
+                <a:ln w="0"/>
+                <a:solidFill>
+                  <a:schemeClr val="accent2"/>
+                </a:solidFill>
+                <a:effectLst>
+                  <a:outerShdw blurRad="38100" dist="25400" dir="5400000" algn="ctr" rotWithShape="0">
+                    <a:srgbClr val="6E747A">
+                      <a:alpha val="43000"/>
+                    </a:srgbClr>
+                  </a:outerShdw>
+                </a:effectLst>
+              </a:rPr>
+              <a:t>, convert intermediate model outputs </a:t>
+            </a:r>
+            <a:r>
+              <a:rPr lang="en-US" dirty="0" smtClean="0">
+                <a:ln w="0"/>
+                <a:solidFill>
+                  <a:schemeClr val="accent2"/>
+                </a:solidFill>
+                <a:effectLst>
+                  <a:outerShdw blurRad="38100" dist="25400" dir="5400000" algn="ctr" rotWithShape="0">
+                    <a:srgbClr val="6E747A">
+                      <a:alpha val="43000"/>
+                    </a:srgbClr>
+                  </a:outerShdw>
+                </a:effectLst>
+              </a:rPr>
+              <a:t>into direct mixing parameters </a:t>
+            </a:r>
+            <a:endParaRPr lang="en-US" dirty="0">
+              <a:ln w="0"/>
+              <a:solidFill>
+                <a:schemeClr val="accent2"/>
+              </a:solidFill>
+              <a:effectLst>
+                <a:outerShdw blurRad="38100" dist="25400" dir="5400000" algn="ctr" rotWithShape="0">
+                  <a:srgbClr val="6E747A">
+                    <a:alpha val="43000"/>
+                  </a:srgbClr>
+                </a:outerShdw>
+              </a:effectLst>
+            </a:endParaRPr>
+          </a:p>
+        </p:txBody>
+      </p:sp>
+      <p:sp>
+        <p:nvSpPr>
+          <p:cNvPr id="13" name="TextBox 12"/>
+          <p:cNvSpPr txBox="1"/>
+          <p:nvPr/>
+        </p:nvSpPr>
+        <p:spPr>
+          <a:xfrm>
+            <a:off x="9782269" y="987562"/>
+            <a:ext cx="2277926" cy="923330"/>
+          </a:xfrm>
+          <a:prstGeom prst="rect">
+            <a:avLst/>
+          </a:prstGeom>
+          <a:noFill/>
+        </p:spPr>
+        <p:txBody>
+          <a:bodyPr wrap="square" rtlCol="0">
+            <a:spAutoFit/>
+          </a:bodyPr>
+          <a:lstStyle/>
+          <a:p>
+            <a:r>
+              <a:rPr lang="en-US" dirty="0" smtClean="0">
+                <a:ln w="0"/>
+                <a:solidFill>
+                  <a:schemeClr val="accent1"/>
+                </a:solidFill>
+                <a:effectLst>
+                  <a:outerShdw blurRad="38100" dist="25400" dir="5400000" algn="ctr" rotWithShape="0">
+                    <a:srgbClr val="6E747A">
+                      <a:alpha val="43000"/>
+                    </a:srgbClr>
+                  </a:outerShdw>
+                </a:effectLst>
+              </a:rPr>
+              <a:t>Ground truth is the direct or intermediate mixing parameters </a:t>
+            </a:r>
+            <a:endParaRPr lang="en-US" dirty="0">
+              <a:ln w="0"/>
+              <a:solidFill>
+                <a:schemeClr val="accent1"/>
+              </a:solidFill>
+              <a:effectLst>
+                <a:outerShdw blurRad="38100" dist="25400" dir="5400000" algn="ctr" rotWithShape="0">
+                  <a:srgbClr val="6E747A">
+                    <a:alpha val="43000"/>
+                  </a:srgbClr>
+                </a:outerShdw>
+              </a:effectLst>
+            </a:endParaRPr>
+          </a:p>
+        </p:txBody>
+      </p:sp>
+      <p:pic>
+        <p:nvPicPr>
+          <p:cNvPr id="11" name="Picture 10"/>
+          <p:cNvPicPr>
+            <a:picLocks noChangeAspect="1"/>
+          </p:cNvPicPr>
+          <p:nvPr/>
+        </p:nvPicPr>
+        <p:blipFill>
+          <a:blip r:embed="rId3">
+            <a:extLst>
+              <a:ext uri="{28A0092B-C50C-407E-A947-70E740481C1C}">
+                <a14:useLocalDpi xmlns:a14="http://schemas.microsoft.com/office/drawing/2010/main" val="0"/>
+              </a:ext>
+            </a:extLst>
+          </a:blip>
+          <a:stretch>
+            <a:fillRect/>
+          </a:stretch>
+        </p:blipFill>
+        <p:spPr>
+          <a:xfrm>
+            <a:off x="2188436" y="0"/>
+            <a:ext cx="7385928" cy="6858000"/>
+          </a:xfrm>
+          <a:prstGeom prst="rect">
+            <a:avLst/>
+          </a:prstGeom>
+        </p:spPr>
+      </p:pic>
     </p:spTree>
     <p:extLst>
       <p:ext uri="{BB962C8B-B14F-4D97-AF65-F5344CB8AC3E}">
-        <p14:creationId xmlns:p14="http://schemas.microsoft.com/office/powerpoint/2010/main" val="530104804"/>
+        <p14:creationId xmlns:p14="http://schemas.microsoft.com/office/powerpoint/2010/main" val="1644841035"/>
       </p:ext>
     </p:extLst>
   </p:cSld>
@@ -11172,7 +11765,7 @@
           <p:cNvPr id="2" name="Title 1">
             <a:extLst>
               <a:ext uri="{FF2B5EF4-FFF2-40B4-BE49-F238E27FC236}">
-                <a16:creationId xmlns="" xmlns:a16="http://schemas.microsoft.com/office/drawing/2014/main" id="{9045A477-9EA3-4F5C-B4B9-8CE29E6FF138}"/>
+                <a16:creationId xmlns:a16="http://schemas.microsoft.com/office/drawing/2014/main" xmlns="" id="{9045A477-9EA3-4F5C-B4B9-8CE29E6FF138}"/>
               </a:ext>
             </a:extLst>
           </p:cNvPr>
@@ -11192,52 +11785,101 @@
           <a:p>
             <a:r>
               <a:rPr lang="en-US" dirty="0"/>
-              <a:t>Proposed Method</a:t>
+              <a:t>Proposed </a:t>
+            </a:r>
+            <a:r>
+              <a:rPr lang="en-US" dirty="0" smtClean="0"/>
+              <a:t>Method</a:t>
             </a:r>
             <a:br>
-              <a:rPr lang="en-US" dirty="0"/>
+              <a:rPr lang="en-US" dirty="0" smtClean="0"/>
             </a:br>
             <a:r>
-              <a:rPr lang="en-US" dirty="0"/>
-              <a:t>	-Reverberation</a:t>
-            </a:r>
-            <a:endParaRPr lang="en-US" dirty="0"/>
+              <a:rPr lang="en-US" dirty="0" smtClean="0"/>
+              <a:t>	</a:t>
+            </a:r>
+            <a:r>
+              <a:rPr lang="en-US" sz="3100" dirty="0" smtClean="0"/>
+              <a:t>-</a:t>
+            </a:r>
+            <a:r>
+              <a:rPr lang="en-US" dirty="0" smtClean="0"/>
+              <a:t>Level Balance and Compression</a:t>
+            </a:r>
+            <a:endParaRPr lang="en-US" sz="6000" dirty="0"/>
           </a:p>
         </p:txBody>
       </p:sp>
-      <p:pic>
-        <p:nvPicPr>
-          <p:cNvPr id="3" name="Content Placeholder 2"/>
-          <p:cNvPicPr>
-            <a:picLocks noGrp="1" noChangeAspect="1"/>
-          </p:cNvPicPr>
+      <p:sp>
+        <p:nvSpPr>
+          <p:cNvPr id="5" name="Content Placeholder 4"/>
+          <p:cNvSpPr>
+            <a:spLocks noGrp="1"/>
+          </p:cNvSpPr>
           <p:nvPr>
             <p:ph idx="1"/>
           </p:nvPr>
-        </p:nvPicPr>
-        <p:blipFill>
-          <a:blip r:embed="rId2">
-            <a:extLst>
-              <a:ext uri="{28A0092B-C50C-407E-A947-70E740481C1C}">
-                <a14:useLocalDpi xmlns:a14="http://schemas.microsoft.com/office/drawing/2010/main" val="0"/>
-              </a:ext>
-            </a:extLst>
-          </a:blip>
-          <a:stretch>
-            <a:fillRect/>
-          </a:stretch>
-        </p:blipFill>
-        <p:spPr>
-          <a:xfrm>
-            <a:off x="2812831" y="1427651"/>
-            <a:ext cx="6566336" cy="5073988"/>
-          </a:xfrm>
-        </p:spPr>
-      </p:pic>
+        </p:nvSpPr>
+        <p:spPr/>
+        <p:txBody>
+          <a:bodyPr>
+            <a:normAutofit/>
+          </a:bodyPr>
+          <a:lstStyle/>
+          <a:p>
+            <a:endParaRPr lang="en-US" sz="3200" dirty="0"/>
+          </a:p>
+          <a:p>
+            <a:r>
+              <a:rPr lang="en-US" sz="3200" dirty="0" smtClean="0"/>
+              <a:t>The model </a:t>
+            </a:r>
+            <a:r>
+              <a:rPr lang="en-US" sz="3200" dirty="0"/>
+              <a:t>outputs </a:t>
+            </a:r>
+            <a:r>
+              <a:rPr lang="en-US" sz="3200" dirty="0" smtClean="0"/>
+              <a:t>intermediate </a:t>
+            </a:r>
+            <a:r>
+              <a:rPr lang="en-US" sz="3200" smtClean="0"/>
+              <a:t>audio features </a:t>
+            </a:r>
+            <a:r>
+              <a:rPr lang="en-US" sz="3200" dirty="0" smtClean="0"/>
+              <a:t>(relative loudness and loudness range)</a:t>
+            </a:r>
+          </a:p>
+          <a:p>
+            <a:endParaRPr lang="en-US" sz="3200" dirty="0"/>
+          </a:p>
+          <a:p>
+            <a:r>
+              <a:rPr lang="en-US" sz="3200" dirty="0" smtClean="0"/>
+              <a:t>Post-processing converts the </a:t>
+            </a:r>
+            <a:r>
+              <a:rPr lang="en-US" sz="3200" dirty="0"/>
+              <a:t>intermediate </a:t>
+            </a:r>
+            <a:r>
+              <a:rPr lang="en-US" sz="3200" dirty="0" smtClean="0"/>
+              <a:t>features into mixing parameters</a:t>
+            </a:r>
+          </a:p>
+          <a:p>
+            <a:endParaRPr lang="en-US" sz="3200" dirty="0"/>
+          </a:p>
+          <a:p>
+            <a:endParaRPr lang="en-US" sz="3200" dirty="0" smtClean="0"/>
+          </a:p>
+        </p:txBody>
+      </p:sp>
     </p:spTree>
     <p:extLst>
       <p:ext uri="{BB962C8B-B14F-4D97-AF65-F5344CB8AC3E}">
-        <p14:creationId xmlns:p14="http://schemas.microsoft.com/office/powerpoint/2010/main" val="596390321"/>
+        <p14:creationId xmlns:p14="http://schemas.microsoft.com/office/powerpoint/2010/main" val="1433598925"/>
       </p:ext>
     </p:extLst>
   </p:cSld>
@@ -11276,7 +11918,7 @@
           <p:cNvPr id="2" name="Title 1">
             <a:extLst>
               <a:ext uri="{FF2B5EF4-FFF2-40B4-BE49-F238E27FC236}">
-                <a16:creationId xmlns="" xmlns:a16="http://schemas.microsoft.com/office/drawing/2014/main" id="{9045A477-9EA3-4F5C-B4B9-8CE29E6FF138}"/>
+                <a16:creationId xmlns:a16="http://schemas.microsoft.com/office/drawing/2014/main" xmlns="" id="{9045A477-9EA3-4F5C-B4B9-8CE29E6FF138}"/>
               </a:ext>
             </a:extLst>
           </p:cNvPr>
@@ -11289,58 +11931,296 @@
         </p:nvSpPr>
         <p:spPr/>
         <p:txBody>
-          <a:bodyPr/>
+          <a:bodyPr>
+            <a:normAutofit fontScale="90000"/>
+          </a:bodyPr>
           <a:lstStyle/>
           <a:p>
             <a:r>
+              <a:rPr lang="en-US" dirty="0"/>
+              <a:t>Proposed Method</a:t>
+            </a:r>
+            <a:br>
+              <a:rPr lang="en-US" dirty="0"/>
+            </a:br>
+            <a:r>
+              <a:rPr lang="en-US" dirty="0"/>
+              <a:t>	-Level </a:t>
+            </a:r>
+            <a:r>
               <a:rPr lang="en-US" dirty="0" smtClean="0"/>
-              <a:t>Timeline</a:t>
+              <a:t>Balance</a:t>
             </a:r>
             <a:endParaRPr lang="en-US" dirty="0"/>
           </a:p>
         </p:txBody>
       </p:sp>
-      <p:graphicFrame>
-        <p:nvGraphicFramePr>
-          <p:cNvPr id="6" name="Content Placeholder 3" descr="SmartArt timeline">
+      <p:sp>
+        <p:nvSpPr>
+          <p:cNvPr id="6" name="TextBox 5"/>
+          <p:cNvSpPr txBox="1"/>
+          <p:nvPr/>
+        </p:nvSpPr>
+        <p:spPr>
+          <a:xfrm>
+            <a:off x="276639" y="1905592"/>
+            <a:ext cx="2054152" cy="461665"/>
+          </a:xfrm>
+          <a:prstGeom prst="rect">
+            <a:avLst/>
+          </a:prstGeom>
+          <a:noFill/>
+        </p:spPr>
+        <p:txBody>
+          <a:bodyPr wrap="none" rtlCol="0">
+            <a:spAutoFit/>
+          </a:bodyPr>
+          <a:lstStyle/>
+          <a:p>
+            <a:r>
+              <a:rPr lang="en-US" sz="2400" dirty="0" smtClean="0">
+                <a:ln w="0"/>
+                <a:solidFill>
+                  <a:schemeClr val="accent1"/>
+                </a:solidFill>
+                <a:effectLst>
+                  <a:outerShdw blurRad="38100" dist="25400" dir="5400000" algn="ctr" rotWithShape="0">
+                    <a:srgbClr val="6E747A">
+                      <a:alpha val="43000"/>
+                    </a:srgbClr>
+                  </a:outerShdw>
+                </a:effectLst>
+              </a:rPr>
+              <a:t>Model Training</a:t>
+            </a:r>
+            <a:endParaRPr lang="en-US" sz="2400" dirty="0">
+              <a:ln w="0"/>
+              <a:solidFill>
+                <a:schemeClr val="accent1"/>
+              </a:solidFill>
+              <a:effectLst>
+                <a:outerShdw blurRad="38100" dist="25400" dir="5400000" algn="ctr" rotWithShape="0">
+                  <a:srgbClr val="6E747A">
+                    <a:alpha val="43000"/>
+                  </a:srgbClr>
+                </a:outerShdw>
+              </a:effectLst>
+            </a:endParaRPr>
+          </a:p>
+        </p:txBody>
+      </p:sp>
+      <p:sp>
+        <p:nvSpPr>
+          <p:cNvPr id="7" name="TextBox 6"/>
+          <p:cNvSpPr txBox="1"/>
+          <p:nvPr/>
+        </p:nvSpPr>
+        <p:spPr>
+          <a:xfrm>
+            <a:off x="160100" y="4163402"/>
+            <a:ext cx="2287229" cy="461665"/>
+          </a:xfrm>
+          <a:prstGeom prst="rect">
+            <a:avLst/>
+          </a:prstGeom>
+          <a:noFill/>
+        </p:spPr>
+        <p:txBody>
+          <a:bodyPr wrap="none" rtlCol="0">
+            <a:spAutoFit/>
+          </a:bodyPr>
+          <a:lstStyle/>
+          <a:p>
+            <a:r>
+              <a:rPr lang="en-US" sz="2400" dirty="0" smtClean="0">
+                <a:ln w="0"/>
+                <a:solidFill>
+                  <a:schemeClr val="accent2"/>
+                </a:solidFill>
+                <a:effectLst>
+                  <a:outerShdw blurRad="38100" dist="25400" dir="5400000" algn="ctr" rotWithShape="0">
+                    <a:srgbClr val="6E747A">
+                      <a:alpha val="43000"/>
+                    </a:srgbClr>
+                  </a:outerShdw>
+                </a:effectLst>
+              </a:rPr>
+              <a:t>Model Inference</a:t>
+            </a:r>
+            <a:endParaRPr lang="en-US" sz="2400" dirty="0">
+              <a:ln w="0"/>
+              <a:solidFill>
+                <a:schemeClr val="accent2"/>
+              </a:solidFill>
+              <a:effectLst>
+                <a:outerShdw blurRad="38100" dist="25400" dir="5400000" algn="ctr" rotWithShape="0">
+                  <a:srgbClr val="6E747A">
+                    <a:alpha val="43000"/>
+                  </a:srgbClr>
+                </a:outerShdw>
+              </a:effectLst>
+            </a:endParaRPr>
+          </a:p>
+        </p:txBody>
+      </p:sp>
+      <p:sp>
+        <p:nvSpPr>
+          <p:cNvPr id="8" name="Rounded Rectangle 7"/>
+          <p:cNvSpPr/>
+          <p:nvPr/>
+        </p:nvSpPr>
+        <p:spPr>
+          <a:xfrm>
+            <a:off x="2447329" y="1352540"/>
+            <a:ext cx="7095255" cy="1496168"/>
+          </a:xfrm>
+          <a:prstGeom prst="roundRect">
+            <a:avLst/>
+          </a:prstGeom>
+          <a:solidFill>
+            <a:schemeClr val="accent1">
+              <a:lumMod val="60000"/>
+              <a:lumOff val="40000"/>
+              <a:alpha val="16000"/>
+            </a:schemeClr>
+          </a:solidFill>
+          <a:ln>
+            <a:noFill/>
+          </a:ln>
+        </p:spPr>
+        <p:style>
+          <a:lnRef idx="2">
+            <a:schemeClr val="accent1">
+              <a:shade val="50000"/>
+            </a:schemeClr>
+          </a:lnRef>
+          <a:fillRef idx="1">
+            <a:schemeClr val="accent1"/>
+          </a:fillRef>
+          <a:effectRef idx="0">
+            <a:schemeClr val="accent1"/>
+          </a:effectRef>
+          <a:fontRef idx="minor">
+            <a:schemeClr val="lt1"/>
+          </a:fontRef>
+        </p:style>
+        <p:txBody>
+          <a:bodyPr rtlCol="0" anchor="ctr"/>
+          <a:lstStyle/>
+          <a:p>
+            <a:pPr algn="ctr"/>
+            <a:endParaRPr lang="en-US">
+              <a:ln>
+                <a:solidFill>
+                  <a:sysClr val="windowText" lastClr="000000"/>
+                </a:solidFill>
+              </a:ln>
+            </a:endParaRPr>
+          </a:p>
+        </p:txBody>
+      </p:sp>
+      <p:sp>
+        <p:nvSpPr>
+          <p:cNvPr id="9" name="Rounded Rectangle 8"/>
+          <p:cNvSpPr/>
+          <p:nvPr/>
+        </p:nvSpPr>
+        <p:spPr>
+          <a:xfrm>
+            <a:off x="2447328" y="3200400"/>
+            <a:ext cx="7095255" cy="2590800"/>
+          </a:xfrm>
+          <a:prstGeom prst="roundRect">
+            <a:avLst/>
+          </a:prstGeom>
+          <a:solidFill>
+            <a:schemeClr val="accent2">
+              <a:lumMod val="60000"/>
+              <a:lumOff val="40000"/>
+              <a:alpha val="16000"/>
+            </a:schemeClr>
+          </a:solidFill>
+          <a:ln>
+            <a:noFill/>
+          </a:ln>
+        </p:spPr>
+        <p:style>
+          <a:lnRef idx="2">
+            <a:schemeClr val="accent1">
+              <a:shade val="50000"/>
+            </a:schemeClr>
+          </a:lnRef>
+          <a:fillRef idx="1">
+            <a:schemeClr val="accent1"/>
+          </a:fillRef>
+          <a:effectRef idx="0">
+            <a:schemeClr val="accent1"/>
+          </a:effectRef>
+          <a:fontRef idx="minor">
+            <a:schemeClr val="lt1"/>
+          </a:fontRef>
+        </p:style>
+        <p:txBody>
+          <a:bodyPr rtlCol="0" anchor="ctr"/>
+          <a:lstStyle/>
+          <a:p>
+            <a:pPr algn="ctr"/>
+            <a:endParaRPr lang="en-US">
+              <a:ln>
+                <a:solidFill>
+                  <a:sysClr val="windowText" lastClr="000000"/>
+                </a:solidFill>
+              </a:ln>
+            </a:endParaRPr>
+          </a:p>
+        </p:txBody>
+      </p:sp>
+      <p:pic>
+        <p:nvPicPr>
+          <p:cNvPr id="5" name="Content Placeholder 4"/>
+          <p:cNvPicPr>
+            <a:picLocks noGrp="1" noChangeAspect="1"/>
+          </p:cNvPicPr>
+          <p:nvPr>
+            <p:ph idx="1"/>
+          </p:nvPr>
+        </p:nvPicPr>
+        <p:blipFill>
+          <a:blip r:embed="rId2">
             <a:extLst>
-              <a:ext uri="{FF2B5EF4-FFF2-40B4-BE49-F238E27FC236}">
-                <a16:creationId xmlns:a16="http://schemas.microsoft.com/office/drawing/2014/main" xmlns="" id="{4424901C-24B0-4C46-B815-EB0C38D74251}"/>
+              <a:ext uri="{28A0092B-C50C-407E-A947-70E740481C1C}">
+                <a14:useLocalDpi xmlns:a14="http://schemas.microsoft.com/office/drawing/2010/main" val="0"/>
               </a:ext>
             </a:extLst>
-          </p:cNvPr>
-          <p:cNvGraphicFramePr>
-            <a:graphicFrameLocks noGrp="1"/>
-          </p:cNvGraphicFramePr>
-          <p:nvPr>
-            <p:ph idx="1"/>
-            <p:extLst>
-              <p:ext uri="{D42A27DB-BD31-4B8C-83A1-F6EECF244321}">
-                <p14:modId xmlns:p14="http://schemas.microsoft.com/office/powerpoint/2010/main" val="1799748983"/>
-              </p:ext>
-            </p:extLst>
-          </p:nvPr>
-        </p:nvGraphicFramePr>
-        <p:xfrm>
-          <a:off x="0" y="1031358"/>
-          <a:ext cx="12192000" cy="5220161"/>
-        </p:xfrm>
-        <a:graphic>
-          <a:graphicData uri="http://schemas.openxmlformats.org/drawingml/2006/diagram">
-            <dgm:relIds xmlns:dgm="http://schemas.openxmlformats.org/drawingml/2006/diagram" xmlns:r="http://schemas.openxmlformats.org/officeDocument/2006/relationships" r:dm="rId2" r:lo="rId3" r:qs="rId4" r:cs="rId5"/>
-          </a:graphicData>
-        </a:graphic>
-      </p:graphicFrame>
+          </a:blip>
+          <a:stretch>
+            <a:fillRect/>
+          </a:stretch>
+        </p:blipFill>
+        <p:spPr>
+          <a:xfrm>
+            <a:off x="2672862" y="1244421"/>
+            <a:ext cx="6814790" cy="5434172"/>
+          </a:xfrm>
+        </p:spPr>
+      </p:pic>
     </p:spTree>
     <p:extLst>
       <p:ext uri="{BB962C8B-B14F-4D97-AF65-F5344CB8AC3E}">
-        <p14:creationId xmlns:p14="http://schemas.microsoft.com/office/powerpoint/2010/main" val="29729133"/>
+        <p14:creationId xmlns:p14="http://schemas.microsoft.com/office/powerpoint/2010/main" val="1903989323"/>
       </p:ext>
     </p:extLst>
   </p:cSld>
   <p:clrMapOvr>
     <a:masterClrMapping/>
   </p:clrMapOvr>
+  <p:timing>
+    <p:tnLst>
+      <p:par>
+        <p:cTn id="1" dur="indefinite" restart="never" nodeType="tmRoot"/>
+      </p:par>
+    </p:tnLst>
+  </p:timing>
 </p:sld>
 </file>
 
@@ -11366,7 +12246,7 @@
           <p:cNvPr id="2" name="Title 1">
             <a:extLst>
               <a:ext uri="{FF2B5EF4-FFF2-40B4-BE49-F238E27FC236}">
-                <a16:creationId xmlns="" xmlns:a16="http://schemas.microsoft.com/office/drawing/2014/main" id="{C4E7E4E3-58E4-48B2-B90A-3DD713AC4C3C}"/>
+                <a16:creationId xmlns:a16="http://schemas.microsoft.com/office/drawing/2014/main" xmlns="" id="{9045A477-9EA3-4F5C-B4B9-8CE29E6FF138}"/>
               </a:ext>
             </a:extLst>
           </p:cNvPr>
@@ -11379,27 +12259,1301 @@
         </p:nvSpPr>
         <p:spPr/>
         <p:txBody>
-          <a:bodyPr/>
+          <a:bodyPr>
+            <a:normAutofit fontScale="90000"/>
+          </a:bodyPr>
           <a:lstStyle/>
           <a:p>
             <a:r>
+              <a:rPr lang="en-US" dirty="0"/>
+              <a:t>Proposed Method</a:t>
+            </a:r>
+            <a:br>
+              <a:rPr lang="en-US" dirty="0"/>
+            </a:br>
+            <a:r>
+              <a:rPr lang="en-US" dirty="0"/>
+              <a:t>	-Level </a:t>
+            </a:r>
+            <a:r>
               <a:rPr lang="en-US" dirty="0" smtClean="0"/>
-              <a:t>Thank you!</a:t>
+              <a:t>Balance</a:t>
             </a:r>
             <a:endParaRPr lang="en-US" dirty="0"/>
+          </a:p>
+        </p:txBody>
+      </p:sp>
+      <p:sp>
+        <p:nvSpPr>
+          <p:cNvPr id="6" name="TextBox 5"/>
+          <p:cNvSpPr txBox="1"/>
+          <p:nvPr/>
+        </p:nvSpPr>
+        <p:spPr>
+          <a:xfrm>
+            <a:off x="276639" y="1905592"/>
+            <a:ext cx="2054152" cy="461665"/>
+          </a:xfrm>
+          <a:prstGeom prst="rect">
+            <a:avLst/>
+          </a:prstGeom>
+          <a:noFill/>
+        </p:spPr>
+        <p:txBody>
+          <a:bodyPr wrap="none" rtlCol="0">
+            <a:spAutoFit/>
+          </a:bodyPr>
+          <a:lstStyle/>
+          <a:p>
+            <a:r>
+              <a:rPr lang="en-US" sz="2400" dirty="0" smtClean="0">
+                <a:ln w="0"/>
+                <a:solidFill>
+                  <a:schemeClr val="accent1"/>
+                </a:solidFill>
+                <a:effectLst>
+                  <a:outerShdw blurRad="38100" dist="25400" dir="5400000" algn="ctr" rotWithShape="0">
+                    <a:srgbClr val="6E747A">
+                      <a:alpha val="43000"/>
+                    </a:srgbClr>
+                  </a:outerShdw>
+                </a:effectLst>
+              </a:rPr>
+              <a:t>Model Training</a:t>
+            </a:r>
+            <a:endParaRPr lang="en-US" sz="2400" dirty="0">
+              <a:ln w="0"/>
+              <a:solidFill>
+                <a:schemeClr val="accent1"/>
+              </a:solidFill>
+              <a:effectLst>
+                <a:outerShdw blurRad="38100" dist="25400" dir="5400000" algn="ctr" rotWithShape="0">
+                  <a:srgbClr val="6E747A">
+                    <a:alpha val="43000"/>
+                  </a:srgbClr>
+                </a:outerShdw>
+              </a:effectLst>
+            </a:endParaRPr>
+          </a:p>
+        </p:txBody>
+      </p:sp>
+      <p:sp>
+        <p:nvSpPr>
+          <p:cNvPr id="7" name="TextBox 6"/>
+          <p:cNvSpPr txBox="1"/>
+          <p:nvPr/>
+        </p:nvSpPr>
+        <p:spPr>
+          <a:xfrm>
+            <a:off x="160100" y="4163402"/>
+            <a:ext cx="2287229" cy="461665"/>
+          </a:xfrm>
+          <a:prstGeom prst="rect">
+            <a:avLst/>
+          </a:prstGeom>
+          <a:noFill/>
+        </p:spPr>
+        <p:txBody>
+          <a:bodyPr wrap="none" rtlCol="0">
+            <a:spAutoFit/>
+          </a:bodyPr>
+          <a:lstStyle/>
+          <a:p>
+            <a:r>
+              <a:rPr lang="en-US" sz="2400" dirty="0" smtClean="0">
+                <a:ln w="0"/>
+                <a:solidFill>
+                  <a:schemeClr val="accent2"/>
+                </a:solidFill>
+                <a:effectLst>
+                  <a:outerShdw blurRad="38100" dist="25400" dir="5400000" algn="ctr" rotWithShape="0">
+                    <a:srgbClr val="6E747A">
+                      <a:alpha val="43000"/>
+                    </a:srgbClr>
+                  </a:outerShdw>
+                </a:effectLst>
+              </a:rPr>
+              <a:t>Model Inference</a:t>
+            </a:r>
+            <a:endParaRPr lang="en-US" sz="2400" dirty="0">
+              <a:ln w="0"/>
+              <a:solidFill>
+                <a:schemeClr val="accent2"/>
+              </a:solidFill>
+              <a:effectLst>
+                <a:outerShdw blurRad="38100" dist="25400" dir="5400000" algn="ctr" rotWithShape="0">
+                  <a:srgbClr val="6E747A">
+                    <a:alpha val="43000"/>
+                  </a:srgbClr>
+                </a:outerShdw>
+              </a:effectLst>
+            </a:endParaRPr>
+          </a:p>
+        </p:txBody>
+      </p:sp>
+      <p:sp>
+        <p:nvSpPr>
+          <p:cNvPr id="8" name="Rounded Rectangle 7"/>
+          <p:cNvSpPr/>
+          <p:nvPr/>
+        </p:nvSpPr>
+        <p:spPr>
+          <a:xfrm>
+            <a:off x="2447329" y="1352540"/>
+            <a:ext cx="7095255" cy="1496168"/>
+          </a:xfrm>
+          <a:prstGeom prst="roundRect">
+            <a:avLst/>
+          </a:prstGeom>
+          <a:solidFill>
+            <a:schemeClr val="accent1">
+              <a:lumMod val="60000"/>
+              <a:lumOff val="40000"/>
+              <a:alpha val="16000"/>
+            </a:schemeClr>
+          </a:solidFill>
+          <a:ln>
+            <a:noFill/>
+          </a:ln>
+        </p:spPr>
+        <p:style>
+          <a:lnRef idx="2">
+            <a:schemeClr val="accent1">
+              <a:shade val="50000"/>
+            </a:schemeClr>
+          </a:lnRef>
+          <a:fillRef idx="1">
+            <a:schemeClr val="accent1"/>
+          </a:fillRef>
+          <a:effectRef idx="0">
+            <a:schemeClr val="accent1"/>
+          </a:effectRef>
+          <a:fontRef idx="minor">
+            <a:schemeClr val="lt1"/>
+          </a:fontRef>
+        </p:style>
+        <p:txBody>
+          <a:bodyPr rtlCol="0" anchor="ctr"/>
+          <a:lstStyle/>
+          <a:p>
+            <a:pPr algn="ctr"/>
+            <a:endParaRPr lang="en-US">
+              <a:ln>
+                <a:solidFill>
+                  <a:sysClr val="windowText" lastClr="000000"/>
+                </a:solidFill>
+              </a:ln>
+            </a:endParaRPr>
+          </a:p>
+        </p:txBody>
+      </p:sp>
+      <p:sp>
+        <p:nvSpPr>
+          <p:cNvPr id="9" name="Rounded Rectangle 8"/>
+          <p:cNvSpPr/>
+          <p:nvPr/>
+        </p:nvSpPr>
+        <p:spPr>
+          <a:xfrm>
+            <a:off x="2447328" y="3200400"/>
+            <a:ext cx="7095255" cy="2590800"/>
+          </a:xfrm>
+          <a:prstGeom prst="roundRect">
+            <a:avLst/>
+          </a:prstGeom>
+          <a:solidFill>
+            <a:schemeClr val="accent2">
+              <a:lumMod val="60000"/>
+              <a:lumOff val="40000"/>
+              <a:alpha val="16000"/>
+            </a:schemeClr>
+          </a:solidFill>
+          <a:ln>
+            <a:noFill/>
+          </a:ln>
+        </p:spPr>
+        <p:style>
+          <a:lnRef idx="2">
+            <a:schemeClr val="accent1">
+              <a:shade val="50000"/>
+            </a:schemeClr>
+          </a:lnRef>
+          <a:fillRef idx="1">
+            <a:schemeClr val="accent1"/>
+          </a:fillRef>
+          <a:effectRef idx="0">
+            <a:schemeClr val="accent1"/>
+          </a:effectRef>
+          <a:fontRef idx="minor">
+            <a:schemeClr val="lt1"/>
+          </a:fontRef>
+        </p:style>
+        <p:txBody>
+          <a:bodyPr rtlCol="0" anchor="ctr"/>
+          <a:lstStyle/>
+          <a:p>
+            <a:pPr algn="ctr"/>
+            <a:endParaRPr lang="en-US">
+              <a:ln>
+                <a:solidFill>
+                  <a:sysClr val="windowText" lastClr="000000"/>
+                </a:solidFill>
+              </a:ln>
+            </a:endParaRPr>
+          </a:p>
+        </p:txBody>
+      </p:sp>
+      <p:pic>
+        <p:nvPicPr>
+          <p:cNvPr id="5" name="Content Placeholder 4"/>
+          <p:cNvPicPr>
+            <a:picLocks noGrp="1" noChangeAspect="1"/>
+          </p:cNvPicPr>
+          <p:nvPr>
+            <p:ph idx="1"/>
+          </p:nvPr>
+        </p:nvPicPr>
+        <p:blipFill>
+          <a:blip r:embed="rId2">
+            <a:extLst>
+              <a:ext uri="{28A0092B-C50C-407E-A947-70E740481C1C}">
+                <a14:useLocalDpi xmlns:a14="http://schemas.microsoft.com/office/drawing/2010/main" val="0"/>
+              </a:ext>
+            </a:extLst>
+          </a:blip>
+          <a:stretch>
+            <a:fillRect/>
+          </a:stretch>
+        </p:blipFill>
+        <p:spPr>
+          <a:xfrm>
+            <a:off x="2672862" y="1244421"/>
+            <a:ext cx="6814790" cy="5434172"/>
+          </a:xfrm>
+        </p:spPr>
+      </p:pic>
+      <p:sp>
+        <p:nvSpPr>
+          <p:cNvPr id="11" name="Rounded Rectangle 10"/>
+          <p:cNvSpPr/>
+          <p:nvPr/>
+        </p:nvSpPr>
+        <p:spPr>
+          <a:xfrm>
+            <a:off x="4442822" y="1852094"/>
+            <a:ext cx="1356094" cy="914255"/>
+          </a:xfrm>
+          <a:prstGeom prst="roundRect">
+            <a:avLst/>
+          </a:prstGeom>
+          <a:solidFill>
+            <a:srgbClr val="0070C0">
+              <a:alpha val="46000"/>
+            </a:srgbClr>
+          </a:solidFill>
+          <a:ln>
+            <a:noFill/>
+          </a:ln>
+        </p:spPr>
+        <p:style>
+          <a:lnRef idx="2">
+            <a:schemeClr val="accent1">
+              <a:shade val="50000"/>
+            </a:schemeClr>
+          </a:lnRef>
+          <a:fillRef idx="1">
+            <a:schemeClr val="accent1"/>
+          </a:fillRef>
+          <a:effectRef idx="0">
+            <a:schemeClr val="accent1"/>
+          </a:effectRef>
+          <a:fontRef idx="minor">
+            <a:schemeClr val="lt1"/>
+          </a:fontRef>
+        </p:style>
+        <p:txBody>
+          <a:bodyPr rtlCol="0" anchor="ctr"/>
+          <a:lstStyle/>
+          <a:p>
+            <a:pPr algn="ctr"/>
+            <a:endParaRPr lang="en-US">
+              <a:ln>
+                <a:solidFill>
+                  <a:sysClr val="windowText" lastClr="000000"/>
+                </a:solidFill>
+              </a:ln>
+            </a:endParaRPr>
+          </a:p>
+        </p:txBody>
+      </p:sp>
+      <p:sp>
+        <p:nvSpPr>
+          <p:cNvPr id="13" name="TextBox 12"/>
+          <p:cNvSpPr txBox="1"/>
+          <p:nvPr/>
+        </p:nvSpPr>
+        <p:spPr>
+          <a:xfrm>
+            <a:off x="9713185" y="1709056"/>
+            <a:ext cx="2277926" cy="1200329"/>
+          </a:xfrm>
+          <a:prstGeom prst="rect">
+            <a:avLst/>
+          </a:prstGeom>
+          <a:noFill/>
+        </p:spPr>
+        <p:txBody>
+          <a:bodyPr wrap="square" rtlCol="0">
+            <a:spAutoFit/>
+          </a:bodyPr>
+          <a:lstStyle/>
+          <a:p>
+            <a:r>
+              <a:rPr lang="en-US" dirty="0" smtClean="0">
+                <a:ln w="0"/>
+                <a:solidFill>
+                  <a:schemeClr val="accent1"/>
+                </a:solidFill>
+                <a:effectLst>
+                  <a:outerShdw blurRad="38100" dist="25400" dir="5400000" algn="ctr" rotWithShape="0">
+                    <a:srgbClr val="6E747A">
+                      <a:alpha val="43000"/>
+                    </a:srgbClr>
+                  </a:outerShdw>
+                </a:effectLst>
+              </a:rPr>
+              <a:t>The model should learn to mix, instead of extracting parameters directly</a:t>
+            </a:r>
+            <a:endParaRPr lang="en-US" dirty="0">
+              <a:ln w="0"/>
+              <a:solidFill>
+                <a:schemeClr val="accent1"/>
+              </a:solidFill>
+              <a:effectLst>
+                <a:outerShdw blurRad="38100" dist="25400" dir="5400000" algn="ctr" rotWithShape="0">
+                  <a:srgbClr val="6E747A">
+                    <a:alpha val="43000"/>
+                  </a:srgbClr>
+                </a:outerShdw>
+              </a:effectLst>
+            </a:endParaRPr>
           </a:p>
         </p:txBody>
       </p:sp>
     </p:spTree>
     <p:extLst>
       <p:ext uri="{BB962C8B-B14F-4D97-AF65-F5344CB8AC3E}">
-        <p14:creationId xmlns:p14="http://schemas.microsoft.com/office/powerpoint/2010/main" val="1601258082"/>
+        <p14:creationId xmlns:p14="http://schemas.microsoft.com/office/powerpoint/2010/main" val="737481525"/>
       </p:ext>
     </p:extLst>
   </p:cSld>
   <p:clrMapOvr>
     <a:masterClrMapping/>
   </p:clrMapOvr>
+  <p:timing>
+    <p:tnLst>
+      <p:par>
+        <p:cTn id="1" dur="indefinite" restart="never" nodeType="tmRoot"/>
+      </p:par>
+    </p:tnLst>
+  </p:timing>
+</p:sld>
+</file>
+
+<file path=ppt/slides/slide17.xml><?xml version="1.0" encoding="utf-8"?>
+<p:sld xmlns:a="http://schemas.openxmlformats.org/drawingml/2006/main" xmlns:r="http://schemas.openxmlformats.org/officeDocument/2006/relationships" xmlns:p="http://schemas.openxmlformats.org/presentationml/2006/main">
+  <p:cSld>
+    <p:spTree>
+      <p:nvGrpSpPr>
+        <p:cNvPr id="1" name=""/>
+        <p:cNvGrpSpPr/>
+        <p:nvPr/>
+      </p:nvGrpSpPr>
+      <p:grpSpPr>
+        <a:xfrm>
+          <a:off x="0" y="0"/>
+          <a:ext cx="0" cy="0"/>
+          <a:chOff x="0" y="0"/>
+          <a:chExt cx="0" cy="0"/>
+        </a:xfrm>
+      </p:grpSpPr>
+      <p:sp>
+        <p:nvSpPr>
+          <p:cNvPr id="2" name="Title 1">
+            <a:extLst>
+              <a:ext uri="{FF2B5EF4-FFF2-40B4-BE49-F238E27FC236}">
+                <a16:creationId xmlns:a16="http://schemas.microsoft.com/office/drawing/2014/main" xmlns="" id="{9045A477-9EA3-4F5C-B4B9-8CE29E6FF138}"/>
+              </a:ext>
+            </a:extLst>
+          </p:cNvPr>
+          <p:cNvSpPr>
+            <a:spLocks noGrp="1"/>
+          </p:cNvSpPr>
+          <p:nvPr>
+            <p:ph type="title"/>
+          </p:nvPr>
+        </p:nvSpPr>
+        <p:spPr/>
+        <p:txBody>
+          <a:bodyPr>
+            <a:normAutofit fontScale="90000"/>
+          </a:bodyPr>
+          <a:lstStyle/>
+          <a:p>
+            <a:r>
+              <a:rPr lang="en-US" dirty="0"/>
+              <a:t>Proposed Method</a:t>
+            </a:r>
+            <a:br>
+              <a:rPr lang="en-US" dirty="0"/>
+            </a:br>
+            <a:r>
+              <a:rPr lang="en-US" dirty="0"/>
+              <a:t>	</a:t>
+            </a:r>
+            <a:r>
+              <a:rPr lang="en-US" dirty="0" smtClean="0"/>
+              <a:t>-Compression</a:t>
+            </a:r>
+            <a:endParaRPr lang="en-US" dirty="0"/>
+          </a:p>
+        </p:txBody>
+      </p:sp>
+      <p:sp>
+        <p:nvSpPr>
+          <p:cNvPr id="6" name="TextBox 5"/>
+          <p:cNvSpPr txBox="1"/>
+          <p:nvPr/>
+        </p:nvSpPr>
+        <p:spPr>
+          <a:xfrm>
+            <a:off x="276639" y="1905592"/>
+            <a:ext cx="2054152" cy="461665"/>
+          </a:xfrm>
+          <a:prstGeom prst="rect">
+            <a:avLst/>
+          </a:prstGeom>
+          <a:noFill/>
+        </p:spPr>
+        <p:txBody>
+          <a:bodyPr wrap="none" rtlCol="0">
+            <a:spAutoFit/>
+          </a:bodyPr>
+          <a:lstStyle/>
+          <a:p>
+            <a:r>
+              <a:rPr lang="en-US" sz="2400" dirty="0" smtClean="0">
+                <a:ln w="0"/>
+                <a:solidFill>
+                  <a:schemeClr val="accent1"/>
+                </a:solidFill>
+                <a:effectLst>
+                  <a:outerShdw blurRad="38100" dist="25400" dir="5400000" algn="ctr" rotWithShape="0">
+                    <a:srgbClr val="6E747A">
+                      <a:alpha val="43000"/>
+                    </a:srgbClr>
+                  </a:outerShdw>
+                </a:effectLst>
+              </a:rPr>
+              <a:t>Model Training</a:t>
+            </a:r>
+            <a:endParaRPr lang="en-US" sz="2400" dirty="0">
+              <a:ln w="0"/>
+              <a:solidFill>
+                <a:schemeClr val="accent1"/>
+              </a:solidFill>
+              <a:effectLst>
+                <a:outerShdw blurRad="38100" dist="25400" dir="5400000" algn="ctr" rotWithShape="0">
+                  <a:srgbClr val="6E747A">
+                    <a:alpha val="43000"/>
+                  </a:srgbClr>
+                </a:outerShdw>
+              </a:effectLst>
+            </a:endParaRPr>
+          </a:p>
+        </p:txBody>
+      </p:sp>
+      <p:sp>
+        <p:nvSpPr>
+          <p:cNvPr id="7" name="TextBox 6"/>
+          <p:cNvSpPr txBox="1"/>
+          <p:nvPr/>
+        </p:nvSpPr>
+        <p:spPr>
+          <a:xfrm>
+            <a:off x="160100" y="4163402"/>
+            <a:ext cx="2287229" cy="461665"/>
+          </a:xfrm>
+          <a:prstGeom prst="rect">
+            <a:avLst/>
+          </a:prstGeom>
+          <a:noFill/>
+        </p:spPr>
+        <p:txBody>
+          <a:bodyPr wrap="none" rtlCol="0">
+            <a:spAutoFit/>
+          </a:bodyPr>
+          <a:lstStyle/>
+          <a:p>
+            <a:r>
+              <a:rPr lang="en-US" sz="2400" dirty="0" smtClean="0">
+                <a:ln w="0"/>
+                <a:solidFill>
+                  <a:schemeClr val="accent2"/>
+                </a:solidFill>
+                <a:effectLst>
+                  <a:outerShdw blurRad="38100" dist="25400" dir="5400000" algn="ctr" rotWithShape="0">
+                    <a:srgbClr val="6E747A">
+                      <a:alpha val="43000"/>
+                    </a:srgbClr>
+                  </a:outerShdw>
+                </a:effectLst>
+              </a:rPr>
+              <a:t>Model Inference</a:t>
+            </a:r>
+            <a:endParaRPr lang="en-US" sz="2400" dirty="0">
+              <a:ln w="0"/>
+              <a:solidFill>
+                <a:schemeClr val="accent2"/>
+              </a:solidFill>
+              <a:effectLst>
+                <a:outerShdw blurRad="38100" dist="25400" dir="5400000" algn="ctr" rotWithShape="0">
+                  <a:srgbClr val="6E747A">
+                    <a:alpha val="43000"/>
+                  </a:srgbClr>
+                </a:outerShdw>
+              </a:effectLst>
+            </a:endParaRPr>
+          </a:p>
+        </p:txBody>
+      </p:sp>
+      <p:sp>
+        <p:nvSpPr>
+          <p:cNvPr id="8" name="Rounded Rectangle 7"/>
+          <p:cNvSpPr/>
+          <p:nvPr/>
+        </p:nvSpPr>
+        <p:spPr>
+          <a:xfrm>
+            <a:off x="2447329" y="1352540"/>
+            <a:ext cx="7095255" cy="1636846"/>
+          </a:xfrm>
+          <a:prstGeom prst="roundRect">
+            <a:avLst/>
+          </a:prstGeom>
+          <a:solidFill>
+            <a:schemeClr val="accent1">
+              <a:lumMod val="60000"/>
+              <a:lumOff val="40000"/>
+              <a:alpha val="16000"/>
+            </a:schemeClr>
+          </a:solidFill>
+          <a:ln>
+            <a:noFill/>
+          </a:ln>
+        </p:spPr>
+        <p:style>
+          <a:lnRef idx="2">
+            <a:schemeClr val="accent1">
+              <a:shade val="50000"/>
+            </a:schemeClr>
+          </a:lnRef>
+          <a:fillRef idx="1">
+            <a:schemeClr val="accent1"/>
+          </a:fillRef>
+          <a:effectRef idx="0">
+            <a:schemeClr val="accent1"/>
+          </a:effectRef>
+          <a:fontRef idx="minor">
+            <a:schemeClr val="lt1"/>
+          </a:fontRef>
+        </p:style>
+        <p:txBody>
+          <a:bodyPr rtlCol="0" anchor="ctr"/>
+          <a:lstStyle/>
+          <a:p>
+            <a:pPr algn="ctr"/>
+            <a:endParaRPr lang="en-US">
+              <a:ln>
+                <a:solidFill>
+                  <a:sysClr val="windowText" lastClr="000000"/>
+                </a:solidFill>
+              </a:ln>
+            </a:endParaRPr>
+          </a:p>
+        </p:txBody>
+      </p:sp>
+      <p:sp>
+        <p:nvSpPr>
+          <p:cNvPr id="9" name="Rounded Rectangle 8"/>
+          <p:cNvSpPr/>
+          <p:nvPr/>
+        </p:nvSpPr>
+        <p:spPr>
+          <a:xfrm>
+            <a:off x="2447328" y="3200400"/>
+            <a:ext cx="7095255" cy="2590800"/>
+          </a:xfrm>
+          <a:prstGeom prst="roundRect">
+            <a:avLst/>
+          </a:prstGeom>
+          <a:solidFill>
+            <a:schemeClr val="accent2">
+              <a:lumMod val="60000"/>
+              <a:lumOff val="40000"/>
+              <a:alpha val="16000"/>
+            </a:schemeClr>
+          </a:solidFill>
+          <a:ln>
+            <a:noFill/>
+          </a:ln>
+        </p:spPr>
+        <p:style>
+          <a:lnRef idx="2">
+            <a:schemeClr val="accent1">
+              <a:shade val="50000"/>
+            </a:schemeClr>
+          </a:lnRef>
+          <a:fillRef idx="1">
+            <a:schemeClr val="accent1"/>
+          </a:fillRef>
+          <a:effectRef idx="0">
+            <a:schemeClr val="accent1"/>
+          </a:effectRef>
+          <a:fontRef idx="minor">
+            <a:schemeClr val="lt1"/>
+          </a:fontRef>
+        </p:style>
+        <p:txBody>
+          <a:bodyPr rtlCol="0" anchor="ctr"/>
+          <a:lstStyle/>
+          <a:p>
+            <a:pPr algn="ctr"/>
+            <a:endParaRPr lang="en-US">
+              <a:ln>
+                <a:solidFill>
+                  <a:sysClr val="windowText" lastClr="000000"/>
+                </a:solidFill>
+              </a:ln>
+            </a:endParaRPr>
+          </a:p>
+        </p:txBody>
+      </p:sp>
+      <p:pic>
+        <p:nvPicPr>
+          <p:cNvPr id="10" name="Content Placeholder 4"/>
+          <p:cNvPicPr>
+            <a:picLocks noChangeAspect="1"/>
+          </p:cNvPicPr>
+          <p:nvPr/>
+        </p:nvPicPr>
+        <p:blipFill>
+          <a:blip r:embed="rId2">
+            <a:extLst>
+              <a:ext uri="{28A0092B-C50C-407E-A947-70E740481C1C}">
+                <a14:useLocalDpi xmlns:a14="http://schemas.microsoft.com/office/drawing/2010/main" val="0"/>
+              </a:ext>
+            </a:extLst>
+          </a:blip>
+          <a:stretch>
+            <a:fillRect/>
+          </a:stretch>
+        </p:blipFill>
+        <p:spPr>
+          <a:xfrm>
+            <a:off x="2684952" y="1282201"/>
+            <a:ext cx="6822093" cy="5439997"/>
+          </a:xfrm>
+          <a:prstGeom prst="rect">
+            <a:avLst/>
+          </a:prstGeom>
+        </p:spPr>
+      </p:pic>
+    </p:spTree>
+    <p:extLst>
+      <p:ext uri="{BB962C8B-B14F-4D97-AF65-F5344CB8AC3E}">
+        <p14:creationId xmlns:p14="http://schemas.microsoft.com/office/powerpoint/2010/main" val="1754070205"/>
+      </p:ext>
+    </p:extLst>
+  </p:cSld>
+  <p:clrMapOvr>
+    <a:masterClrMapping/>
+  </p:clrMapOvr>
+  <p:timing>
+    <p:tnLst>
+      <p:par>
+        <p:cTn id="1" dur="indefinite" restart="never" nodeType="tmRoot"/>
+      </p:par>
+    </p:tnLst>
+  </p:timing>
+</p:sld>
+</file>
+
+<file path=ppt/slides/slide18.xml><?xml version="1.0" encoding="utf-8"?>
+<p:sld xmlns:a="http://schemas.openxmlformats.org/drawingml/2006/main" xmlns:r="http://schemas.openxmlformats.org/officeDocument/2006/relationships" xmlns:p="http://schemas.openxmlformats.org/presentationml/2006/main">
+  <p:cSld>
+    <p:spTree>
+      <p:nvGrpSpPr>
+        <p:cNvPr id="1" name=""/>
+        <p:cNvGrpSpPr/>
+        <p:nvPr/>
+      </p:nvGrpSpPr>
+      <p:grpSpPr>
+        <a:xfrm>
+          <a:off x="0" y="0"/>
+          <a:ext cx="0" cy="0"/>
+          <a:chOff x="0" y="0"/>
+          <a:chExt cx="0" cy="0"/>
+        </a:xfrm>
+      </p:grpSpPr>
+      <p:sp>
+        <p:nvSpPr>
+          <p:cNvPr id="2" name="Title 1">
+            <a:extLst>
+              <a:ext uri="{FF2B5EF4-FFF2-40B4-BE49-F238E27FC236}">
+                <a16:creationId xmlns:a16="http://schemas.microsoft.com/office/drawing/2014/main" xmlns="" id="{9045A477-9EA3-4F5C-B4B9-8CE29E6FF138}"/>
+              </a:ext>
+            </a:extLst>
+          </p:cNvPr>
+          <p:cNvSpPr>
+            <a:spLocks noGrp="1"/>
+          </p:cNvSpPr>
+          <p:nvPr>
+            <p:ph type="title"/>
+          </p:nvPr>
+        </p:nvSpPr>
+        <p:spPr/>
+        <p:txBody>
+          <a:bodyPr>
+            <a:normAutofit fontScale="90000"/>
+          </a:bodyPr>
+          <a:lstStyle/>
+          <a:p>
+            <a:r>
+              <a:rPr lang="en-US" dirty="0"/>
+              <a:t>Proposed Method</a:t>
+            </a:r>
+            <a:br>
+              <a:rPr lang="en-US" dirty="0"/>
+            </a:br>
+            <a:r>
+              <a:rPr lang="en-US" dirty="0"/>
+              <a:t>	</a:t>
+            </a:r>
+            <a:r>
+              <a:rPr lang="en-US" dirty="0" smtClean="0"/>
+              <a:t>-Compression</a:t>
+            </a:r>
+            <a:endParaRPr lang="en-US" dirty="0"/>
+          </a:p>
+        </p:txBody>
+      </p:sp>
+      <p:sp>
+        <p:nvSpPr>
+          <p:cNvPr id="6" name="TextBox 5"/>
+          <p:cNvSpPr txBox="1"/>
+          <p:nvPr/>
+        </p:nvSpPr>
+        <p:spPr>
+          <a:xfrm>
+            <a:off x="276639" y="1905592"/>
+            <a:ext cx="2054152" cy="461665"/>
+          </a:xfrm>
+          <a:prstGeom prst="rect">
+            <a:avLst/>
+          </a:prstGeom>
+          <a:noFill/>
+        </p:spPr>
+        <p:txBody>
+          <a:bodyPr wrap="none" rtlCol="0">
+            <a:spAutoFit/>
+          </a:bodyPr>
+          <a:lstStyle/>
+          <a:p>
+            <a:r>
+              <a:rPr lang="en-US" sz="2400" dirty="0" smtClean="0">
+                <a:ln w="0"/>
+                <a:solidFill>
+                  <a:schemeClr val="accent1"/>
+                </a:solidFill>
+                <a:effectLst>
+                  <a:outerShdw blurRad="38100" dist="25400" dir="5400000" algn="ctr" rotWithShape="0">
+                    <a:srgbClr val="6E747A">
+                      <a:alpha val="43000"/>
+                    </a:srgbClr>
+                  </a:outerShdw>
+                </a:effectLst>
+              </a:rPr>
+              <a:t>Model Training</a:t>
+            </a:r>
+            <a:endParaRPr lang="en-US" sz="2400" dirty="0">
+              <a:ln w="0"/>
+              <a:solidFill>
+                <a:schemeClr val="accent1"/>
+              </a:solidFill>
+              <a:effectLst>
+                <a:outerShdw blurRad="38100" dist="25400" dir="5400000" algn="ctr" rotWithShape="0">
+                  <a:srgbClr val="6E747A">
+                    <a:alpha val="43000"/>
+                  </a:srgbClr>
+                </a:outerShdw>
+              </a:effectLst>
+            </a:endParaRPr>
+          </a:p>
+        </p:txBody>
+      </p:sp>
+      <p:sp>
+        <p:nvSpPr>
+          <p:cNvPr id="7" name="TextBox 6"/>
+          <p:cNvSpPr txBox="1"/>
+          <p:nvPr/>
+        </p:nvSpPr>
+        <p:spPr>
+          <a:xfrm>
+            <a:off x="160100" y="4163402"/>
+            <a:ext cx="2287229" cy="461665"/>
+          </a:xfrm>
+          <a:prstGeom prst="rect">
+            <a:avLst/>
+          </a:prstGeom>
+          <a:noFill/>
+        </p:spPr>
+        <p:txBody>
+          <a:bodyPr wrap="none" rtlCol="0">
+            <a:spAutoFit/>
+          </a:bodyPr>
+          <a:lstStyle/>
+          <a:p>
+            <a:r>
+              <a:rPr lang="en-US" sz="2400" dirty="0" smtClean="0">
+                <a:ln w="0"/>
+                <a:solidFill>
+                  <a:schemeClr val="accent2"/>
+                </a:solidFill>
+                <a:effectLst>
+                  <a:outerShdw blurRad="38100" dist="25400" dir="5400000" algn="ctr" rotWithShape="0">
+                    <a:srgbClr val="6E747A">
+                      <a:alpha val="43000"/>
+                    </a:srgbClr>
+                  </a:outerShdw>
+                </a:effectLst>
+              </a:rPr>
+              <a:t>Model Inference</a:t>
+            </a:r>
+            <a:endParaRPr lang="en-US" sz="2400" dirty="0">
+              <a:ln w="0"/>
+              <a:solidFill>
+                <a:schemeClr val="accent2"/>
+              </a:solidFill>
+              <a:effectLst>
+                <a:outerShdw blurRad="38100" dist="25400" dir="5400000" algn="ctr" rotWithShape="0">
+                  <a:srgbClr val="6E747A">
+                    <a:alpha val="43000"/>
+                  </a:srgbClr>
+                </a:outerShdw>
+              </a:effectLst>
+            </a:endParaRPr>
+          </a:p>
+        </p:txBody>
+      </p:sp>
+      <p:sp>
+        <p:nvSpPr>
+          <p:cNvPr id="8" name="Rounded Rectangle 7"/>
+          <p:cNvSpPr/>
+          <p:nvPr/>
+        </p:nvSpPr>
+        <p:spPr>
+          <a:xfrm>
+            <a:off x="2447329" y="1352540"/>
+            <a:ext cx="7095255" cy="1636846"/>
+          </a:xfrm>
+          <a:prstGeom prst="roundRect">
+            <a:avLst/>
+          </a:prstGeom>
+          <a:solidFill>
+            <a:schemeClr val="accent1">
+              <a:lumMod val="60000"/>
+              <a:lumOff val="40000"/>
+              <a:alpha val="16000"/>
+            </a:schemeClr>
+          </a:solidFill>
+          <a:ln>
+            <a:noFill/>
+          </a:ln>
+        </p:spPr>
+        <p:style>
+          <a:lnRef idx="2">
+            <a:schemeClr val="accent1">
+              <a:shade val="50000"/>
+            </a:schemeClr>
+          </a:lnRef>
+          <a:fillRef idx="1">
+            <a:schemeClr val="accent1"/>
+          </a:fillRef>
+          <a:effectRef idx="0">
+            <a:schemeClr val="accent1"/>
+          </a:effectRef>
+          <a:fontRef idx="minor">
+            <a:schemeClr val="lt1"/>
+          </a:fontRef>
+        </p:style>
+        <p:txBody>
+          <a:bodyPr rtlCol="0" anchor="ctr"/>
+          <a:lstStyle/>
+          <a:p>
+            <a:pPr algn="ctr"/>
+            <a:endParaRPr lang="en-US">
+              <a:ln>
+                <a:solidFill>
+                  <a:sysClr val="windowText" lastClr="000000"/>
+                </a:solidFill>
+              </a:ln>
+            </a:endParaRPr>
+          </a:p>
+        </p:txBody>
+      </p:sp>
+      <p:sp>
+        <p:nvSpPr>
+          <p:cNvPr id="9" name="Rounded Rectangle 8"/>
+          <p:cNvSpPr/>
+          <p:nvPr/>
+        </p:nvSpPr>
+        <p:spPr>
+          <a:xfrm>
+            <a:off x="2447328" y="3200400"/>
+            <a:ext cx="7095255" cy="2590800"/>
+          </a:xfrm>
+          <a:prstGeom prst="roundRect">
+            <a:avLst/>
+          </a:prstGeom>
+          <a:solidFill>
+            <a:schemeClr val="accent2">
+              <a:lumMod val="60000"/>
+              <a:lumOff val="40000"/>
+              <a:alpha val="16000"/>
+            </a:schemeClr>
+          </a:solidFill>
+          <a:ln>
+            <a:noFill/>
+          </a:ln>
+        </p:spPr>
+        <p:style>
+          <a:lnRef idx="2">
+            <a:schemeClr val="accent1">
+              <a:shade val="50000"/>
+            </a:schemeClr>
+          </a:lnRef>
+          <a:fillRef idx="1">
+            <a:schemeClr val="accent1"/>
+          </a:fillRef>
+          <a:effectRef idx="0">
+            <a:schemeClr val="accent1"/>
+          </a:effectRef>
+          <a:fontRef idx="minor">
+            <a:schemeClr val="lt1"/>
+          </a:fontRef>
+        </p:style>
+        <p:txBody>
+          <a:bodyPr rtlCol="0" anchor="ctr"/>
+          <a:lstStyle/>
+          <a:p>
+            <a:pPr algn="ctr"/>
+            <a:endParaRPr lang="en-US">
+              <a:ln>
+                <a:solidFill>
+                  <a:sysClr val="windowText" lastClr="000000"/>
+                </a:solidFill>
+              </a:ln>
+            </a:endParaRPr>
+          </a:p>
+        </p:txBody>
+      </p:sp>
+      <p:sp>
+        <p:nvSpPr>
+          <p:cNvPr id="12" name="Rounded Rectangle 11"/>
+          <p:cNvSpPr/>
+          <p:nvPr/>
+        </p:nvSpPr>
+        <p:spPr>
+          <a:xfrm>
+            <a:off x="5685692" y="4138433"/>
+            <a:ext cx="3821354" cy="1652768"/>
+          </a:xfrm>
+          <a:prstGeom prst="roundRect">
+            <a:avLst/>
+          </a:prstGeom>
+          <a:solidFill>
+            <a:srgbClr val="C00000">
+              <a:alpha val="46000"/>
+            </a:srgbClr>
+          </a:solidFill>
+          <a:ln>
+            <a:noFill/>
+          </a:ln>
+        </p:spPr>
+        <p:style>
+          <a:lnRef idx="2">
+            <a:schemeClr val="accent1">
+              <a:shade val="50000"/>
+            </a:schemeClr>
+          </a:lnRef>
+          <a:fillRef idx="1">
+            <a:schemeClr val="accent1"/>
+          </a:fillRef>
+          <a:effectRef idx="0">
+            <a:schemeClr val="accent1"/>
+          </a:effectRef>
+          <a:fontRef idx="minor">
+            <a:schemeClr val="lt1"/>
+          </a:fontRef>
+        </p:style>
+        <p:txBody>
+          <a:bodyPr rtlCol="0" anchor="ctr"/>
+          <a:lstStyle/>
+          <a:p>
+            <a:pPr algn="ctr"/>
+            <a:endParaRPr lang="en-US">
+              <a:ln>
+                <a:solidFill>
+                  <a:sysClr val="windowText" lastClr="000000"/>
+                </a:solidFill>
+              </a:ln>
+            </a:endParaRPr>
+          </a:p>
+        </p:txBody>
+      </p:sp>
+      <p:pic>
+        <p:nvPicPr>
+          <p:cNvPr id="10" name="Content Placeholder 4"/>
+          <p:cNvPicPr>
+            <a:picLocks noChangeAspect="1"/>
+          </p:cNvPicPr>
+          <p:nvPr/>
+        </p:nvPicPr>
+        <p:blipFill>
+          <a:blip r:embed="rId2">
+            <a:extLst>
+              <a:ext uri="{28A0092B-C50C-407E-A947-70E740481C1C}">
+                <a14:useLocalDpi xmlns:a14="http://schemas.microsoft.com/office/drawing/2010/main" val="0"/>
+              </a:ext>
+            </a:extLst>
+          </a:blip>
+          <a:stretch>
+            <a:fillRect/>
+          </a:stretch>
+        </p:blipFill>
+        <p:spPr>
+          <a:xfrm>
+            <a:off x="2684952" y="1282201"/>
+            <a:ext cx="6822093" cy="5439997"/>
+          </a:xfrm>
+          <a:prstGeom prst="rect">
+            <a:avLst/>
+          </a:prstGeom>
+        </p:spPr>
+      </p:pic>
+      <p:sp>
+        <p:nvSpPr>
+          <p:cNvPr id="13" name="TextBox 12"/>
+          <p:cNvSpPr txBox="1"/>
+          <p:nvPr/>
+        </p:nvSpPr>
+        <p:spPr>
+          <a:xfrm>
+            <a:off x="9744669" y="4226153"/>
+            <a:ext cx="2277926" cy="1477328"/>
+          </a:xfrm>
+          <a:prstGeom prst="rect">
+            <a:avLst/>
+          </a:prstGeom>
+          <a:noFill/>
+        </p:spPr>
+        <p:txBody>
+          <a:bodyPr wrap="square" rtlCol="0">
+            <a:spAutoFit/>
+          </a:bodyPr>
+          <a:lstStyle/>
+          <a:p>
+            <a:r>
+              <a:rPr lang="en-US" dirty="0" smtClean="0">
+                <a:ln w="0"/>
+                <a:solidFill>
+                  <a:schemeClr val="accent2"/>
+                </a:solidFill>
+                <a:effectLst>
+                  <a:outerShdw blurRad="38100" dist="25400" dir="5400000" algn="ctr" rotWithShape="0">
+                    <a:srgbClr val="6E747A">
+                      <a:alpha val="43000"/>
+                    </a:srgbClr>
+                  </a:outerShdw>
+                </a:effectLst>
+              </a:rPr>
+              <a:t>An iterative process to find the compression threshold of the targeted loudness range</a:t>
+            </a:r>
+            <a:endParaRPr lang="en-US" dirty="0">
+              <a:ln w="0"/>
+              <a:solidFill>
+                <a:schemeClr val="accent2"/>
+              </a:solidFill>
+              <a:effectLst>
+                <a:outerShdw blurRad="38100" dist="25400" dir="5400000" algn="ctr" rotWithShape="0">
+                  <a:srgbClr val="6E747A">
+                    <a:alpha val="43000"/>
+                  </a:srgbClr>
+                </a:outerShdw>
+              </a:effectLst>
+            </a:endParaRPr>
+          </a:p>
+        </p:txBody>
+      </p:sp>
+    </p:spTree>
+    <p:extLst>
+      <p:ext uri="{BB962C8B-B14F-4D97-AF65-F5344CB8AC3E}">
+        <p14:creationId xmlns:p14="http://schemas.microsoft.com/office/powerpoint/2010/main" val="1236824306"/>
+      </p:ext>
+    </p:extLst>
+  </p:cSld>
+  <p:clrMapOvr>
+    <a:masterClrMapping/>
+  </p:clrMapOvr>
+  <p:timing>
+    <p:tnLst>
+      <p:par>
+        <p:cTn id="1" dur="indefinite" restart="never" nodeType="tmRoot"/>
+      </p:par>
+    </p:tnLst>
+  </p:timing>
+</p:sld>
+</file>
+
+<file path=ppt/slides/slide19.xml><?xml version="1.0" encoding="utf-8"?>
+<p:sld xmlns:a="http://schemas.openxmlformats.org/drawingml/2006/main" xmlns:r="http://schemas.openxmlformats.org/officeDocument/2006/relationships" xmlns:p="http://schemas.openxmlformats.org/presentationml/2006/main">
+  <p:cSld>
+    <p:spTree>
+      <p:nvGrpSpPr>
+        <p:cNvPr id="1" name=""/>
+        <p:cNvGrpSpPr/>
+        <p:nvPr/>
+      </p:nvGrpSpPr>
+      <p:grpSpPr>
+        <a:xfrm>
+          <a:off x="0" y="0"/>
+          <a:ext cx="0" cy="0"/>
+          <a:chOff x="0" y="0"/>
+          <a:chExt cx="0" cy="0"/>
+        </a:xfrm>
+      </p:grpSpPr>
+      <p:sp>
+        <p:nvSpPr>
+          <p:cNvPr id="2" name="Title 1">
+            <a:extLst>
+              <a:ext uri="{FF2B5EF4-FFF2-40B4-BE49-F238E27FC236}">
+                <a16:creationId xmlns:a16="http://schemas.microsoft.com/office/drawing/2014/main" xmlns="" id="{9045A477-9EA3-4F5C-B4B9-8CE29E6FF138}"/>
+              </a:ext>
+            </a:extLst>
+          </p:cNvPr>
+          <p:cNvSpPr>
+            <a:spLocks noGrp="1"/>
+          </p:cNvSpPr>
+          <p:nvPr>
+            <p:ph type="title"/>
+          </p:nvPr>
+        </p:nvSpPr>
+        <p:spPr/>
+        <p:txBody>
+          <a:bodyPr>
+            <a:normAutofit fontScale="90000"/>
+          </a:bodyPr>
+          <a:lstStyle/>
+          <a:p>
+            <a:r>
+              <a:rPr lang="en-US" dirty="0" smtClean="0"/>
+              <a:t>Proposed Method</a:t>
+            </a:r>
+            <a:br>
+              <a:rPr lang="en-US" dirty="0" smtClean="0"/>
+            </a:br>
+            <a:r>
+              <a:rPr lang="en-US" dirty="0" smtClean="0"/>
+              <a:t>	-Equalization</a:t>
+            </a:r>
+            <a:endParaRPr lang="en-US" dirty="0"/>
+          </a:p>
+        </p:txBody>
+      </p:sp>
+      <p:sp>
+        <p:nvSpPr>
+          <p:cNvPr id="5" name="Content Placeholder 4"/>
+          <p:cNvSpPr>
+            <a:spLocks noGrp="1"/>
+          </p:cNvSpPr>
+          <p:nvPr>
+            <p:ph idx="1"/>
+          </p:nvPr>
+        </p:nvSpPr>
+        <p:spPr/>
+        <p:txBody>
+          <a:bodyPr>
+            <a:normAutofit/>
+          </a:bodyPr>
+          <a:lstStyle/>
+          <a:p>
+            <a:pPr marL="685800" lvl="2">
+              <a:spcBef>
+                <a:spcPts val="1000"/>
+              </a:spcBef>
+              <a:buFont typeface="Wingdings" panose="05000000000000000000" pitchFamily="2" charset="2"/>
+              <a:buChar char="§"/>
+            </a:pPr>
+            <a:endParaRPr lang="en-US" sz="3200" dirty="0" smtClean="0"/>
+          </a:p>
+          <a:p>
+            <a:r>
+              <a:rPr lang="en-US" sz="3200" dirty="0"/>
+              <a:t>T</a:t>
+            </a:r>
+            <a:r>
+              <a:rPr lang="en-US" sz="3200" dirty="0" smtClean="0"/>
+              <a:t>he “raw” tracks for training are </a:t>
+            </a:r>
+            <a:r>
+              <a:rPr lang="en-US" sz="3200" dirty="0" smtClean="0">
+                <a:solidFill>
+                  <a:srgbClr val="FF0000"/>
+                </a:solidFill>
+              </a:rPr>
+              <a:t>self-generated</a:t>
+            </a:r>
+            <a:r>
+              <a:rPr lang="en-US" sz="3200" dirty="0" smtClean="0"/>
+              <a:t> by applying EQ to the mixed vocal tracks. The corrected parameters are known.</a:t>
+            </a:r>
+          </a:p>
+          <a:p>
+            <a:endParaRPr lang="en-US" sz="3200" dirty="0"/>
+          </a:p>
+          <a:p>
+            <a:endParaRPr lang="en-US" sz="3200" dirty="0" smtClean="0"/>
+          </a:p>
+        </p:txBody>
+      </p:sp>
+    </p:spTree>
+    <p:extLst>
+      <p:ext uri="{BB962C8B-B14F-4D97-AF65-F5344CB8AC3E}">
+        <p14:creationId xmlns:p14="http://schemas.microsoft.com/office/powerpoint/2010/main" val="630892061"/>
+      </p:ext>
+    </p:extLst>
+  </p:cSld>
+  <p:clrMapOvr>
+    <a:masterClrMapping/>
+  </p:clrMapOvr>
+  <p:timing>
+    <p:tnLst>
+      <p:par>
+        <p:cTn id="1" dur="indefinite" restart="never" nodeType="tmRoot"/>
+      </p:par>
+    </p:tnLst>
+  </p:timing>
 </p:sld>
 </file>
 
@@ -11425,7 +13579,7 @@
           <p:cNvPr id="2" name="Title 1">
             <a:extLst>
               <a:ext uri="{FF2B5EF4-FFF2-40B4-BE49-F238E27FC236}">
-                <a16:creationId xmlns="" xmlns:a16="http://schemas.microsoft.com/office/drawing/2014/main" id="{9045A477-9EA3-4F5C-B4B9-8CE29E6FF138}"/>
+                <a16:creationId xmlns:a16="http://schemas.microsoft.com/office/drawing/2014/main" xmlns="" id="{9045A477-9EA3-4F5C-B4B9-8CE29E6FF138}"/>
               </a:ext>
             </a:extLst>
           </p:cNvPr>
@@ -11454,7 +13608,2326 @@
           <p:cNvPr id="3" name="Content Placeholder 2">
             <a:extLst>
               <a:ext uri="{FF2B5EF4-FFF2-40B4-BE49-F238E27FC236}">
-                <a16:creationId xmlns="" xmlns:a16="http://schemas.microsoft.com/office/drawing/2014/main" id="{4FFC9F3E-C7DF-44CE-A057-14D5228F5C26}"/>
+                <a16:creationId xmlns:a16="http://schemas.microsoft.com/office/drawing/2014/main" xmlns="" id="{4FFC9F3E-C7DF-44CE-A057-14D5228F5C26}"/>
+              </a:ext>
+            </a:extLst>
+          </p:cNvPr>
+          <p:cNvSpPr>
+            <a:spLocks noGrp="1"/>
+          </p:cNvSpPr>
+          <p:nvPr>
+            <p:ph idx="1"/>
+          </p:nvPr>
+        </p:nvSpPr>
+        <p:spPr>
+          <a:xfrm>
+            <a:off x="560832" y="1604309"/>
+            <a:ext cx="4853380" cy="4640166"/>
+          </a:xfrm>
+        </p:spPr>
+        <p:txBody>
+          <a:bodyPr>
+            <a:normAutofit/>
+          </a:bodyPr>
+          <a:lstStyle/>
+          <a:p>
+            <a:pPr marL="0" indent="0" algn="ctr">
+              <a:buNone/>
+            </a:pPr>
+            <a:endParaRPr lang="en-US" sz="2800" dirty="0" smtClean="0"/>
+          </a:p>
+          <a:p>
+            <a:pPr marL="0" indent="0" algn="ctr">
+              <a:buNone/>
+            </a:pPr>
+            <a:r>
+              <a:rPr lang="en-US" sz="2800" dirty="0" smtClean="0"/>
+              <a:t>Over 10 years </a:t>
+            </a:r>
+            <a:r>
+              <a:rPr lang="en-US" sz="2800" dirty="0"/>
+              <a:t>of research on Multitrack </a:t>
+            </a:r>
+            <a:r>
+              <a:rPr lang="en-US" sz="2800" dirty="0" smtClean="0"/>
+              <a:t>mixing</a:t>
+            </a:r>
+          </a:p>
+          <a:p>
+            <a:pPr marL="0" indent="0" algn="ctr">
+              <a:buNone/>
+            </a:pPr>
+            <a:endParaRPr lang="en-US" sz="2800" dirty="0"/>
+          </a:p>
+          <a:p>
+            <a:pPr marL="0" indent="0" algn="ctr">
+              <a:buNone/>
+            </a:pPr>
+            <a:r>
+              <a:rPr lang="en-US" sz="2800" dirty="0" smtClean="0"/>
+              <a:t>No significant achievements yet</a:t>
+            </a:r>
+          </a:p>
+          <a:p>
+            <a:pPr marL="0" indent="0" algn="ctr">
+              <a:buNone/>
+            </a:pPr>
+            <a:endParaRPr lang="en-US" sz="2800" dirty="0"/>
+          </a:p>
+          <a:p>
+            <a:pPr marL="0" indent="0" algn="ctr">
+              <a:buNone/>
+            </a:pPr>
+            <a:r>
+              <a:rPr lang="en-US" sz="2800" dirty="0" smtClean="0"/>
+              <a:t>How about an easier task?</a:t>
+            </a:r>
+          </a:p>
+        </p:txBody>
+      </p:sp>
+      <p:pic>
+        <p:nvPicPr>
+          <p:cNvPr id="5" name="Picture 4"/>
+          <p:cNvPicPr>
+            <a:picLocks noChangeAspect="1"/>
+          </p:cNvPicPr>
+          <p:nvPr/>
+        </p:nvPicPr>
+        <p:blipFill>
+          <a:blip r:embed="rId2">
+            <a:extLst>
+              <a:ext uri="{28A0092B-C50C-407E-A947-70E740481C1C}">
+                <a14:useLocalDpi xmlns:a14="http://schemas.microsoft.com/office/drawing/2010/main" val="0"/>
+              </a:ext>
+            </a:extLst>
+          </a:blip>
+          <a:stretch>
+            <a:fillRect/>
+          </a:stretch>
+        </p:blipFill>
+        <p:spPr>
+          <a:xfrm>
+            <a:off x="6908772" y="1380572"/>
+            <a:ext cx="3928311" cy="4844399"/>
+          </a:xfrm>
+          <a:prstGeom prst="rect">
+            <a:avLst/>
+          </a:prstGeom>
+        </p:spPr>
+      </p:pic>
+    </p:spTree>
+    <p:extLst>
+      <p:ext uri="{BB962C8B-B14F-4D97-AF65-F5344CB8AC3E}">
+        <p14:creationId xmlns:p14="http://schemas.microsoft.com/office/powerpoint/2010/main" val="939665744"/>
+      </p:ext>
+    </p:extLst>
+  </p:cSld>
+  <p:clrMapOvr>
+    <a:masterClrMapping/>
+  </p:clrMapOvr>
+  <p:timing>
+    <p:tnLst>
+      <p:par>
+        <p:cTn id="1" dur="indefinite" restart="never" nodeType="tmRoot"/>
+      </p:par>
+    </p:tnLst>
+  </p:timing>
+</p:sld>
+</file>
+
+<file path=ppt/slides/slide20.xml><?xml version="1.0" encoding="utf-8"?>
+<p:sld xmlns:a="http://schemas.openxmlformats.org/drawingml/2006/main" xmlns:r="http://schemas.openxmlformats.org/officeDocument/2006/relationships" xmlns:p="http://schemas.openxmlformats.org/presentationml/2006/main">
+  <p:cSld>
+    <p:spTree>
+      <p:nvGrpSpPr>
+        <p:cNvPr id="1" name=""/>
+        <p:cNvGrpSpPr/>
+        <p:nvPr/>
+      </p:nvGrpSpPr>
+      <p:grpSpPr>
+        <a:xfrm>
+          <a:off x="0" y="0"/>
+          <a:ext cx="0" cy="0"/>
+          <a:chOff x="0" y="0"/>
+          <a:chExt cx="0" cy="0"/>
+        </a:xfrm>
+      </p:grpSpPr>
+      <p:sp>
+        <p:nvSpPr>
+          <p:cNvPr id="2" name="Title 1">
+            <a:extLst>
+              <a:ext uri="{FF2B5EF4-FFF2-40B4-BE49-F238E27FC236}">
+                <a16:creationId xmlns:a16="http://schemas.microsoft.com/office/drawing/2014/main" xmlns="" id="{9045A477-9EA3-4F5C-B4B9-8CE29E6FF138}"/>
+              </a:ext>
+            </a:extLst>
+          </p:cNvPr>
+          <p:cNvSpPr>
+            <a:spLocks noGrp="1"/>
+          </p:cNvSpPr>
+          <p:nvPr>
+            <p:ph type="title"/>
+          </p:nvPr>
+        </p:nvSpPr>
+        <p:spPr/>
+        <p:txBody>
+          <a:bodyPr>
+            <a:normAutofit fontScale="90000"/>
+          </a:bodyPr>
+          <a:lstStyle/>
+          <a:p>
+            <a:r>
+              <a:rPr lang="en-US" dirty="0"/>
+              <a:t>Proposed Method</a:t>
+            </a:r>
+            <a:br>
+              <a:rPr lang="en-US" dirty="0"/>
+            </a:br>
+            <a:r>
+              <a:rPr lang="en-US" dirty="0"/>
+              <a:t>	</a:t>
+            </a:r>
+            <a:r>
+              <a:rPr lang="en-US" dirty="0" smtClean="0"/>
+              <a:t>-Equalization</a:t>
+            </a:r>
+            <a:endParaRPr lang="en-US" dirty="0"/>
+          </a:p>
+        </p:txBody>
+      </p:sp>
+      <p:sp>
+        <p:nvSpPr>
+          <p:cNvPr id="6" name="TextBox 5"/>
+          <p:cNvSpPr txBox="1"/>
+          <p:nvPr/>
+        </p:nvSpPr>
+        <p:spPr>
+          <a:xfrm>
+            <a:off x="276639" y="1905592"/>
+            <a:ext cx="2054152" cy="461665"/>
+          </a:xfrm>
+          <a:prstGeom prst="rect">
+            <a:avLst/>
+          </a:prstGeom>
+          <a:noFill/>
+        </p:spPr>
+        <p:txBody>
+          <a:bodyPr wrap="none" rtlCol="0">
+            <a:spAutoFit/>
+          </a:bodyPr>
+          <a:lstStyle/>
+          <a:p>
+            <a:r>
+              <a:rPr lang="en-US" sz="2400" dirty="0" smtClean="0">
+                <a:ln w="0"/>
+                <a:solidFill>
+                  <a:schemeClr val="accent1"/>
+                </a:solidFill>
+                <a:effectLst>
+                  <a:outerShdw blurRad="38100" dist="25400" dir="5400000" algn="ctr" rotWithShape="0">
+                    <a:srgbClr val="6E747A">
+                      <a:alpha val="43000"/>
+                    </a:srgbClr>
+                  </a:outerShdw>
+                </a:effectLst>
+              </a:rPr>
+              <a:t>Model Training</a:t>
+            </a:r>
+            <a:endParaRPr lang="en-US" sz="2400" dirty="0">
+              <a:ln w="0"/>
+              <a:solidFill>
+                <a:schemeClr val="accent1"/>
+              </a:solidFill>
+              <a:effectLst>
+                <a:outerShdw blurRad="38100" dist="25400" dir="5400000" algn="ctr" rotWithShape="0">
+                  <a:srgbClr val="6E747A">
+                    <a:alpha val="43000"/>
+                  </a:srgbClr>
+                </a:outerShdw>
+              </a:effectLst>
+            </a:endParaRPr>
+          </a:p>
+        </p:txBody>
+      </p:sp>
+      <p:sp>
+        <p:nvSpPr>
+          <p:cNvPr id="7" name="TextBox 6"/>
+          <p:cNvSpPr txBox="1"/>
+          <p:nvPr/>
+        </p:nvSpPr>
+        <p:spPr>
+          <a:xfrm>
+            <a:off x="160100" y="4163402"/>
+            <a:ext cx="2287229" cy="461665"/>
+          </a:xfrm>
+          <a:prstGeom prst="rect">
+            <a:avLst/>
+          </a:prstGeom>
+          <a:noFill/>
+        </p:spPr>
+        <p:txBody>
+          <a:bodyPr wrap="none" rtlCol="0">
+            <a:spAutoFit/>
+          </a:bodyPr>
+          <a:lstStyle/>
+          <a:p>
+            <a:r>
+              <a:rPr lang="en-US" sz="2400" dirty="0" smtClean="0">
+                <a:ln w="0"/>
+                <a:solidFill>
+                  <a:schemeClr val="accent2"/>
+                </a:solidFill>
+                <a:effectLst>
+                  <a:outerShdw blurRad="38100" dist="25400" dir="5400000" algn="ctr" rotWithShape="0">
+                    <a:srgbClr val="6E747A">
+                      <a:alpha val="43000"/>
+                    </a:srgbClr>
+                  </a:outerShdw>
+                </a:effectLst>
+              </a:rPr>
+              <a:t>Model Inference</a:t>
+            </a:r>
+            <a:endParaRPr lang="en-US" sz="2400" dirty="0">
+              <a:ln w="0"/>
+              <a:solidFill>
+                <a:schemeClr val="accent2"/>
+              </a:solidFill>
+              <a:effectLst>
+                <a:outerShdw blurRad="38100" dist="25400" dir="5400000" algn="ctr" rotWithShape="0">
+                  <a:srgbClr val="6E747A">
+                    <a:alpha val="43000"/>
+                  </a:srgbClr>
+                </a:outerShdw>
+              </a:effectLst>
+            </a:endParaRPr>
+          </a:p>
+        </p:txBody>
+      </p:sp>
+      <p:sp>
+        <p:nvSpPr>
+          <p:cNvPr id="8" name="Rounded Rectangle 7"/>
+          <p:cNvSpPr/>
+          <p:nvPr/>
+        </p:nvSpPr>
+        <p:spPr>
+          <a:xfrm>
+            <a:off x="2447329" y="1352540"/>
+            <a:ext cx="7095255" cy="1636846"/>
+          </a:xfrm>
+          <a:prstGeom prst="roundRect">
+            <a:avLst/>
+          </a:prstGeom>
+          <a:solidFill>
+            <a:schemeClr val="accent1">
+              <a:lumMod val="60000"/>
+              <a:lumOff val="40000"/>
+              <a:alpha val="16000"/>
+            </a:schemeClr>
+          </a:solidFill>
+          <a:ln>
+            <a:noFill/>
+          </a:ln>
+        </p:spPr>
+        <p:style>
+          <a:lnRef idx="2">
+            <a:schemeClr val="accent1">
+              <a:shade val="50000"/>
+            </a:schemeClr>
+          </a:lnRef>
+          <a:fillRef idx="1">
+            <a:schemeClr val="accent1"/>
+          </a:fillRef>
+          <a:effectRef idx="0">
+            <a:schemeClr val="accent1"/>
+          </a:effectRef>
+          <a:fontRef idx="minor">
+            <a:schemeClr val="lt1"/>
+          </a:fontRef>
+        </p:style>
+        <p:txBody>
+          <a:bodyPr rtlCol="0" anchor="ctr"/>
+          <a:lstStyle/>
+          <a:p>
+            <a:pPr algn="ctr"/>
+            <a:endParaRPr lang="en-US">
+              <a:ln>
+                <a:solidFill>
+                  <a:sysClr val="windowText" lastClr="000000"/>
+                </a:solidFill>
+              </a:ln>
+            </a:endParaRPr>
+          </a:p>
+        </p:txBody>
+      </p:sp>
+      <p:sp>
+        <p:nvSpPr>
+          <p:cNvPr id="9" name="Rounded Rectangle 8"/>
+          <p:cNvSpPr/>
+          <p:nvPr/>
+        </p:nvSpPr>
+        <p:spPr>
+          <a:xfrm>
+            <a:off x="2447328" y="3321935"/>
+            <a:ext cx="7095255" cy="2083442"/>
+          </a:xfrm>
+          <a:prstGeom prst="roundRect">
+            <a:avLst/>
+          </a:prstGeom>
+          <a:solidFill>
+            <a:schemeClr val="accent2">
+              <a:lumMod val="60000"/>
+              <a:lumOff val="40000"/>
+              <a:alpha val="16000"/>
+            </a:schemeClr>
+          </a:solidFill>
+          <a:ln>
+            <a:noFill/>
+          </a:ln>
+        </p:spPr>
+        <p:style>
+          <a:lnRef idx="2">
+            <a:schemeClr val="accent1">
+              <a:shade val="50000"/>
+            </a:schemeClr>
+          </a:lnRef>
+          <a:fillRef idx="1">
+            <a:schemeClr val="accent1"/>
+          </a:fillRef>
+          <a:effectRef idx="0">
+            <a:schemeClr val="accent1"/>
+          </a:effectRef>
+          <a:fontRef idx="minor">
+            <a:schemeClr val="lt1"/>
+          </a:fontRef>
+        </p:style>
+        <p:txBody>
+          <a:bodyPr rtlCol="0" anchor="ctr"/>
+          <a:lstStyle/>
+          <a:p>
+            <a:pPr algn="ctr"/>
+            <a:endParaRPr lang="en-US">
+              <a:ln>
+                <a:solidFill>
+                  <a:sysClr val="windowText" lastClr="000000"/>
+                </a:solidFill>
+              </a:ln>
+            </a:endParaRPr>
+          </a:p>
+        </p:txBody>
+      </p:sp>
+      <p:pic>
+        <p:nvPicPr>
+          <p:cNvPr id="5" name="Picture 4"/>
+          <p:cNvPicPr>
+            <a:picLocks noChangeAspect="1"/>
+          </p:cNvPicPr>
+          <p:nvPr/>
+        </p:nvPicPr>
+        <p:blipFill>
+          <a:blip r:embed="rId2">
+            <a:extLst>
+              <a:ext uri="{28A0092B-C50C-407E-A947-70E740481C1C}">
+                <a14:useLocalDpi xmlns:a14="http://schemas.microsoft.com/office/drawing/2010/main" val="0"/>
+              </a:ext>
+            </a:extLst>
+          </a:blip>
+          <a:stretch>
+            <a:fillRect/>
+          </a:stretch>
+        </p:blipFill>
+        <p:spPr>
+          <a:xfrm>
+            <a:off x="2389059" y="1352540"/>
+            <a:ext cx="7211792" cy="5137900"/>
+          </a:xfrm>
+          <a:prstGeom prst="rect">
+            <a:avLst/>
+          </a:prstGeom>
+        </p:spPr>
+      </p:pic>
+    </p:spTree>
+    <p:extLst>
+      <p:ext uri="{BB962C8B-B14F-4D97-AF65-F5344CB8AC3E}">
+        <p14:creationId xmlns:p14="http://schemas.microsoft.com/office/powerpoint/2010/main" val="1173003981"/>
+      </p:ext>
+    </p:extLst>
+  </p:cSld>
+  <p:clrMapOvr>
+    <a:masterClrMapping/>
+  </p:clrMapOvr>
+  <p:timing>
+    <p:tnLst>
+      <p:par>
+        <p:cTn id="1" dur="indefinite" restart="never" nodeType="tmRoot"/>
+      </p:par>
+    </p:tnLst>
+  </p:timing>
+</p:sld>
+</file>
+
+<file path=ppt/slides/slide21.xml><?xml version="1.0" encoding="utf-8"?>
+<p:sld xmlns:a="http://schemas.openxmlformats.org/drawingml/2006/main" xmlns:r="http://schemas.openxmlformats.org/officeDocument/2006/relationships" xmlns:p="http://schemas.openxmlformats.org/presentationml/2006/main">
+  <p:cSld>
+    <p:spTree>
+      <p:nvGrpSpPr>
+        <p:cNvPr id="1" name=""/>
+        <p:cNvGrpSpPr/>
+        <p:nvPr/>
+      </p:nvGrpSpPr>
+      <p:grpSpPr>
+        <a:xfrm>
+          <a:off x="0" y="0"/>
+          <a:ext cx="0" cy="0"/>
+          <a:chOff x="0" y="0"/>
+          <a:chExt cx="0" cy="0"/>
+        </a:xfrm>
+      </p:grpSpPr>
+      <p:sp>
+        <p:nvSpPr>
+          <p:cNvPr id="2" name="Title 1">
+            <a:extLst>
+              <a:ext uri="{FF2B5EF4-FFF2-40B4-BE49-F238E27FC236}">
+                <a16:creationId xmlns:a16="http://schemas.microsoft.com/office/drawing/2014/main" xmlns="" id="{9045A477-9EA3-4F5C-B4B9-8CE29E6FF138}"/>
+              </a:ext>
+            </a:extLst>
+          </p:cNvPr>
+          <p:cNvSpPr>
+            <a:spLocks noGrp="1"/>
+          </p:cNvSpPr>
+          <p:nvPr>
+            <p:ph type="title"/>
+          </p:nvPr>
+        </p:nvSpPr>
+        <p:spPr/>
+        <p:txBody>
+          <a:bodyPr>
+            <a:normAutofit fontScale="90000"/>
+          </a:bodyPr>
+          <a:lstStyle/>
+          <a:p>
+            <a:r>
+              <a:rPr lang="en-US" dirty="0"/>
+              <a:t>Proposed Method</a:t>
+            </a:r>
+            <a:br>
+              <a:rPr lang="en-US" dirty="0"/>
+            </a:br>
+            <a:r>
+              <a:rPr lang="en-US" dirty="0"/>
+              <a:t>	</a:t>
+            </a:r>
+            <a:r>
+              <a:rPr lang="en-US" dirty="0" smtClean="0"/>
+              <a:t>-Equalization</a:t>
+            </a:r>
+            <a:endParaRPr lang="en-US" dirty="0"/>
+          </a:p>
+        </p:txBody>
+      </p:sp>
+      <p:sp>
+        <p:nvSpPr>
+          <p:cNvPr id="6" name="TextBox 5"/>
+          <p:cNvSpPr txBox="1"/>
+          <p:nvPr/>
+        </p:nvSpPr>
+        <p:spPr>
+          <a:xfrm>
+            <a:off x="276639" y="1905592"/>
+            <a:ext cx="2054152" cy="461665"/>
+          </a:xfrm>
+          <a:prstGeom prst="rect">
+            <a:avLst/>
+          </a:prstGeom>
+          <a:noFill/>
+        </p:spPr>
+        <p:txBody>
+          <a:bodyPr wrap="none" rtlCol="0">
+            <a:spAutoFit/>
+          </a:bodyPr>
+          <a:lstStyle/>
+          <a:p>
+            <a:r>
+              <a:rPr lang="en-US" sz="2400" dirty="0" smtClean="0">
+                <a:ln w="0"/>
+                <a:solidFill>
+                  <a:schemeClr val="accent1"/>
+                </a:solidFill>
+                <a:effectLst>
+                  <a:outerShdw blurRad="38100" dist="25400" dir="5400000" algn="ctr" rotWithShape="0">
+                    <a:srgbClr val="6E747A">
+                      <a:alpha val="43000"/>
+                    </a:srgbClr>
+                  </a:outerShdw>
+                </a:effectLst>
+              </a:rPr>
+              <a:t>Model Training</a:t>
+            </a:r>
+            <a:endParaRPr lang="en-US" sz="2400" dirty="0">
+              <a:ln w="0"/>
+              <a:solidFill>
+                <a:schemeClr val="accent1"/>
+              </a:solidFill>
+              <a:effectLst>
+                <a:outerShdw blurRad="38100" dist="25400" dir="5400000" algn="ctr" rotWithShape="0">
+                  <a:srgbClr val="6E747A">
+                    <a:alpha val="43000"/>
+                  </a:srgbClr>
+                </a:outerShdw>
+              </a:effectLst>
+            </a:endParaRPr>
+          </a:p>
+        </p:txBody>
+      </p:sp>
+      <p:sp>
+        <p:nvSpPr>
+          <p:cNvPr id="7" name="TextBox 6"/>
+          <p:cNvSpPr txBox="1"/>
+          <p:nvPr/>
+        </p:nvSpPr>
+        <p:spPr>
+          <a:xfrm>
+            <a:off x="160100" y="4163402"/>
+            <a:ext cx="2287229" cy="461665"/>
+          </a:xfrm>
+          <a:prstGeom prst="rect">
+            <a:avLst/>
+          </a:prstGeom>
+          <a:noFill/>
+        </p:spPr>
+        <p:txBody>
+          <a:bodyPr wrap="none" rtlCol="0">
+            <a:spAutoFit/>
+          </a:bodyPr>
+          <a:lstStyle/>
+          <a:p>
+            <a:r>
+              <a:rPr lang="en-US" sz="2400" dirty="0" smtClean="0">
+                <a:ln w="0"/>
+                <a:solidFill>
+                  <a:schemeClr val="accent2"/>
+                </a:solidFill>
+                <a:effectLst>
+                  <a:outerShdw blurRad="38100" dist="25400" dir="5400000" algn="ctr" rotWithShape="0">
+                    <a:srgbClr val="6E747A">
+                      <a:alpha val="43000"/>
+                    </a:srgbClr>
+                  </a:outerShdw>
+                </a:effectLst>
+              </a:rPr>
+              <a:t>Model Inference</a:t>
+            </a:r>
+            <a:endParaRPr lang="en-US" sz="2400" dirty="0">
+              <a:ln w="0"/>
+              <a:solidFill>
+                <a:schemeClr val="accent2"/>
+              </a:solidFill>
+              <a:effectLst>
+                <a:outerShdw blurRad="38100" dist="25400" dir="5400000" algn="ctr" rotWithShape="0">
+                  <a:srgbClr val="6E747A">
+                    <a:alpha val="43000"/>
+                  </a:srgbClr>
+                </a:outerShdw>
+              </a:effectLst>
+            </a:endParaRPr>
+          </a:p>
+        </p:txBody>
+      </p:sp>
+      <p:sp>
+        <p:nvSpPr>
+          <p:cNvPr id="8" name="Rounded Rectangle 7"/>
+          <p:cNvSpPr/>
+          <p:nvPr/>
+        </p:nvSpPr>
+        <p:spPr>
+          <a:xfrm>
+            <a:off x="2447329" y="1352540"/>
+            <a:ext cx="7095255" cy="1636846"/>
+          </a:xfrm>
+          <a:prstGeom prst="roundRect">
+            <a:avLst/>
+          </a:prstGeom>
+          <a:solidFill>
+            <a:schemeClr val="accent1">
+              <a:lumMod val="60000"/>
+              <a:lumOff val="40000"/>
+              <a:alpha val="16000"/>
+            </a:schemeClr>
+          </a:solidFill>
+          <a:ln>
+            <a:noFill/>
+          </a:ln>
+        </p:spPr>
+        <p:style>
+          <a:lnRef idx="2">
+            <a:schemeClr val="accent1">
+              <a:shade val="50000"/>
+            </a:schemeClr>
+          </a:lnRef>
+          <a:fillRef idx="1">
+            <a:schemeClr val="accent1"/>
+          </a:fillRef>
+          <a:effectRef idx="0">
+            <a:schemeClr val="accent1"/>
+          </a:effectRef>
+          <a:fontRef idx="minor">
+            <a:schemeClr val="lt1"/>
+          </a:fontRef>
+        </p:style>
+        <p:txBody>
+          <a:bodyPr rtlCol="0" anchor="ctr"/>
+          <a:lstStyle/>
+          <a:p>
+            <a:pPr algn="ctr"/>
+            <a:endParaRPr lang="en-US">
+              <a:ln>
+                <a:solidFill>
+                  <a:sysClr val="windowText" lastClr="000000"/>
+                </a:solidFill>
+              </a:ln>
+            </a:endParaRPr>
+          </a:p>
+        </p:txBody>
+      </p:sp>
+      <p:sp>
+        <p:nvSpPr>
+          <p:cNvPr id="9" name="Rounded Rectangle 8"/>
+          <p:cNvSpPr/>
+          <p:nvPr/>
+        </p:nvSpPr>
+        <p:spPr>
+          <a:xfrm>
+            <a:off x="2447328" y="3321935"/>
+            <a:ext cx="7095255" cy="2083442"/>
+          </a:xfrm>
+          <a:prstGeom prst="roundRect">
+            <a:avLst/>
+          </a:prstGeom>
+          <a:solidFill>
+            <a:schemeClr val="accent2">
+              <a:lumMod val="60000"/>
+              <a:lumOff val="40000"/>
+              <a:alpha val="16000"/>
+            </a:schemeClr>
+          </a:solidFill>
+          <a:ln>
+            <a:noFill/>
+          </a:ln>
+        </p:spPr>
+        <p:style>
+          <a:lnRef idx="2">
+            <a:schemeClr val="accent1">
+              <a:shade val="50000"/>
+            </a:schemeClr>
+          </a:lnRef>
+          <a:fillRef idx="1">
+            <a:schemeClr val="accent1"/>
+          </a:fillRef>
+          <a:effectRef idx="0">
+            <a:schemeClr val="accent1"/>
+          </a:effectRef>
+          <a:fontRef idx="minor">
+            <a:schemeClr val="lt1"/>
+          </a:fontRef>
+        </p:style>
+        <p:txBody>
+          <a:bodyPr rtlCol="0" anchor="ctr"/>
+          <a:lstStyle/>
+          <a:p>
+            <a:pPr algn="ctr"/>
+            <a:endParaRPr lang="en-US">
+              <a:ln>
+                <a:solidFill>
+                  <a:sysClr val="windowText" lastClr="000000"/>
+                </a:solidFill>
+              </a:ln>
+            </a:endParaRPr>
+          </a:p>
+        </p:txBody>
+      </p:sp>
+      <p:pic>
+        <p:nvPicPr>
+          <p:cNvPr id="5" name="Picture 4"/>
+          <p:cNvPicPr>
+            <a:picLocks noChangeAspect="1"/>
+          </p:cNvPicPr>
+          <p:nvPr/>
+        </p:nvPicPr>
+        <p:blipFill>
+          <a:blip r:embed="rId2">
+            <a:extLst>
+              <a:ext uri="{28A0092B-C50C-407E-A947-70E740481C1C}">
+                <a14:useLocalDpi xmlns:a14="http://schemas.microsoft.com/office/drawing/2010/main" val="0"/>
+              </a:ext>
+            </a:extLst>
+          </a:blip>
+          <a:stretch>
+            <a:fillRect/>
+          </a:stretch>
+        </p:blipFill>
+        <p:spPr>
+          <a:xfrm>
+            <a:off x="2389059" y="1352540"/>
+            <a:ext cx="7211792" cy="5137900"/>
+          </a:xfrm>
+          <a:prstGeom prst="rect">
+            <a:avLst/>
+          </a:prstGeom>
+        </p:spPr>
+      </p:pic>
+      <p:sp>
+        <p:nvSpPr>
+          <p:cNvPr id="11" name="Rounded Rectangle 10"/>
+          <p:cNvSpPr/>
+          <p:nvPr/>
+        </p:nvSpPr>
+        <p:spPr>
+          <a:xfrm>
+            <a:off x="7799479" y="2075131"/>
+            <a:ext cx="1743103" cy="914255"/>
+          </a:xfrm>
+          <a:prstGeom prst="roundRect">
+            <a:avLst/>
+          </a:prstGeom>
+          <a:solidFill>
+            <a:srgbClr val="0070C0">
+              <a:alpha val="46000"/>
+            </a:srgbClr>
+          </a:solidFill>
+          <a:ln>
+            <a:noFill/>
+          </a:ln>
+        </p:spPr>
+        <p:style>
+          <a:lnRef idx="2">
+            <a:schemeClr val="accent1">
+              <a:shade val="50000"/>
+            </a:schemeClr>
+          </a:lnRef>
+          <a:fillRef idx="1">
+            <a:schemeClr val="accent1"/>
+          </a:fillRef>
+          <a:effectRef idx="0">
+            <a:schemeClr val="accent1"/>
+          </a:effectRef>
+          <a:fontRef idx="minor">
+            <a:schemeClr val="lt1"/>
+          </a:fontRef>
+        </p:style>
+        <p:txBody>
+          <a:bodyPr rtlCol="0" anchor="ctr"/>
+          <a:lstStyle/>
+          <a:p>
+            <a:pPr algn="ctr"/>
+            <a:endParaRPr lang="en-US">
+              <a:ln>
+                <a:solidFill>
+                  <a:sysClr val="windowText" lastClr="000000"/>
+                </a:solidFill>
+              </a:ln>
+            </a:endParaRPr>
+          </a:p>
+        </p:txBody>
+      </p:sp>
+      <p:sp>
+        <p:nvSpPr>
+          <p:cNvPr id="12" name="TextBox 11"/>
+          <p:cNvSpPr txBox="1"/>
+          <p:nvPr/>
+        </p:nvSpPr>
+        <p:spPr>
+          <a:xfrm>
+            <a:off x="9747909" y="1793594"/>
+            <a:ext cx="2277926" cy="1477328"/>
+          </a:xfrm>
+          <a:prstGeom prst="rect">
+            <a:avLst/>
+          </a:prstGeom>
+          <a:noFill/>
+        </p:spPr>
+        <p:txBody>
+          <a:bodyPr wrap="square" rtlCol="0">
+            <a:spAutoFit/>
+          </a:bodyPr>
+          <a:lstStyle/>
+          <a:p>
+            <a:r>
+              <a:rPr lang="en-US" dirty="0" smtClean="0">
+                <a:ln w="0"/>
+                <a:solidFill>
+                  <a:schemeClr val="accent1"/>
+                </a:solidFill>
+                <a:effectLst>
+                  <a:outerShdw blurRad="38100" dist="25400" dir="5400000" algn="ctr" rotWithShape="0">
+                    <a:srgbClr val="6E747A">
+                      <a:alpha val="43000"/>
+                    </a:srgbClr>
+                  </a:outerShdw>
+                </a:effectLst>
+              </a:rPr>
+              <a:t>If the mixed vocal is boosted at some center frequency,  we should learn to cut at that frequency.</a:t>
+            </a:r>
+            <a:endParaRPr lang="en-US" dirty="0">
+              <a:ln w="0"/>
+              <a:solidFill>
+                <a:schemeClr val="accent1"/>
+              </a:solidFill>
+              <a:effectLst>
+                <a:outerShdw blurRad="38100" dist="25400" dir="5400000" algn="ctr" rotWithShape="0">
+                  <a:srgbClr val="6E747A">
+                    <a:alpha val="43000"/>
+                  </a:srgbClr>
+                </a:outerShdw>
+              </a:effectLst>
+            </a:endParaRPr>
+          </a:p>
+        </p:txBody>
+      </p:sp>
+    </p:spTree>
+    <p:extLst>
+      <p:ext uri="{BB962C8B-B14F-4D97-AF65-F5344CB8AC3E}">
+        <p14:creationId xmlns:p14="http://schemas.microsoft.com/office/powerpoint/2010/main" val="1614964842"/>
+      </p:ext>
+    </p:extLst>
+  </p:cSld>
+  <p:clrMapOvr>
+    <a:masterClrMapping/>
+  </p:clrMapOvr>
+  <p:timing>
+    <p:tnLst>
+      <p:par>
+        <p:cTn id="1" dur="indefinite" restart="never" nodeType="tmRoot"/>
+      </p:par>
+    </p:tnLst>
+  </p:timing>
+</p:sld>
+</file>
+
+<file path=ppt/slides/slide22.xml><?xml version="1.0" encoding="utf-8"?>
+<p:sld xmlns:a="http://schemas.openxmlformats.org/drawingml/2006/main" xmlns:r="http://schemas.openxmlformats.org/officeDocument/2006/relationships" xmlns:p="http://schemas.openxmlformats.org/presentationml/2006/main">
+  <p:cSld>
+    <p:spTree>
+      <p:nvGrpSpPr>
+        <p:cNvPr id="1" name=""/>
+        <p:cNvGrpSpPr/>
+        <p:nvPr/>
+      </p:nvGrpSpPr>
+      <p:grpSpPr>
+        <a:xfrm>
+          <a:off x="0" y="0"/>
+          <a:ext cx="0" cy="0"/>
+          <a:chOff x="0" y="0"/>
+          <a:chExt cx="0" cy="0"/>
+        </a:xfrm>
+      </p:grpSpPr>
+      <p:sp>
+        <p:nvSpPr>
+          <p:cNvPr id="2" name="Title 1">
+            <a:extLst>
+              <a:ext uri="{FF2B5EF4-FFF2-40B4-BE49-F238E27FC236}">
+                <a16:creationId xmlns:a16="http://schemas.microsoft.com/office/drawing/2014/main" xmlns="" id="{9045A477-9EA3-4F5C-B4B9-8CE29E6FF138}"/>
+              </a:ext>
+            </a:extLst>
+          </p:cNvPr>
+          <p:cNvSpPr>
+            <a:spLocks noGrp="1"/>
+          </p:cNvSpPr>
+          <p:nvPr>
+            <p:ph type="title"/>
+          </p:nvPr>
+        </p:nvSpPr>
+        <p:spPr/>
+        <p:txBody>
+          <a:bodyPr>
+            <a:normAutofit fontScale="90000"/>
+          </a:bodyPr>
+          <a:lstStyle/>
+          <a:p>
+            <a:r>
+              <a:rPr lang="en-US" dirty="0"/>
+              <a:t>Proposed Method</a:t>
+            </a:r>
+            <a:br>
+              <a:rPr lang="en-US" dirty="0"/>
+            </a:br>
+            <a:r>
+              <a:rPr lang="en-US" dirty="0"/>
+              <a:t>	</a:t>
+            </a:r>
+            <a:r>
+              <a:rPr lang="en-US" dirty="0" smtClean="0"/>
+              <a:t>-Reverberation</a:t>
+            </a:r>
+            <a:endParaRPr lang="en-US" dirty="0"/>
+          </a:p>
+        </p:txBody>
+      </p:sp>
+      <p:sp>
+        <p:nvSpPr>
+          <p:cNvPr id="5" name="Content Placeholder 4"/>
+          <p:cNvSpPr>
+            <a:spLocks noGrp="1"/>
+          </p:cNvSpPr>
+          <p:nvPr>
+            <p:ph idx="1"/>
+          </p:nvPr>
+        </p:nvSpPr>
+        <p:spPr/>
+        <p:txBody>
+          <a:bodyPr>
+            <a:normAutofit/>
+          </a:bodyPr>
+          <a:lstStyle/>
+          <a:p>
+            <a:endParaRPr lang="en-US" sz="3200" dirty="0" smtClean="0"/>
+          </a:p>
+          <a:p>
+            <a:r>
+              <a:rPr lang="en-US" sz="3200" dirty="0" smtClean="0"/>
+              <a:t>Extracts the reverb impulse responses by a commercial plugin</a:t>
+            </a:r>
+          </a:p>
+          <a:p>
+            <a:endParaRPr lang="en-US" sz="3200" dirty="0"/>
+          </a:p>
+          <a:p>
+            <a:r>
+              <a:rPr lang="en-US" sz="3200" dirty="0" smtClean="0"/>
+              <a:t>Uses genetic optimization to </a:t>
+            </a:r>
+            <a:r>
+              <a:rPr lang="en-US" sz="3200" dirty="0" smtClean="0">
+                <a:solidFill>
+                  <a:srgbClr val="FF0000"/>
+                </a:solidFill>
+              </a:rPr>
+              <a:t>approximate the reverb parameters for the </a:t>
+            </a:r>
+            <a:r>
+              <a:rPr lang="en-US" sz="3200" dirty="0">
+                <a:solidFill>
+                  <a:srgbClr val="FF0000"/>
+                </a:solidFill>
+              </a:rPr>
+              <a:t>impulse responses</a:t>
+            </a:r>
+            <a:r>
+              <a:rPr lang="en-US" sz="3200" dirty="0"/>
+              <a:t> </a:t>
+            </a:r>
+            <a:endParaRPr lang="en-US" sz="3200" dirty="0" smtClean="0"/>
+          </a:p>
+        </p:txBody>
+      </p:sp>
+    </p:spTree>
+    <p:extLst>
+      <p:ext uri="{BB962C8B-B14F-4D97-AF65-F5344CB8AC3E}">
+        <p14:creationId xmlns:p14="http://schemas.microsoft.com/office/powerpoint/2010/main" val="530104804"/>
+      </p:ext>
+    </p:extLst>
+  </p:cSld>
+  <p:clrMapOvr>
+    <a:masterClrMapping/>
+  </p:clrMapOvr>
+  <p:timing>
+    <p:tnLst>
+      <p:par>
+        <p:cTn id="1" dur="indefinite" restart="never" nodeType="tmRoot"/>
+      </p:par>
+    </p:tnLst>
+  </p:timing>
+</p:sld>
+</file>
+
+<file path=ppt/slides/slide23.xml><?xml version="1.0" encoding="utf-8"?>
+<p:sld xmlns:a="http://schemas.openxmlformats.org/drawingml/2006/main" xmlns:r="http://schemas.openxmlformats.org/officeDocument/2006/relationships" xmlns:p="http://schemas.openxmlformats.org/presentationml/2006/main">
+  <p:cSld>
+    <p:spTree>
+      <p:nvGrpSpPr>
+        <p:cNvPr id="1" name=""/>
+        <p:cNvGrpSpPr/>
+        <p:nvPr/>
+      </p:nvGrpSpPr>
+      <p:grpSpPr>
+        <a:xfrm>
+          <a:off x="0" y="0"/>
+          <a:ext cx="0" cy="0"/>
+          <a:chOff x="0" y="0"/>
+          <a:chExt cx="0" cy="0"/>
+        </a:xfrm>
+      </p:grpSpPr>
+      <p:sp>
+        <p:nvSpPr>
+          <p:cNvPr id="2" name="Title 1">
+            <a:extLst>
+              <a:ext uri="{FF2B5EF4-FFF2-40B4-BE49-F238E27FC236}">
+                <a16:creationId xmlns:a16="http://schemas.microsoft.com/office/drawing/2014/main" xmlns="" id="{9045A477-9EA3-4F5C-B4B9-8CE29E6FF138}"/>
+              </a:ext>
+            </a:extLst>
+          </p:cNvPr>
+          <p:cNvSpPr>
+            <a:spLocks noGrp="1"/>
+          </p:cNvSpPr>
+          <p:nvPr>
+            <p:ph type="title"/>
+          </p:nvPr>
+        </p:nvSpPr>
+        <p:spPr/>
+        <p:txBody>
+          <a:bodyPr>
+            <a:normAutofit fontScale="90000"/>
+          </a:bodyPr>
+          <a:lstStyle/>
+          <a:p>
+            <a:r>
+              <a:rPr lang="en-US" dirty="0"/>
+              <a:t>Proposed Method</a:t>
+            </a:r>
+            <a:br>
+              <a:rPr lang="en-US" dirty="0"/>
+            </a:br>
+            <a:r>
+              <a:rPr lang="en-US" dirty="0"/>
+              <a:t>	</a:t>
+            </a:r>
+            <a:r>
+              <a:rPr lang="en-US" dirty="0" smtClean="0"/>
+              <a:t>-Reverberation</a:t>
+            </a:r>
+            <a:endParaRPr lang="en-US" dirty="0"/>
+          </a:p>
+        </p:txBody>
+      </p:sp>
+      <p:sp>
+        <p:nvSpPr>
+          <p:cNvPr id="6" name="TextBox 5"/>
+          <p:cNvSpPr txBox="1"/>
+          <p:nvPr/>
+        </p:nvSpPr>
+        <p:spPr>
+          <a:xfrm>
+            <a:off x="276639" y="1905592"/>
+            <a:ext cx="2054152" cy="461665"/>
+          </a:xfrm>
+          <a:prstGeom prst="rect">
+            <a:avLst/>
+          </a:prstGeom>
+          <a:noFill/>
+        </p:spPr>
+        <p:txBody>
+          <a:bodyPr wrap="none" rtlCol="0">
+            <a:spAutoFit/>
+          </a:bodyPr>
+          <a:lstStyle/>
+          <a:p>
+            <a:r>
+              <a:rPr lang="en-US" sz="2400" dirty="0" smtClean="0">
+                <a:ln w="0"/>
+                <a:solidFill>
+                  <a:schemeClr val="accent1"/>
+                </a:solidFill>
+                <a:effectLst>
+                  <a:outerShdw blurRad="38100" dist="25400" dir="5400000" algn="ctr" rotWithShape="0">
+                    <a:srgbClr val="6E747A">
+                      <a:alpha val="43000"/>
+                    </a:srgbClr>
+                  </a:outerShdw>
+                </a:effectLst>
+              </a:rPr>
+              <a:t>Model Training</a:t>
+            </a:r>
+            <a:endParaRPr lang="en-US" sz="2400" dirty="0">
+              <a:ln w="0"/>
+              <a:solidFill>
+                <a:schemeClr val="accent1"/>
+              </a:solidFill>
+              <a:effectLst>
+                <a:outerShdw blurRad="38100" dist="25400" dir="5400000" algn="ctr" rotWithShape="0">
+                  <a:srgbClr val="6E747A">
+                    <a:alpha val="43000"/>
+                  </a:srgbClr>
+                </a:outerShdw>
+              </a:effectLst>
+            </a:endParaRPr>
+          </a:p>
+        </p:txBody>
+      </p:sp>
+      <p:sp>
+        <p:nvSpPr>
+          <p:cNvPr id="7" name="TextBox 6"/>
+          <p:cNvSpPr txBox="1"/>
+          <p:nvPr/>
+        </p:nvSpPr>
+        <p:spPr>
+          <a:xfrm>
+            <a:off x="160100" y="4163402"/>
+            <a:ext cx="2287229" cy="461665"/>
+          </a:xfrm>
+          <a:prstGeom prst="rect">
+            <a:avLst/>
+          </a:prstGeom>
+          <a:noFill/>
+        </p:spPr>
+        <p:txBody>
+          <a:bodyPr wrap="none" rtlCol="0">
+            <a:spAutoFit/>
+          </a:bodyPr>
+          <a:lstStyle/>
+          <a:p>
+            <a:r>
+              <a:rPr lang="en-US" sz="2400" dirty="0" smtClean="0">
+                <a:ln w="0"/>
+                <a:solidFill>
+                  <a:schemeClr val="accent2"/>
+                </a:solidFill>
+                <a:effectLst>
+                  <a:outerShdw blurRad="38100" dist="25400" dir="5400000" algn="ctr" rotWithShape="0">
+                    <a:srgbClr val="6E747A">
+                      <a:alpha val="43000"/>
+                    </a:srgbClr>
+                  </a:outerShdw>
+                </a:effectLst>
+              </a:rPr>
+              <a:t>Model Inference</a:t>
+            </a:r>
+            <a:endParaRPr lang="en-US" sz="2400" dirty="0">
+              <a:ln w="0"/>
+              <a:solidFill>
+                <a:schemeClr val="accent2"/>
+              </a:solidFill>
+              <a:effectLst>
+                <a:outerShdw blurRad="38100" dist="25400" dir="5400000" algn="ctr" rotWithShape="0">
+                  <a:srgbClr val="6E747A">
+                    <a:alpha val="43000"/>
+                  </a:srgbClr>
+                </a:outerShdw>
+              </a:effectLst>
+            </a:endParaRPr>
+          </a:p>
+        </p:txBody>
+      </p:sp>
+      <p:sp>
+        <p:nvSpPr>
+          <p:cNvPr id="8" name="Rounded Rectangle 7"/>
+          <p:cNvSpPr/>
+          <p:nvPr/>
+        </p:nvSpPr>
+        <p:spPr>
+          <a:xfrm>
+            <a:off x="2447329" y="1352540"/>
+            <a:ext cx="7095255" cy="1830498"/>
+          </a:xfrm>
+          <a:prstGeom prst="roundRect">
+            <a:avLst/>
+          </a:prstGeom>
+          <a:solidFill>
+            <a:schemeClr val="accent1">
+              <a:lumMod val="60000"/>
+              <a:lumOff val="40000"/>
+              <a:alpha val="16000"/>
+            </a:schemeClr>
+          </a:solidFill>
+          <a:ln>
+            <a:noFill/>
+          </a:ln>
+        </p:spPr>
+        <p:style>
+          <a:lnRef idx="2">
+            <a:schemeClr val="accent1">
+              <a:shade val="50000"/>
+            </a:schemeClr>
+          </a:lnRef>
+          <a:fillRef idx="1">
+            <a:schemeClr val="accent1"/>
+          </a:fillRef>
+          <a:effectRef idx="0">
+            <a:schemeClr val="accent1"/>
+          </a:effectRef>
+          <a:fontRef idx="minor">
+            <a:schemeClr val="lt1"/>
+          </a:fontRef>
+        </p:style>
+        <p:txBody>
+          <a:bodyPr rtlCol="0" anchor="ctr"/>
+          <a:lstStyle/>
+          <a:p>
+            <a:pPr algn="ctr"/>
+            <a:endParaRPr lang="en-US">
+              <a:ln>
+                <a:solidFill>
+                  <a:sysClr val="windowText" lastClr="000000"/>
+                </a:solidFill>
+              </a:ln>
+            </a:endParaRPr>
+          </a:p>
+        </p:txBody>
+      </p:sp>
+      <p:sp>
+        <p:nvSpPr>
+          <p:cNvPr id="9" name="Rounded Rectangle 8"/>
+          <p:cNvSpPr/>
+          <p:nvPr/>
+        </p:nvSpPr>
+        <p:spPr>
+          <a:xfrm>
+            <a:off x="2447328" y="3321935"/>
+            <a:ext cx="7095255" cy="2083442"/>
+          </a:xfrm>
+          <a:prstGeom prst="roundRect">
+            <a:avLst/>
+          </a:prstGeom>
+          <a:solidFill>
+            <a:schemeClr val="accent2">
+              <a:lumMod val="60000"/>
+              <a:lumOff val="40000"/>
+              <a:alpha val="16000"/>
+            </a:schemeClr>
+          </a:solidFill>
+          <a:ln>
+            <a:noFill/>
+          </a:ln>
+        </p:spPr>
+        <p:style>
+          <a:lnRef idx="2">
+            <a:schemeClr val="accent1">
+              <a:shade val="50000"/>
+            </a:schemeClr>
+          </a:lnRef>
+          <a:fillRef idx="1">
+            <a:schemeClr val="accent1"/>
+          </a:fillRef>
+          <a:effectRef idx="0">
+            <a:schemeClr val="accent1"/>
+          </a:effectRef>
+          <a:fontRef idx="minor">
+            <a:schemeClr val="lt1"/>
+          </a:fontRef>
+        </p:style>
+        <p:txBody>
+          <a:bodyPr rtlCol="0" anchor="ctr"/>
+          <a:lstStyle/>
+          <a:p>
+            <a:pPr algn="ctr"/>
+            <a:endParaRPr lang="en-US">
+              <a:ln>
+                <a:solidFill>
+                  <a:sysClr val="windowText" lastClr="000000"/>
+                </a:solidFill>
+              </a:ln>
+            </a:endParaRPr>
+          </a:p>
+        </p:txBody>
+      </p:sp>
+      <p:pic>
+        <p:nvPicPr>
+          <p:cNvPr id="4" name="Picture 3"/>
+          <p:cNvPicPr>
+            <a:picLocks noChangeAspect="1"/>
+          </p:cNvPicPr>
+          <p:nvPr/>
+        </p:nvPicPr>
+        <p:blipFill>
+          <a:blip r:embed="rId2">
+            <a:extLst>
+              <a:ext uri="{28A0092B-C50C-407E-A947-70E740481C1C}">
+                <a14:useLocalDpi xmlns:a14="http://schemas.microsoft.com/office/drawing/2010/main" val="0"/>
+              </a:ext>
+            </a:extLst>
+          </a:blip>
+          <a:stretch>
+            <a:fillRect/>
+          </a:stretch>
+        </p:blipFill>
+        <p:spPr>
+          <a:xfrm>
+            <a:off x="2447327" y="1352540"/>
+            <a:ext cx="7218418" cy="5086183"/>
+          </a:xfrm>
+          <a:prstGeom prst="rect">
+            <a:avLst/>
+          </a:prstGeom>
+        </p:spPr>
+      </p:pic>
+    </p:spTree>
+    <p:extLst>
+      <p:ext uri="{BB962C8B-B14F-4D97-AF65-F5344CB8AC3E}">
+        <p14:creationId xmlns:p14="http://schemas.microsoft.com/office/powerpoint/2010/main" val="447065057"/>
+      </p:ext>
+    </p:extLst>
+  </p:cSld>
+  <p:clrMapOvr>
+    <a:masterClrMapping/>
+  </p:clrMapOvr>
+  <p:timing>
+    <p:tnLst>
+      <p:par>
+        <p:cTn id="1" dur="indefinite" restart="never" nodeType="tmRoot"/>
+      </p:par>
+    </p:tnLst>
+  </p:timing>
+</p:sld>
+</file>
+
+<file path=ppt/slides/slide24.xml><?xml version="1.0" encoding="utf-8"?>
+<p:sld xmlns:a="http://schemas.openxmlformats.org/drawingml/2006/main" xmlns:r="http://schemas.openxmlformats.org/officeDocument/2006/relationships" xmlns:p="http://schemas.openxmlformats.org/presentationml/2006/main">
+  <p:cSld>
+    <p:spTree>
+      <p:nvGrpSpPr>
+        <p:cNvPr id="1" name=""/>
+        <p:cNvGrpSpPr/>
+        <p:nvPr/>
+      </p:nvGrpSpPr>
+      <p:grpSpPr>
+        <a:xfrm>
+          <a:off x="0" y="0"/>
+          <a:ext cx="0" cy="0"/>
+          <a:chOff x="0" y="0"/>
+          <a:chExt cx="0" cy="0"/>
+        </a:xfrm>
+      </p:grpSpPr>
+      <p:sp>
+        <p:nvSpPr>
+          <p:cNvPr id="2" name="Title 1">
+            <a:extLst>
+              <a:ext uri="{FF2B5EF4-FFF2-40B4-BE49-F238E27FC236}">
+                <a16:creationId xmlns:a16="http://schemas.microsoft.com/office/drawing/2014/main" xmlns="" id="{9045A477-9EA3-4F5C-B4B9-8CE29E6FF138}"/>
+              </a:ext>
+            </a:extLst>
+          </p:cNvPr>
+          <p:cNvSpPr>
+            <a:spLocks noGrp="1"/>
+          </p:cNvSpPr>
+          <p:nvPr>
+            <p:ph type="title"/>
+          </p:nvPr>
+        </p:nvSpPr>
+        <p:spPr/>
+        <p:txBody>
+          <a:bodyPr>
+            <a:normAutofit fontScale="90000"/>
+          </a:bodyPr>
+          <a:lstStyle/>
+          <a:p>
+            <a:r>
+              <a:rPr lang="en-US" dirty="0"/>
+              <a:t>Proposed Method</a:t>
+            </a:r>
+            <a:br>
+              <a:rPr lang="en-US" dirty="0"/>
+            </a:br>
+            <a:r>
+              <a:rPr lang="en-US" dirty="0"/>
+              <a:t>	</a:t>
+            </a:r>
+            <a:r>
+              <a:rPr lang="en-US" dirty="0" smtClean="0"/>
+              <a:t>-Reverberation</a:t>
+            </a:r>
+            <a:endParaRPr lang="en-US" dirty="0"/>
+          </a:p>
+        </p:txBody>
+      </p:sp>
+      <p:sp>
+        <p:nvSpPr>
+          <p:cNvPr id="6" name="TextBox 5"/>
+          <p:cNvSpPr txBox="1"/>
+          <p:nvPr/>
+        </p:nvSpPr>
+        <p:spPr>
+          <a:xfrm>
+            <a:off x="276639" y="1905592"/>
+            <a:ext cx="2054152" cy="461665"/>
+          </a:xfrm>
+          <a:prstGeom prst="rect">
+            <a:avLst/>
+          </a:prstGeom>
+          <a:noFill/>
+        </p:spPr>
+        <p:txBody>
+          <a:bodyPr wrap="none" rtlCol="0">
+            <a:spAutoFit/>
+          </a:bodyPr>
+          <a:lstStyle/>
+          <a:p>
+            <a:r>
+              <a:rPr lang="en-US" sz="2400" dirty="0" smtClean="0">
+                <a:ln w="0"/>
+                <a:solidFill>
+                  <a:schemeClr val="accent1"/>
+                </a:solidFill>
+                <a:effectLst>
+                  <a:outerShdw blurRad="38100" dist="25400" dir="5400000" algn="ctr" rotWithShape="0">
+                    <a:srgbClr val="6E747A">
+                      <a:alpha val="43000"/>
+                    </a:srgbClr>
+                  </a:outerShdw>
+                </a:effectLst>
+              </a:rPr>
+              <a:t>Model Training</a:t>
+            </a:r>
+            <a:endParaRPr lang="en-US" sz="2400" dirty="0">
+              <a:ln w="0"/>
+              <a:solidFill>
+                <a:schemeClr val="accent1"/>
+              </a:solidFill>
+              <a:effectLst>
+                <a:outerShdw blurRad="38100" dist="25400" dir="5400000" algn="ctr" rotWithShape="0">
+                  <a:srgbClr val="6E747A">
+                    <a:alpha val="43000"/>
+                  </a:srgbClr>
+                </a:outerShdw>
+              </a:effectLst>
+            </a:endParaRPr>
+          </a:p>
+        </p:txBody>
+      </p:sp>
+      <p:sp>
+        <p:nvSpPr>
+          <p:cNvPr id="7" name="TextBox 6"/>
+          <p:cNvSpPr txBox="1"/>
+          <p:nvPr/>
+        </p:nvSpPr>
+        <p:spPr>
+          <a:xfrm>
+            <a:off x="160100" y="4163402"/>
+            <a:ext cx="2287229" cy="461665"/>
+          </a:xfrm>
+          <a:prstGeom prst="rect">
+            <a:avLst/>
+          </a:prstGeom>
+          <a:noFill/>
+        </p:spPr>
+        <p:txBody>
+          <a:bodyPr wrap="none" rtlCol="0">
+            <a:spAutoFit/>
+          </a:bodyPr>
+          <a:lstStyle/>
+          <a:p>
+            <a:r>
+              <a:rPr lang="en-US" sz="2400" dirty="0" smtClean="0">
+                <a:ln w="0"/>
+                <a:solidFill>
+                  <a:schemeClr val="accent2"/>
+                </a:solidFill>
+                <a:effectLst>
+                  <a:outerShdw blurRad="38100" dist="25400" dir="5400000" algn="ctr" rotWithShape="0">
+                    <a:srgbClr val="6E747A">
+                      <a:alpha val="43000"/>
+                    </a:srgbClr>
+                  </a:outerShdw>
+                </a:effectLst>
+              </a:rPr>
+              <a:t>Model Inference</a:t>
+            </a:r>
+            <a:endParaRPr lang="en-US" sz="2400" dirty="0">
+              <a:ln w="0"/>
+              <a:solidFill>
+                <a:schemeClr val="accent2"/>
+              </a:solidFill>
+              <a:effectLst>
+                <a:outerShdw blurRad="38100" dist="25400" dir="5400000" algn="ctr" rotWithShape="0">
+                  <a:srgbClr val="6E747A">
+                    <a:alpha val="43000"/>
+                  </a:srgbClr>
+                </a:outerShdw>
+              </a:effectLst>
+            </a:endParaRPr>
+          </a:p>
+        </p:txBody>
+      </p:sp>
+      <p:sp>
+        <p:nvSpPr>
+          <p:cNvPr id="8" name="Rounded Rectangle 7"/>
+          <p:cNvSpPr/>
+          <p:nvPr/>
+        </p:nvSpPr>
+        <p:spPr>
+          <a:xfrm>
+            <a:off x="2447329" y="1352540"/>
+            <a:ext cx="7095255" cy="1830498"/>
+          </a:xfrm>
+          <a:prstGeom prst="roundRect">
+            <a:avLst/>
+          </a:prstGeom>
+          <a:solidFill>
+            <a:schemeClr val="accent1">
+              <a:lumMod val="60000"/>
+              <a:lumOff val="40000"/>
+              <a:alpha val="16000"/>
+            </a:schemeClr>
+          </a:solidFill>
+          <a:ln>
+            <a:noFill/>
+          </a:ln>
+        </p:spPr>
+        <p:style>
+          <a:lnRef idx="2">
+            <a:schemeClr val="accent1">
+              <a:shade val="50000"/>
+            </a:schemeClr>
+          </a:lnRef>
+          <a:fillRef idx="1">
+            <a:schemeClr val="accent1"/>
+          </a:fillRef>
+          <a:effectRef idx="0">
+            <a:schemeClr val="accent1"/>
+          </a:effectRef>
+          <a:fontRef idx="minor">
+            <a:schemeClr val="lt1"/>
+          </a:fontRef>
+        </p:style>
+        <p:txBody>
+          <a:bodyPr rtlCol="0" anchor="ctr"/>
+          <a:lstStyle/>
+          <a:p>
+            <a:pPr algn="ctr"/>
+            <a:endParaRPr lang="en-US">
+              <a:ln>
+                <a:solidFill>
+                  <a:sysClr val="windowText" lastClr="000000"/>
+                </a:solidFill>
+              </a:ln>
+            </a:endParaRPr>
+          </a:p>
+        </p:txBody>
+      </p:sp>
+      <p:sp>
+        <p:nvSpPr>
+          <p:cNvPr id="9" name="Rounded Rectangle 8"/>
+          <p:cNvSpPr/>
+          <p:nvPr/>
+        </p:nvSpPr>
+        <p:spPr>
+          <a:xfrm>
+            <a:off x="2447328" y="3321935"/>
+            <a:ext cx="7095255" cy="2083442"/>
+          </a:xfrm>
+          <a:prstGeom prst="roundRect">
+            <a:avLst/>
+          </a:prstGeom>
+          <a:solidFill>
+            <a:schemeClr val="accent2">
+              <a:lumMod val="60000"/>
+              <a:lumOff val="40000"/>
+              <a:alpha val="16000"/>
+            </a:schemeClr>
+          </a:solidFill>
+          <a:ln>
+            <a:noFill/>
+          </a:ln>
+        </p:spPr>
+        <p:style>
+          <a:lnRef idx="2">
+            <a:schemeClr val="accent1">
+              <a:shade val="50000"/>
+            </a:schemeClr>
+          </a:lnRef>
+          <a:fillRef idx="1">
+            <a:schemeClr val="accent1"/>
+          </a:fillRef>
+          <a:effectRef idx="0">
+            <a:schemeClr val="accent1"/>
+          </a:effectRef>
+          <a:fontRef idx="minor">
+            <a:schemeClr val="lt1"/>
+          </a:fontRef>
+        </p:style>
+        <p:txBody>
+          <a:bodyPr rtlCol="0" anchor="ctr"/>
+          <a:lstStyle/>
+          <a:p>
+            <a:pPr algn="ctr"/>
+            <a:endParaRPr lang="en-US">
+              <a:ln>
+                <a:solidFill>
+                  <a:sysClr val="windowText" lastClr="000000"/>
+                </a:solidFill>
+              </a:ln>
+            </a:endParaRPr>
+          </a:p>
+        </p:txBody>
+      </p:sp>
+      <p:pic>
+        <p:nvPicPr>
+          <p:cNvPr id="4" name="Picture 3"/>
+          <p:cNvPicPr>
+            <a:picLocks noChangeAspect="1"/>
+          </p:cNvPicPr>
+          <p:nvPr/>
+        </p:nvPicPr>
+        <p:blipFill>
+          <a:blip r:embed="rId2">
+            <a:extLst>
+              <a:ext uri="{28A0092B-C50C-407E-A947-70E740481C1C}">
+                <a14:useLocalDpi xmlns:a14="http://schemas.microsoft.com/office/drawing/2010/main" val="0"/>
+              </a:ext>
+            </a:extLst>
+          </a:blip>
+          <a:stretch>
+            <a:fillRect/>
+          </a:stretch>
+        </p:blipFill>
+        <p:spPr>
+          <a:xfrm>
+            <a:off x="2447327" y="1352540"/>
+            <a:ext cx="7218418" cy="5086183"/>
+          </a:xfrm>
+          <a:prstGeom prst="rect">
+            <a:avLst/>
+          </a:prstGeom>
+        </p:spPr>
+      </p:pic>
+      <p:sp>
+        <p:nvSpPr>
+          <p:cNvPr id="10" name="Rounded Rectangle 9"/>
+          <p:cNvSpPr/>
+          <p:nvPr/>
+        </p:nvSpPr>
+        <p:spPr>
+          <a:xfrm>
+            <a:off x="3956684" y="1341746"/>
+            <a:ext cx="4388663" cy="914255"/>
+          </a:xfrm>
+          <a:prstGeom prst="roundRect">
+            <a:avLst/>
+          </a:prstGeom>
+          <a:solidFill>
+            <a:srgbClr val="0070C0">
+              <a:alpha val="46000"/>
+            </a:srgbClr>
+          </a:solidFill>
+          <a:ln>
+            <a:noFill/>
+          </a:ln>
+        </p:spPr>
+        <p:style>
+          <a:lnRef idx="2">
+            <a:schemeClr val="accent1">
+              <a:shade val="50000"/>
+            </a:schemeClr>
+          </a:lnRef>
+          <a:fillRef idx="1">
+            <a:schemeClr val="accent1"/>
+          </a:fillRef>
+          <a:effectRef idx="0">
+            <a:schemeClr val="accent1"/>
+          </a:effectRef>
+          <a:fontRef idx="minor">
+            <a:schemeClr val="lt1"/>
+          </a:fontRef>
+        </p:style>
+        <p:txBody>
+          <a:bodyPr rtlCol="0" anchor="ctr"/>
+          <a:lstStyle/>
+          <a:p>
+            <a:pPr algn="ctr"/>
+            <a:endParaRPr lang="en-US">
+              <a:ln>
+                <a:solidFill>
+                  <a:sysClr val="windowText" lastClr="000000"/>
+                </a:solidFill>
+              </a:ln>
+            </a:endParaRPr>
+          </a:p>
+        </p:txBody>
+      </p:sp>
+    </p:spTree>
+    <p:extLst>
+      <p:ext uri="{BB962C8B-B14F-4D97-AF65-F5344CB8AC3E}">
+        <p14:creationId xmlns:p14="http://schemas.microsoft.com/office/powerpoint/2010/main" val="300328115"/>
+      </p:ext>
+    </p:extLst>
+  </p:cSld>
+  <p:clrMapOvr>
+    <a:masterClrMapping/>
+  </p:clrMapOvr>
+  <p:timing>
+    <p:tnLst>
+      <p:par>
+        <p:cTn id="1" dur="indefinite" restart="never" nodeType="tmRoot"/>
+      </p:par>
+    </p:tnLst>
+  </p:timing>
+</p:sld>
+</file>
+
+<file path=ppt/slides/slide25.xml><?xml version="1.0" encoding="utf-8"?>
+<p:sld xmlns:a="http://schemas.openxmlformats.org/drawingml/2006/main" xmlns:r="http://schemas.openxmlformats.org/officeDocument/2006/relationships" xmlns:p="http://schemas.openxmlformats.org/presentationml/2006/main">
+  <p:cSld>
+    <p:spTree>
+      <p:nvGrpSpPr>
+        <p:cNvPr id="1" name=""/>
+        <p:cNvGrpSpPr/>
+        <p:nvPr/>
+      </p:nvGrpSpPr>
+      <p:grpSpPr>
+        <a:xfrm>
+          <a:off x="0" y="0"/>
+          <a:ext cx="0" cy="0"/>
+          <a:chOff x="0" y="0"/>
+          <a:chExt cx="0" cy="0"/>
+        </a:xfrm>
+      </p:grpSpPr>
+      <p:sp>
+        <p:nvSpPr>
+          <p:cNvPr id="2" name="Title 1">
+            <a:extLst>
+              <a:ext uri="{FF2B5EF4-FFF2-40B4-BE49-F238E27FC236}">
+                <a16:creationId xmlns:a16="http://schemas.microsoft.com/office/drawing/2014/main" xmlns="" id="{9045A477-9EA3-4F5C-B4B9-8CE29E6FF138}"/>
+              </a:ext>
+            </a:extLst>
+          </p:cNvPr>
+          <p:cNvSpPr>
+            <a:spLocks noGrp="1"/>
+          </p:cNvSpPr>
+          <p:nvPr>
+            <p:ph type="title"/>
+          </p:nvPr>
+        </p:nvSpPr>
+        <p:spPr/>
+        <p:txBody>
+          <a:bodyPr/>
+          <a:lstStyle/>
+          <a:p>
+            <a:r>
+              <a:rPr lang="en-US" dirty="0" smtClean="0"/>
+              <a:t>Timeline</a:t>
+            </a:r>
+            <a:endParaRPr lang="en-US" dirty="0"/>
+          </a:p>
+        </p:txBody>
+      </p:sp>
+      <p:graphicFrame>
+        <p:nvGraphicFramePr>
+          <p:cNvPr id="6" name="Content Placeholder 3" descr="SmartArt timeline">
+            <a:extLst>
+              <a:ext uri="{FF2B5EF4-FFF2-40B4-BE49-F238E27FC236}">
+                <a16:creationId xmlns="" xmlns:a16="http://schemas.microsoft.com/office/drawing/2014/main" id="{4424901C-24B0-4C46-B815-EB0C38D74251}"/>
+              </a:ext>
+            </a:extLst>
+          </p:cNvPr>
+          <p:cNvGraphicFramePr>
+            <a:graphicFrameLocks noGrp="1"/>
+          </p:cNvGraphicFramePr>
+          <p:nvPr>
+            <p:ph idx="1"/>
+            <p:extLst>
+              <p:ext uri="{D42A27DB-BD31-4B8C-83A1-F6EECF244321}">
+                <p14:modId xmlns:p14="http://schemas.microsoft.com/office/powerpoint/2010/main" val="1539766605"/>
+              </p:ext>
+            </p:extLst>
+          </p:nvPr>
+        </p:nvGraphicFramePr>
+        <p:xfrm>
+          <a:off x="0" y="1031358"/>
+          <a:ext cx="12192000" cy="5220161"/>
+        </p:xfrm>
+        <a:graphic>
+          <a:graphicData uri="http://schemas.openxmlformats.org/drawingml/2006/diagram">
+            <dgm:relIds xmlns:dgm="http://schemas.openxmlformats.org/drawingml/2006/diagram" xmlns:r="http://schemas.openxmlformats.org/officeDocument/2006/relationships" r:dm="rId2" r:lo="rId3" r:qs="rId4" r:cs="rId5"/>
+          </a:graphicData>
+        </a:graphic>
+      </p:graphicFrame>
+    </p:spTree>
+    <p:extLst>
+      <p:ext uri="{BB962C8B-B14F-4D97-AF65-F5344CB8AC3E}">
+        <p14:creationId xmlns:p14="http://schemas.microsoft.com/office/powerpoint/2010/main" val="29729133"/>
+      </p:ext>
+    </p:extLst>
+  </p:cSld>
+  <p:clrMapOvr>
+    <a:masterClrMapping/>
+  </p:clrMapOvr>
+  <p:timing>
+    <p:tnLst>
+      <p:par>
+        <p:cTn id="1" dur="indefinite" restart="never" nodeType="tmRoot"/>
+      </p:par>
+    </p:tnLst>
+  </p:timing>
+</p:sld>
+</file>
+
+<file path=ppt/slides/slide26.xml><?xml version="1.0" encoding="utf-8"?>
+<p:sld xmlns:a="http://schemas.openxmlformats.org/drawingml/2006/main" xmlns:r="http://schemas.openxmlformats.org/officeDocument/2006/relationships" xmlns:p="http://schemas.openxmlformats.org/presentationml/2006/main">
+  <p:cSld>
+    <p:spTree>
+      <p:nvGrpSpPr>
+        <p:cNvPr id="1" name=""/>
+        <p:cNvGrpSpPr/>
+        <p:nvPr/>
+      </p:nvGrpSpPr>
+      <p:grpSpPr>
+        <a:xfrm>
+          <a:off x="0" y="0"/>
+          <a:ext cx="0" cy="0"/>
+          <a:chOff x="0" y="0"/>
+          <a:chExt cx="0" cy="0"/>
+        </a:xfrm>
+      </p:grpSpPr>
+      <p:sp>
+        <p:nvSpPr>
+          <p:cNvPr id="3" name="TextBox 2"/>
+          <p:cNvSpPr txBox="1"/>
+          <p:nvPr/>
+        </p:nvSpPr>
+        <p:spPr>
+          <a:xfrm>
+            <a:off x="9035716" y="2661721"/>
+            <a:ext cx="2268313" cy="646331"/>
+          </a:xfrm>
+          <a:prstGeom prst="rect">
+            <a:avLst/>
+          </a:prstGeom>
+          <a:noFill/>
+        </p:spPr>
+        <p:txBody>
+          <a:bodyPr wrap="none" rtlCol="0">
+            <a:spAutoFit/>
+          </a:bodyPr>
+          <a:lstStyle/>
+          <a:p>
+            <a:r>
+              <a:rPr lang="en-US" sz="3600" dirty="0" smtClean="0"/>
+              <a:t>Thank you!</a:t>
+            </a:r>
+            <a:endParaRPr lang="en-US" sz="3600" dirty="0"/>
+          </a:p>
+        </p:txBody>
+      </p:sp>
+      <p:sp>
+        <p:nvSpPr>
+          <p:cNvPr id="4" name="TextBox 3"/>
+          <p:cNvSpPr txBox="1"/>
+          <p:nvPr/>
+        </p:nvSpPr>
+        <p:spPr>
+          <a:xfrm>
+            <a:off x="493295" y="553452"/>
+            <a:ext cx="6906126" cy="4862870"/>
+          </a:xfrm>
+          <a:prstGeom prst="rect">
+            <a:avLst/>
+          </a:prstGeom>
+          <a:noFill/>
+        </p:spPr>
+        <p:txBody>
+          <a:bodyPr wrap="square" rtlCol="0">
+            <a:spAutoFit/>
+          </a:bodyPr>
+          <a:lstStyle/>
+          <a:p>
+            <a:pPr algn="ctr"/>
+            <a:r>
+              <a:rPr lang="en-US" sz="4000" dirty="0" smtClean="0">
+                <a:solidFill>
+                  <a:schemeClr val="bg1"/>
+                </a:solidFill>
+              </a:rPr>
+              <a:t>References</a:t>
+            </a:r>
+            <a:endParaRPr lang="en-US" dirty="0">
+              <a:solidFill>
+                <a:schemeClr val="bg1"/>
+              </a:solidFill>
+            </a:endParaRPr>
+          </a:p>
+          <a:p>
+            <a:endParaRPr lang="en-US" dirty="0" smtClean="0">
+              <a:solidFill>
+                <a:schemeClr val="bg1"/>
+              </a:solidFill>
+            </a:endParaRPr>
+          </a:p>
+          <a:p>
+            <a:r>
+              <a:rPr lang="en-US" dirty="0" smtClean="0">
+                <a:solidFill>
+                  <a:schemeClr val="bg1"/>
+                </a:solidFill>
+              </a:rPr>
+              <a:t>[1</a:t>
+            </a:r>
+            <a:r>
+              <a:rPr lang="en-US" dirty="0" smtClean="0">
+                <a:solidFill>
+                  <a:schemeClr val="bg1"/>
+                </a:solidFill>
+              </a:rPr>
+              <a:t>] </a:t>
+            </a:r>
+            <a:r>
+              <a:rPr lang="en-US" dirty="0">
+                <a:solidFill>
+                  <a:schemeClr val="bg1"/>
+                </a:solidFill>
+              </a:rPr>
+              <a:t>D. </a:t>
+            </a:r>
+            <a:r>
+              <a:rPr lang="en-US" dirty="0" err="1">
+                <a:solidFill>
+                  <a:schemeClr val="bg1"/>
+                </a:solidFill>
+              </a:rPr>
+              <a:t>Barchiesi</a:t>
+            </a:r>
+            <a:r>
+              <a:rPr lang="en-US" dirty="0">
+                <a:solidFill>
+                  <a:schemeClr val="bg1"/>
+                </a:solidFill>
+              </a:rPr>
+              <a:t> and J. Reiss, “Reverse engineering of a mix,” </a:t>
+            </a:r>
+            <a:r>
+              <a:rPr lang="en-US" i="1" dirty="0">
+                <a:solidFill>
+                  <a:schemeClr val="bg1"/>
+                </a:solidFill>
+              </a:rPr>
+              <a:t>Journal of </a:t>
+            </a:r>
+            <a:r>
+              <a:rPr lang="en-US" i="1" dirty="0" smtClean="0">
+                <a:solidFill>
+                  <a:schemeClr val="bg1"/>
+                </a:solidFill>
+              </a:rPr>
+              <a:t>Audio </a:t>
+            </a:r>
+            <a:r>
+              <a:rPr lang="en-US" i="1" dirty="0">
+                <a:solidFill>
+                  <a:schemeClr val="bg1"/>
+                </a:solidFill>
+              </a:rPr>
+              <a:t>Engineering Society</a:t>
+            </a:r>
+            <a:r>
+              <a:rPr lang="en-US" dirty="0">
+                <a:solidFill>
+                  <a:schemeClr val="bg1"/>
+                </a:solidFill>
+              </a:rPr>
+              <a:t>, vol. 58, no. 7/8, 2010. </a:t>
+            </a:r>
+          </a:p>
+          <a:p>
+            <a:endParaRPr lang="en-US" dirty="0">
+              <a:solidFill>
+                <a:schemeClr val="bg1"/>
+              </a:solidFill>
+            </a:endParaRPr>
+          </a:p>
+          <a:p>
+            <a:r>
+              <a:rPr lang="en-US" dirty="0" smtClean="0">
+                <a:solidFill>
+                  <a:schemeClr val="bg1"/>
+                </a:solidFill>
+              </a:rPr>
+              <a:t>[2] </a:t>
+            </a:r>
+            <a:r>
+              <a:rPr lang="en-US" dirty="0">
+                <a:solidFill>
+                  <a:schemeClr val="bg1"/>
+                </a:solidFill>
+              </a:rPr>
+              <a:t>C. J. Steinmetz, J. Pons, S. </a:t>
+            </a:r>
+            <a:r>
+              <a:rPr lang="en-US" dirty="0" err="1">
+                <a:solidFill>
+                  <a:schemeClr val="bg1"/>
+                </a:solidFill>
+              </a:rPr>
+              <a:t>Pascual</a:t>
+            </a:r>
+            <a:r>
+              <a:rPr lang="en-US" dirty="0">
+                <a:solidFill>
+                  <a:schemeClr val="bg1"/>
+                </a:solidFill>
+              </a:rPr>
+              <a:t>, and J. </a:t>
+            </a:r>
+            <a:r>
+              <a:rPr lang="en-US" dirty="0" smtClean="0">
+                <a:solidFill>
+                  <a:schemeClr val="bg1"/>
+                </a:solidFill>
+              </a:rPr>
+              <a:t>Serra, </a:t>
+            </a:r>
+            <a:r>
+              <a:rPr lang="en-US" dirty="0">
+                <a:solidFill>
+                  <a:schemeClr val="bg1"/>
+                </a:solidFill>
+              </a:rPr>
+              <a:t>“</a:t>
+            </a:r>
+            <a:r>
+              <a:rPr lang="en-US" dirty="0" smtClean="0">
+                <a:solidFill>
+                  <a:schemeClr val="bg1"/>
+                </a:solidFill>
+              </a:rPr>
+              <a:t>Automatic </a:t>
+            </a:r>
+            <a:r>
+              <a:rPr lang="en-US" dirty="0">
+                <a:solidFill>
+                  <a:schemeClr val="bg1"/>
+                </a:solidFill>
+              </a:rPr>
+              <a:t>multitrack mixing with a differentiable mixing console of neural audio effects,” in </a:t>
+            </a:r>
+            <a:r>
+              <a:rPr lang="en-US" i="1" dirty="0">
+                <a:solidFill>
+                  <a:schemeClr val="bg1"/>
+                </a:solidFill>
+              </a:rPr>
+              <a:t>ICASSP</a:t>
+            </a:r>
+            <a:r>
+              <a:rPr lang="en-US" dirty="0">
+                <a:solidFill>
+                  <a:schemeClr val="bg1"/>
+                </a:solidFill>
+              </a:rPr>
+              <a:t>, IEEE, 2021. </a:t>
+            </a:r>
+          </a:p>
+          <a:p>
+            <a:endParaRPr lang="en-US" dirty="0">
+              <a:solidFill>
+                <a:schemeClr val="bg1"/>
+              </a:solidFill>
+            </a:endParaRPr>
+          </a:p>
+          <a:p>
+            <a:r>
+              <a:rPr lang="en-US" dirty="0" smtClean="0">
+                <a:solidFill>
+                  <a:schemeClr val="bg1"/>
+                </a:solidFill>
+              </a:rPr>
+              <a:t>[3] </a:t>
+            </a:r>
+            <a:r>
+              <a:rPr lang="en-US" dirty="0">
+                <a:solidFill>
+                  <a:schemeClr val="bg1"/>
+                </a:solidFill>
+              </a:rPr>
+              <a:t>M. A. </a:t>
+            </a:r>
+            <a:r>
+              <a:rPr lang="en-US" dirty="0" smtClean="0">
+                <a:solidFill>
+                  <a:schemeClr val="bg1"/>
+                </a:solidFill>
+              </a:rPr>
+              <a:t>Martinez Ramirez</a:t>
+            </a:r>
+            <a:r>
+              <a:rPr lang="en-US" dirty="0">
+                <a:solidFill>
+                  <a:schemeClr val="bg1"/>
+                </a:solidFill>
+              </a:rPr>
+              <a:t>, O. Wang, P. </a:t>
+            </a:r>
+            <a:r>
+              <a:rPr lang="en-US" dirty="0" err="1">
+                <a:solidFill>
+                  <a:schemeClr val="bg1"/>
+                </a:solidFill>
+              </a:rPr>
+              <a:t>Smaragdis</a:t>
+            </a:r>
+            <a:r>
+              <a:rPr lang="en-US" dirty="0">
+                <a:solidFill>
+                  <a:schemeClr val="bg1"/>
+                </a:solidFill>
+              </a:rPr>
+              <a:t>, and N. J. Bryan, “Differentiable signal processing with black-box audio effects,” in </a:t>
+            </a:r>
+            <a:r>
+              <a:rPr lang="en-US" i="1" dirty="0">
+                <a:solidFill>
+                  <a:schemeClr val="bg1"/>
+                </a:solidFill>
+              </a:rPr>
+              <a:t>ICASSP</a:t>
+            </a:r>
+            <a:r>
+              <a:rPr lang="en-US" dirty="0">
+                <a:solidFill>
+                  <a:schemeClr val="bg1"/>
+                </a:solidFill>
+              </a:rPr>
+              <a:t>, IEEE, 2021. </a:t>
+            </a:r>
+          </a:p>
+          <a:p>
+            <a:endParaRPr lang="en-US" dirty="0">
+              <a:solidFill>
+                <a:schemeClr val="bg1"/>
+              </a:solidFill>
+            </a:endParaRPr>
+          </a:p>
+          <a:p>
+            <a:r>
+              <a:rPr lang="en-US" dirty="0">
+                <a:solidFill>
+                  <a:schemeClr val="bg1"/>
+                </a:solidFill>
+              </a:rPr>
+              <a:t>[4] M. Martinez Ramirez, D. </a:t>
+            </a:r>
+            <a:r>
+              <a:rPr lang="en-US" dirty="0" err="1">
+                <a:solidFill>
+                  <a:schemeClr val="bg1"/>
+                </a:solidFill>
+              </a:rPr>
+              <a:t>Stoller</a:t>
+            </a:r>
+            <a:r>
+              <a:rPr lang="en-US" dirty="0">
+                <a:solidFill>
+                  <a:schemeClr val="bg1"/>
+                </a:solidFill>
+              </a:rPr>
+              <a:t>, and D. Moffat, “A deep learning approach to intelligent drum mixing with the wave-u-net,” </a:t>
+            </a:r>
+            <a:r>
+              <a:rPr lang="en-US" i="1" dirty="0" smtClean="0">
+                <a:solidFill>
+                  <a:schemeClr val="bg1"/>
+                </a:solidFill>
+              </a:rPr>
+              <a:t>Journal of Audio </a:t>
+            </a:r>
+            <a:r>
+              <a:rPr lang="en-US" i="1" dirty="0">
+                <a:solidFill>
+                  <a:schemeClr val="bg1"/>
+                </a:solidFill>
+              </a:rPr>
+              <a:t>Engineering Society</a:t>
+            </a:r>
+            <a:r>
+              <a:rPr lang="en-US" dirty="0">
+                <a:solidFill>
+                  <a:schemeClr val="bg1"/>
+                </a:solidFill>
+              </a:rPr>
+              <a:t>, vol. </a:t>
+            </a:r>
+            <a:r>
+              <a:rPr lang="en-US" dirty="0" smtClean="0">
+                <a:solidFill>
+                  <a:schemeClr val="bg1"/>
+                </a:solidFill>
+              </a:rPr>
+              <a:t>69, </a:t>
+            </a:r>
+            <a:r>
+              <a:rPr lang="en-US" dirty="0">
+                <a:solidFill>
+                  <a:schemeClr val="bg1"/>
+                </a:solidFill>
+              </a:rPr>
+              <a:t>no. 3</a:t>
+            </a:r>
+            <a:r>
+              <a:rPr lang="en-US" dirty="0" smtClean="0">
+                <a:solidFill>
+                  <a:schemeClr val="bg1"/>
+                </a:solidFill>
+              </a:rPr>
+              <a:t>, 2021. </a:t>
+            </a:r>
+          </a:p>
+        </p:txBody>
+      </p:sp>
+    </p:spTree>
+    <p:extLst>
+      <p:ext uri="{BB962C8B-B14F-4D97-AF65-F5344CB8AC3E}">
+        <p14:creationId xmlns:p14="http://schemas.microsoft.com/office/powerpoint/2010/main" val="1601258082"/>
+      </p:ext>
+    </p:extLst>
+  </p:cSld>
+  <p:clrMapOvr>
+    <a:masterClrMapping/>
+  </p:clrMapOvr>
+  <p:timing>
+    <p:tnLst>
+      <p:par>
+        <p:cTn id="1" dur="indefinite" restart="never" nodeType="tmRoot"/>
+      </p:par>
+    </p:tnLst>
+  </p:timing>
+</p:sld>
+</file>
+
+<file path=ppt/slides/slide3.xml><?xml version="1.0" encoding="utf-8"?>
+<p:sld xmlns:a="http://schemas.openxmlformats.org/drawingml/2006/main" xmlns:r="http://schemas.openxmlformats.org/officeDocument/2006/relationships" xmlns:p="http://schemas.openxmlformats.org/presentationml/2006/main">
+  <p:cSld>
+    <p:spTree>
+      <p:nvGrpSpPr>
+        <p:cNvPr id="1" name=""/>
+        <p:cNvGrpSpPr/>
+        <p:nvPr/>
+      </p:nvGrpSpPr>
+      <p:grpSpPr>
+        <a:xfrm>
+          <a:off x="0" y="0"/>
+          <a:ext cx="0" cy="0"/>
+          <a:chOff x="0" y="0"/>
+          <a:chExt cx="0" cy="0"/>
+        </a:xfrm>
+      </p:grpSpPr>
+      <p:sp>
+        <p:nvSpPr>
+          <p:cNvPr id="2" name="Title 1">
+            <a:extLst>
+              <a:ext uri="{FF2B5EF4-FFF2-40B4-BE49-F238E27FC236}">
+                <a16:creationId xmlns:a16="http://schemas.microsoft.com/office/drawing/2014/main" xmlns="" id="{9045A477-9EA3-4F5C-B4B9-8CE29E6FF138}"/>
+              </a:ext>
+            </a:extLst>
+          </p:cNvPr>
+          <p:cNvSpPr>
+            <a:spLocks noGrp="1"/>
+          </p:cNvSpPr>
+          <p:nvPr>
+            <p:ph type="title"/>
+          </p:nvPr>
+        </p:nvSpPr>
+        <p:spPr/>
+        <p:txBody>
+          <a:bodyPr/>
+          <a:lstStyle/>
+          <a:p>
+            <a:r>
+              <a:rPr lang="en-US" dirty="0" smtClean="0"/>
+              <a:t>Motivation</a:t>
+            </a:r>
+            <a:endParaRPr lang="en-US" dirty="0"/>
+          </a:p>
+        </p:txBody>
+      </p:sp>
+      <p:sp>
+        <p:nvSpPr>
+          <p:cNvPr id="3" name="Content Placeholder 2">
+            <a:extLst>
+              <a:ext uri="{FF2B5EF4-FFF2-40B4-BE49-F238E27FC236}">
+                <a16:creationId xmlns:a16="http://schemas.microsoft.com/office/drawing/2014/main" xmlns="" id="{4FFC9F3E-C7DF-44CE-A057-14D5228F5C26}"/>
               </a:ext>
             </a:extLst>
           </p:cNvPr>
@@ -11519,10 +15992,17 @@
   <p:clrMapOvr>
     <a:masterClrMapping/>
   </p:clrMapOvr>
+  <p:timing>
+    <p:tnLst>
+      <p:par>
+        <p:cTn id="1" dur="indefinite" restart="never" nodeType="tmRoot"/>
+      </p:par>
+    </p:tnLst>
+  </p:timing>
 </p:sld>
 </file>
 
-<file path=ppt/slides/slide3.xml><?xml version="1.0" encoding="utf-8"?>
+<file path=ppt/slides/slide4.xml><?xml version="1.0" encoding="utf-8"?>
 <p:sld xmlns:a="http://schemas.openxmlformats.org/drawingml/2006/main" xmlns:r="http://schemas.openxmlformats.org/officeDocument/2006/relationships" xmlns:p="http://schemas.openxmlformats.org/presentationml/2006/main">
   <p:cSld>
     <p:spTree>
@@ -11544,7 +16024,7 @@
           <p:cNvPr id="2" name="Title 1">
             <a:extLst>
               <a:ext uri="{FF2B5EF4-FFF2-40B4-BE49-F238E27FC236}">
-                <a16:creationId xmlns="" xmlns:a16="http://schemas.microsoft.com/office/drawing/2014/main" id="{9045A477-9EA3-4F5C-B4B9-8CE29E6FF138}"/>
+                <a16:creationId xmlns:a16="http://schemas.microsoft.com/office/drawing/2014/main" xmlns="" id="{9045A477-9EA3-4F5C-B4B9-8CE29E6FF138}"/>
               </a:ext>
             </a:extLst>
           </p:cNvPr>
@@ -11573,7 +16053,7 @@
           <p:cNvPr id="3" name="Content Placeholder 2">
             <a:extLst>
               <a:ext uri="{FF2B5EF4-FFF2-40B4-BE49-F238E27FC236}">
-                <a16:creationId xmlns="" xmlns:a16="http://schemas.microsoft.com/office/drawing/2014/main" id="{4FFC9F3E-C7DF-44CE-A057-14D5228F5C26}"/>
+                <a16:creationId xmlns:a16="http://schemas.microsoft.com/office/drawing/2014/main" xmlns="" id="{4FFC9F3E-C7DF-44CE-A057-14D5228F5C26}"/>
               </a:ext>
             </a:extLst>
           </p:cNvPr>
@@ -11655,152 +16135,13 @@
   <p:clrMapOvr>
     <a:masterClrMapping/>
   </p:clrMapOvr>
-</p:sld>
-</file>
-
-<file path=ppt/slides/slide4.xml><?xml version="1.0" encoding="utf-8"?>
-<p:sld xmlns:a="http://schemas.openxmlformats.org/drawingml/2006/main" xmlns:r="http://schemas.openxmlformats.org/officeDocument/2006/relationships" xmlns:p="http://schemas.openxmlformats.org/presentationml/2006/main">
-  <p:cSld>
-    <p:spTree>
-      <p:nvGrpSpPr>
-        <p:cNvPr id="1" name=""/>
-        <p:cNvGrpSpPr/>
-        <p:nvPr/>
-      </p:nvGrpSpPr>
-      <p:grpSpPr>
-        <a:xfrm>
-          <a:off x="0" y="0"/>
-          <a:ext cx="0" cy="0"/>
-          <a:chOff x="0" y="0"/>
-          <a:chExt cx="0" cy="0"/>
-        </a:xfrm>
-      </p:grpSpPr>
-      <p:sp>
-        <p:nvSpPr>
-          <p:cNvPr id="2" name="Title 1">
-            <a:extLst>
-              <a:ext uri="{FF2B5EF4-FFF2-40B4-BE49-F238E27FC236}">
-                <a16:creationId xmlns="" xmlns:a16="http://schemas.microsoft.com/office/drawing/2014/main" id="{9045A477-9EA3-4F5C-B4B9-8CE29E6FF138}"/>
-              </a:ext>
-            </a:extLst>
-          </p:cNvPr>
-          <p:cNvSpPr>
-            <a:spLocks noGrp="1"/>
-          </p:cNvSpPr>
-          <p:nvPr>
-            <p:ph type="title"/>
-          </p:nvPr>
-        </p:nvSpPr>
-        <p:spPr/>
-        <p:txBody>
-          <a:bodyPr/>
-          <a:lstStyle/>
-          <a:p>
-            <a:r>
-              <a:rPr lang="en-US" dirty="0" smtClean="0"/>
-              <a:t>Related Works</a:t>
-            </a:r>
-            <a:endParaRPr lang="en-US" dirty="0"/>
-          </a:p>
-        </p:txBody>
-      </p:sp>
-      <p:sp>
-        <p:nvSpPr>
-          <p:cNvPr id="5" name="Content Placeholder 4"/>
-          <p:cNvSpPr>
-            <a:spLocks noGrp="1"/>
-          </p:cNvSpPr>
-          <p:nvPr>
-            <p:ph idx="1"/>
-          </p:nvPr>
-        </p:nvSpPr>
-        <p:spPr/>
-        <p:txBody>
-          <a:bodyPr>
-            <a:normAutofit/>
-          </a:bodyPr>
-          <a:lstStyle/>
-          <a:p>
-            <a:endParaRPr lang="en-US" sz="2800" dirty="0" smtClean="0"/>
-          </a:p>
-          <a:p>
-            <a:r>
-              <a:rPr lang="en-US" sz="2800" dirty="0" smtClean="0"/>
-              <a:t>Over </a:t>
-            </a:r>
-            <a:r>
-              <a:rPr lang="en-US" sz="2800" dirty="0" smtClean="0"/>
-              <a:t>10 years of study on automatic </a:t>
-            </a:r>
-            <a:r>
-              <a:rPr lang="en-US" sz="2800" dirty="0" smtClean="0"/>
-              <a:t>mixing</a:t>
-            </a:r>
-          </a:p>
-          <a:p>
-            <a:endParaRPr lang="en-US" sz="2800" dirty="0" smtClean="0"/>
-          </a:p>
-          <a:p>
-            <a:r>
-              <a:rPr lang="en-US" sz="2800" dirty="0"/>
-              <a:t>M</a:t>
-            </a:r>
-            <a:r>
-              <a:rPr lang="en-US" sz="2800" dirty="0" smtClean="0"/>
-              <a:t>ixing </a:t>
-            </a:r>
-            <a:r>
-              <a:rPr lang="en-US" sz="2800" dirty="0"/>
-              <a:t>rules and </a:t>
-            </a:r>
-            <a:r>
-              <a:rPr lang="en-US" sz="2800" dirty="0" smtClean="0"/>
-              <a:t>mix analysis</a:t>
-            </a:r>
-            <a:endParaRPr lang="en-US" sz="2800" dirty="0" smtClean="0"/>
-          </a:p>
-        </p:txBody>
-      </p:sp>
-      <p:pic>
-        <p:nvPicPr>
-          <p:cNvPr id="8" name="Picture 7"/>
-          <p:cNvPicPr>
-            <a:picLocks noChangeAspect="1"/>
-          </p:cNvPicPr>
-          <p:nvPr/>
-        </p:nvPicPr>
-        <p:blipFill>
-          <a:blip r:embed="rId2">
-            <a:extLst>
-              <a:ext uri="{28A0092B-C50C-407E-A947-70E740481C1C}">
-                <a14:useLocalDpi xmlns:a14="http://schemas.microsoft.com/office/drawing/2010/main" val="0"/>
-              </a:ext>
-            </a:extLst>
-          </a:blip>
-          <a:stretch>
-            <a:fillRect/>
-          </a:stretch>
-        </p:blipFill>
-        <p:spPr>
-          <a:xfrm>
-            <a:off x="7386970" y="1487350"/>
-            <a:ext cx="3793643" cy="4678326"/>
-          </a:xfrm>
-          <a:prstGeom prst="rect">
-            <a:avLst/>
-          </a:prstGeom>
-        </p:spPr>
-      </p:pic>
-    </p:spTree>
-    <p:extLst>
-      <p:ext uri="{BB962C8B-B14F-4D97-AF65-F5344CB8AC3E}">
-        <p14:creationId xmlns:p14="http://schemas.microsoft.com/office/powerpoint/2010/main" val="1034309871"/>
-      </p:ext>
-    </p:extLst>
-  </p:cSld>
-  <p:clrMapOvr>
-    <a:masterClrMapping/>
-  </p:clrMapOvr>
+  <p:timing>
+    <p:tnLst>
+      <p:par>
+        <p:cTn id="1" dur="indefinite" restart="never" nodeType="tmRoot"/>
+      </p:par>
+    </p:tnLst>
+  </p:timing>
 </p:sld>
 </file>
 
@@ -11826,7 +16167,7 @@
           <p:cNvPr id="2" name="Title 1">
             <a:extLst>
               <a:ext uri="{FF2B5EF4-FFF2-40B4-BE49-F238E27FC236}">
-                <a16:creationId xmlns="" xmlns:a16="http://schemas.microsoft.com/office/drawing/2014/main" id="{9045A477-9EA3-4F5C-B4B9-8CE29E6FF138}"/>
+                <a16:creationId xmlns:a16="http://schemas.microsoft.com/office/drawing/2014/main" xmlns="" id="{9045A477-9EA3-4F5C-B4B9-8CE29E6FF138}"/>
               </a:ext>
             </a:extLst>
           </p:cNvPr>
@@ -11844,7 +16185,7 @@
           <a:p>
             <a:r>
               <a:rPr lang="en-US" dirty="0" smtClean="0"/>
-              <a:t>Baseline system</a:t>
+              <a:t>Related Work</a:t>
             </a:r>
             <a:endParaRPr lang="en-US" dirty="0"/>
           </a:p>
@@ -11852,13 +16193,7 @@
       </p:sp>
       <p:sp>
         <p:nvSpPr>
-          <p:cNvPr id="3" name="Content Placeholder 2">
-            <a:extLst>
-              <a:ext uri="{FF2B5EF4-FFF2-40B4-BE49-F238E27FC236}">
-                <a16:creationId xmlns="" xmlns:a16="http://schemas.microsoft.com/office/drawing/2014/main" id="{4FFC9F3E-C7DF-44CE-A057-14D5228F5C26}"/>
-              </a:ext>
-            </a:extLst>
-          </p:cNvPr>
+          <p:cNvPr id="5" name="Content Placeholder 4"/>
           <p:cNvSpPr>
             <a:spLocks noGrp="1"/>
           </p:cNvSpPr>
@@ -11869,94 +16204,64 @@
         <p:spPr/>
         <p:txBody>
           <a:bodyPr>
-            <a:noAutofit/>
+            <a:normAutofit/>
           </a:bodyPr>
           <a:lstStyle/>
           <a:p>
             <a:r>
-              <a:rPr lang="en-US" sz="3200" dirty="0" smtClean="0"/>
-              <a:t>Level balance</a:t>
+              <a:rPr lang="en-US" sz="2800" dirty="0" smtClean="0"/>
+              <a:t>Knowledge-based:</a:t>
             </a:r>
           </a:p>
           <a:p>
             <a:pPr lvl="1"/>
             <a:r>
-              <a:rPr lang="sk-SK" sz="2800" dirty="0"/>
-              <a:t>−3 </a:t>
-            </a:r>
-            <a:r>
-              <a:rPr lang="sk-SK" sz="2800" dirty="0" smtClean="0"/>
-              <a:t>dB</a:t>
-            </a:r>
-            <a:r>
-              <a:rPr lang="en-US" sz="2800" dirty="0" smtClean="0"/>
-              <a:t> vocal-to-mix </a:t>
-            </a:r>
-            <a:r>
-              <a:rPr lang="en-US" sz="2800" dirty="0" smtClean="0"/>
-              <a:t>ratio </a:t>
-            </a:r>
-            <a:endParaRPr lang="en-US" sz="2800" dirty="0" smtClean="0"/>
-          </a:p>
-          <a:p>
-            <a:r>
-              <a:rPr lang="en-US" sz="3200" dirty="0" smtClean="0"/>
-              <a:t>Compression</a:t>
+              <a:rPr lang="en-US" sz="2400" dirty="0" smtClean="0"/>
+              <a:t>Mixing </a:t>
+            </a:r>
+            <a:r>
+              <a:rPr lang="en-US" sz="2400" dirty="0"/>
+              <a:t>rules and </a:t>
+            </a:r>
+            <a:r>
+              <a:rPr lang="en-US" sz="2400" dirty="0" smtClean="0"/>
+              <a:t>mix analysis</a:t>
             </a:r>
           </a:p>
           <a:p>
             <a:pPr lvl="1"/>
-            <a:r>
-              <a:rPr lang="en-US" sz="2800" dirty="0" smtClean="0"/>
-              <a:t>14 dB </a:t>
-            </a:r>
-            <a:r>
-              <a:rPr lang="en-US" sz="2800" dirty="0"/>
-              <a:t>l</a:t>
-            </a:r>
-            <a:r>
-              <a:rPr lang="en-US" sz="2800" dirty="0" smtClean="0"/>
-              <a:t>oudness range</a:t>
-            </a:r>
-          </a:p>
-          <a:p>
-            <a:r>
-              <a:rPr lang="en-US" sz="3200" dirty="0" smtClean="0"/>
-              <a:t>EQ</a:t>
-            </a:r>
+            <a:endParaRPr lang="en-US" sz="2600" dirty="0" smtClean="0"/>
           </a:p>
           <a:p>
             <a:pPr lvl="1"/>
-            <a:r>
-              <a:rPr lang="en-US" sz="2800" dirty="0" smtClean="0"/>
-              <a:t>Frequency masking</a:t>
-            </a:r>
-          </a:p>
-          <a:p>
-            <a:r>
-              <a:rPr lang="en-US" sz="3200" dirty="0" smtClean="0"/>
-              <a:t>Reverb</a:t>
-            </a:r>
+            <a:endParaRPr lang="en-US" sz="2600" dirty="0"/>
           </a:p>
           <a:p>
             <a:pPr lvl="1"/>
-            <a:r>
-              <a:rPr lang="en-US" sz="2800" dirty="0"/>
-              <a:t>?</a:t>
-            </a:r>
+            <a:endParaRPr lang="en-US" sz="2600" dirty="0"/>
+          </a:p>
+          <a:p>
+            <a:endParaRPr lang="en-US" sz="2600" dirty="0" smtClean="0"/>
           </a:p>
         </p:txBody>
       </p:sp>
     </p:spTree>
     <p:extLst>
       <p:ext uri="{BB962C8B-B14F-4D97-AF65-F5344CB8AC3E}">
-        <p14:creationId xmlns:p14="http://schemas.microsoft.com/office/powerpoint/2010/main" val="2109491910"/>
+        <p14:creationId xmlns:p14="http://schemas.microsoft.com/office/powerpoint/2010/main" val="1034309871"/>
       </p:ext>
     </p:extLst>
   </p:cSld>
   <p:clrMapOvr>
     <a:masterClrMapping/>
   </p:clrMapOvr>
+  <p:timing>
+    <p:tnLst>
+      <p:par>
+        <p:cTn id="1" dur="indefinite" restart="never" nodeType="tmRoot"/>
+      </p:par>
+    </p:tnLst>
+  </p:timing>
 </p:sld>
 </file>
 
@@ -11982,7 +16287,7 @@
           <p:cNvPr id="2" name="Title 1">
             <a:extLst>
               <a:ext uri="{FF2B5EF4-FFF2-40B4-BE49-F238E27FC236}">
-                <a16:creationId xmlns="" xmlns:a16="http://schemas.microsoft.com/office/drawing/2014/main" id="{9045A477-9EA3-4F5C-B4B9-8CE29E6FF138}"/>
+                <a16:creationId xmlns:a16="http://schemas.microsoft.com/office/drawing/2014/main" xmlns="" id="{9045A477-9EA3-4F5C-B4B9-8CE29E6FF138}"/>
               </a:ext>
             </a:extLst>
           </p:cNvPr>
@@ -12000,7 +16305,7 @@
           <a:p>
             <a:r>
               <a:rPr lang="en-US" dirty="0" smtClean="0"/>
-              <a:t>Related Works</a:t>
+              <a:t>Related Work</a:t>
             </a:r>
             <a:endParaRPr lang="en-US" dirty="0"/>
           </a:p>
@@ -12023,90 +16328,80 @@
           </a:bodyPr>
           <a:lstStyle/>
           <a:p>
-            <a:endParaRPr lang="en-US" sz="3200" dirty="0" smtClean="0"/>
-          </a:p>
-          <a:p>
-            <a:r>
-              <a:rPr lang="en-US" sz="3200" dirty="0" smtClean="0"/>
-              <a:t>Recent deep learning methods</a:t>
-            </a:r>
-            <a:endParaRPr lang="en-US" sz="3200" dirty="0" smtClean="0"/>
-          </a:p>
-          <a:p>
-            <a:pPr lvl="1"/>
-            <a:r>
-              <a:rPr lang="en-US" sz="2800" dirty="0"/>
-              <a:t>End-to-end audio transformation</a:t>
-            </a:r>
-          </a:p>
-          <a:p>
-            <a:pPr lvl="1"/>
-            <a:r>
-              <a:rPr lang="en-US" sz="2800" dirty="0"/>
-              <a:t>Differentiable digital signal processing</a:t>
-            </a:r>
-          </a:p>
-          <a:p>
-            <a:pPr lvl="1"/>
-            <a:r>
-              <a:rPr lang="en-US" sz="2800" dirty="0" smtClean="0"/>
-              <a:t>Black-box </a:t>
-            </a:r>
-            <a:r>
-              <a:rPr lang="en-US" sz="2800" dirty="0"/>
-              <a:t>audio effects </a:t>
-            </a:r>
-            <a:r>
-              <a:rPr lang="en-US" sz="2800" dirty="0" smtClean="0"/>
-              <a:t>control with </a:t>
-            </a:r>
-            <a:r>
-              <a:rPr lang="en-US" sz="2800" dirty="0"/>
-              <a:t>g</a:t>
-            </a:r>
-            <a:r>
-              <a:rPr lang="en-US" sz="2800" dirty="0" smtClean="0"/>
-              <a:t>radient approximation </a:t>
-            </a:r>
-            <a:endParaRPr lang="en-US" sz="2800" dirty="0"/>
-          </a:p>
-          <a:p>
-            <a:pPr lvl="1"/>
-            <a:endParaRPr lang="en-US" sz="2800" dirty="0" smtClean="0"/>
-          </a:p>
-          <a:p>
-            <a:pPr lvl="1"/>
-            <a:endParaRPr lang="en-US" sz="2800" dirty="0" smtClean="0"/>
-          </a:p>
-          <a:p>
-            <a:r>
-              <a:rPr lang="en-US" sz="3200" dirty="0" smtClean="0"/>
-              <a:t>Lack </a:t>
-            </a:r>
-            <a:r>
-              <a:rPr lang="en-US" sz="3200" dirty="0" smtClean="0"/>
-              <a:t>of </a:t>
-            </a:r>
-            <a:r>
-              <a:rPr lang="en-US" sz="3200" dirty="0" smtClean="0">
+            <a:r>
+              <a:rPr lang="en-US" sz="2800" dirty="0" smtClean="0">
                 <a:solidFill>
-                  <a:srgbClr val="FF0000"/>
+                  <a:schemeClr val="bg1">
+                    <a:lumMod val="50000"/>
+                  </a:schemeClr>
                 </a:solidFill>
               </a:rPr>
-              <a:t>paired raw tracks and mixed tracks </a:t>
-            </a:r>
-            <a:r>
-              <a:rPr lang="en-US" sz="3200" dirty="0" smtClean="0"/>
-              <a:t>for training</a:t>
-            </a:r>
-            <a:endParaRPr lang="en-US" sz="3200" dirty="0" smtClean="0"/>
+              <a:t>Knowledge-based:</a:t>
+            </a:r>
+          </a:p>
+          <a:p>
+            <a:pPr lvl="1"/>
+            <a:r>
+              <a:rPr lang="en-US" sz="2400" dirty="0" smtClean="0">
+                <a:solidFill>
+                  <a:schemeClr val="bg1">
+                    <a:lumMod val="50000"/>
+                  </a:schemeClr>
+                </a:solidFill>
+              </a:rPr>
+              <a:t>Mixing </a:t>
+            </a:r>
+            <a:r>
+              <a:rPr lang="en-US" sz="2400" dirty="0">
+                <a:solidFill>
+                  <a:schemeClr val="bg1">
+                    <a:lumMod val="50000"/>
+                  </a:schemeClr>
+                </a:solidFill>
+              </a:rPr>
+              <a:t>rules and </a:t>
+            </a:r>
+            <a:r>
+              <a:rPr lang="en-US" sz="2400" dirty="0" smtClean="0">
+                <a:solidFill>
+                  <a:schemeClr val="bg1">
+                    <a:lumMod val="50000"/>
+                  </a:schemeClr>
+                </a:solidFill>
+              </a:rPr>
+              <a:t>mix analysis</a:t>
+            </a:r>
+          </a:p>
+          <a:p>
+            <a:r>
+              <a:rPr lang="en-US" sz="2800" dirty="0" smtClean="0"/>
+              <a:t>Data-driven:</a:t>
+            </a:r>
+          </a:p>
+          <a:p>
+            <a:pPr lvl="1"/>
+            <a:r>
+              <a:rPr lang="en-US" sz="2400" dirty="0" smtClean="0"/>
+              <a:t>The main challenge is the data collection of mixing parameters</a:t>
+            </a:r>
+          </a:p>
+          <a:p>
+            <a:pPr lvl="1"/>
+            <a:endParaRPr lang="en-US" sz="2600" dirty="0"/>
+          </a:p>
+          <a:p>
+            <a:pPr lvl="1"/>
+            <a:endParaRPr lang="en-US" sz="2600" dirty="0"/>
+          </a:p>
+          <a:p>
+            <a:endParaRPr lang="en-US" sz="2600" dirty="0" smtClean="0"/>
           </a:p>
         </p:txBody>
       </p:sp>
     </p:spTree>
     <p:extLst>
       <p:ext uri="{BB962C8B-B14F-4D97-AF65-F5344CB8AC3E}">
-        <p14:creationId xmlns:p14="http://schemas.microsoft.com/office/powerpoint/2010/main" val="794073842"/>
+        <p14:creationId xmlns:p14="http://schemas.microsoft.com/office/powerpoint/2010/main" val="1553865268"/>
       </p:ext>
     </p:extLst>
   </p:cSld>
@@ -12145,7 +16440,7 @@
           <p:cNvPr id="2" name="Title 1">
             <a:extLst>
               <a:ext uri="{FF2B5EF4-FFF2-40B4-BE49-F238E27FC236}">
-                <a16:creationId xmlns="" xmlns:a16="http://schemas.microsoft.com/office/drawing/2014/main" id="{9045A477-9EA3-4F5C-B4B9-8CE29E6FF138}"/>
+                <a16:creationId xmlns:a16="http://schemas.microsoft.com/office/drawing/2014/main" xmlns="" id="{9045A477-9EA3-4F5C-B4B9-8CE29E6FF138}"/>
               </a:ext>
             </a:extLst>
           </p:cNvPr>
@@ -12163,7 +16458,7 @@
           <a:p>
             <a:r>
               <a:rPr lang="en-US" dirty="0" smtClean="0"/>
-              <a:t>Proposed Method</a:t>
+              <a:t>Related Work</a:t>
             </a:r>
             <a:endParaRPr lang="en-US" dirty="0"/>
           </a:p>
@@ -12186,80 +16481,138 @@
           </a:bodyPr>
           <a:lstStyle/>
           <a:p>
-            <a:endParaRPr lang="en-US" sz="3200" dirty="0" smtClean="0"/>
-          </a:p>
-          <a:p>
-            <a:r>
-              <a:rPr lang="en-US" sz="3200" dirty="0" smtClean="0"/>
-              <a:t>Maps the input audio to mixing parameters</a:t>
-            </a:r>
-          </a:p>
-          <a:p>
-            <a:pPr lvl="1"/>
-            <a:r>
-              <a:rPr lang="en-US" sz="2800" dirty="0"/>
-              <a:t>O</a:t>
-            </a:r>
-            <a:r>
-              <a:rPr lang="en-US" sz="2800" dirty="0" smtClean="0"/>
-              <a:t>utputs </a:t>
-            </a:r>
-            <a:r>
-              <a:rPr lang="en-US" sz="2800" dirty="0"/>
-              <a:t>mixing parameters which allows human </a:t>
-            </a:r>
-            <a:r>
-              <a:rPr lang="en-US" sz="2800" dirty="0" smtClean="0"/>
-              <a:t>adjustment</a:t>
-            </a:r>
-            <a:endParaRPr lang="en-US" sz="2800" dirty="0" smtClean="0"/>
-          </a:p>
-          <a:p>
-            <a:pPr lvl="1"/>
-            <a:r>
-              <a:rPr lang="en-US" sz="2800" dirty="0" smtClean="0"/>
-              <a:t>The challenge is the mixing parameter gathering</a:t>
-            </a:r>
-          </a:p>
-          <a:p>
-            <a:pPr lvl="1"/>
-            <a:endParaRPr lang="en-US" sz="2800" dirty="0" smtClean="0"/>
-          </a:p>
-          <a:p>
-            <a:r>
-              <a:rPr lang="en-US" sz="3200" dirty="0" smtClean="0"/>
-              <a:t>Requires only </a:t>
-            </a:r>
-            <a:r>
-              <a:rPr lang="en-US" sz="3200" dirty="0" smtClean="0">
+            <a:r>
+              <a:rPr lang="en-US" sz="2800" dirty="0" smtClean="0">
                 <a:solidFill>
-                  <a:srgbClr val="FF0000"/>
+                  <a:schemeClr val="bg1">
+                    <a:lumMod val="50000"/>
+                  </a:schemeClr>
                 </a:solidFill>
               </a:rPr>
-              <a:t>mixed vocal and backing tracks</a:t>
-            </a:r>
-            <a:r>
-              <a:rPr lang="en-US" sz="3200" dirty="0" smtClean="0"/>
-              <a:t> for training</a:t>
+              <a:t>Knowledge-based:</a:t>
             </a:r>
           </a:p>
           <a:p>
             <a:pPr lvl="1"/>
             <a:r>
-              <a:rPr lang="en-US" sz="2800" dirty="0"/>
-              <a:t>Raw vocal tracks are not </a:t>
-            </a:r>
+              <a:rPr lang="en-US" sz="2400" dirty="0" smtClean="0">
+                <a:solidFill>
+                  <a:schemeClr val="bg1">
+                    <a:lumMod val="50000"/>
+                  </a:schemeClr>
+                </a:solidFill>
+              </a:rPr>
+              <a:t>Mixing </a:t>
+            </a:r>
+            <a:r>
+              <a:rPr lang="en-US" sz="2400" dirty="0">
+                <a:solidFill>
+                  <a:schemeClr val="bg1">
+                    <a:lumMod val="50000"/>
+                  </a:schemeClr>
+                </a:solidFill>
+              </a:rPr>
+              <a:t>rules and </a:t>
+            </a:r>
+            <a:r>
+              <a:rPr lang="en-US" sz="2400" dirty="0" smtClean="0">
+                <a:solidFill>
+                  <a:schemeClr val="bg1">
+                    <a:lumMod val="50000"/>
+                  </a:schemeClr>
+                </a:solidFill>
+              </a:rPr>
+              <a:t>mix analysis</a:t>
+            </a:r>
+          </a:p>
+          <a:p>
             <a:r>
               <a:rPr lang="en-US" sz="2800" dirty="0" smtClean="0"/>
-              <a:t>needed</a:t>
-            </a:r>
+              <a:t>Data-driven:</a:t>
+            </a:r>
+          </a:p>
+          <a:p>
+            <a:pPr lvl="1"/>
+            <a:r>
+              <a:rPr lang="en-US" sz="2400" dirty="0"/>
+              <a:t>Extract mixing parameters from </a:t>
+            </a:r>
+            <a:r>
+              <a:rPr lang="en-US" sz="2400" b="1" dirty="0"/>
+              <a:t>paired raw tracks and human-mixed </a:t>
+            </a:r>
+            <a:r>
+              <a:rPr lang="en-US" sz="2400" dirty="0" smtClean="0"/>
+              <a:t>tracks</a:t>
+            </a:r>
+          </a:p>
+          <a:p>
+            <a:pPr lvl="2"/>
+            <a:r>
+              <a:rPr lang="en-US" sz="2400" dirty="0" smtClean="0"/>
+              <a:t>Reverse engineering of a mix[1]</a:t>
+            </a:r>
+          </a:p>
+          <a:p>
+            <a:pPr lvl="2"/>
+            <a:r>
+              <a:rPr lang="en-US" sz="2400" dirty="0" smtClean="0"/>
+              <a:t>Differentiable </a:t>
+            </a:r>
+            <a:r>
+              <a:rPr lang="en-US" sz="2400" dirty="0"/>
+              <a:t>signal processing </a:t>
+            </a:r>
+            <a:r>
+              <a:rPr lang="en-US" sz="2400" dirty="0" smtClean="0"/>
+              <a:t>chain[2]</a:t>
+            </a:r>
+            <a:endParaRPr lang="en-US" sz="2400" dirty="0"/>
+          </a:p>
+          <a:p>
+            <a:pPr lvl="2"/>
+            <a:r>
+              <a:rPr lang="en-US" sz="2400" dirty="0" smtClean="0"/>
+              <a:t>Gradient </a:t>
+            </a:r>
+            <a:r>
+              <a:rPr lang="en-US" sz="2400" dirty="0"/>
+              <a:t>approximation </a:t>
+            </a:r>
+            <a:r>
+              <a:rPr lang="en-US" sz="2400" dirty="0" smtClean="0"/>
+              <a:t>on black-box </a:t>
+            </a:r>
+            <a:r>
+              <a:rPr lang="en-US" sz="2400" dirty="0"/>
+              <a:t>audio </a:t>
+            </a:r>
+            <a:r>
+              <a:rPr lang="en-US" sz="2400" dirty="0" smtClean="0"/>
+              <a:t>effects[3]</a:t>
+            </a:r>
+          </a:p>
+          <a:p>
+            <a:pPr lvl="1"/>
+            <a:endParaRPr lang="en-US" sz="2600" dirty="0" smtClean="0"/>
+          </a:p>
+          <a:p>
+            <a:pPr lvl="1"/>
+            <a:endParaRPr lang="en-US" sz="2600" dirty="0"/>
+          </a:p>
+          <a:p>
+            <a:pPr lvl="1"/>
+            <a:endParaRPr lang="en-US" sz="2600" dirty="0"/>
+          </a:p>
+          <a:p>
+            <a:endParaRPr lang="en-US" sz="2600" dirty="0" smtClean="0"/>
           </a:p>
         </p:txBody>
       </p:sp>
     </p:spTree>
     <p:extLst>
       <p:ext uri="{BB962C8B-B14F-4D97-AF65-F5344CB8AC3E}">
-        <p14:creationId xmlns:p14="http://schemas.microsoft.com/office/powerpoint/2010/main" val="304958843"/>
+        <p14:creationId xmlns:p14="http://schemas.microsoft.com/office/powerpoint/2010/main" val="1645512485"/>
       </p:ext>
     </p:extLst>
   </p:cSld>
@@ -12298,7 +16651,7 @@
           <p:cNvPr id="2" name="Title 1">
             <a:extLst>
               <a:ext uri="{FF2B5EF4-FFF2-40B4-BE49-F238E27FC236}">
-                <a16:creationId xmlns="" xmlns:a16="http://schemas.microsoft.com/office/drawing/2014/main" id="{9045A477-9EA3-4F5C-B4B9-8CE29E6FF138}"/>
+                <a16:creationId xmlns:a16="http://schemas.microsoft.com/office/drawing/2014/main" xmlns="" id="{9045A477-9EA3-4F5C-B4B9-8CE29E6FF138}"/>
               </a:ext>
             </a:extLst>
           </p:cNvPr>
@@ -12311,33 +16664,12 @@
         </p:nvSpPr>
         <p:spPr/>
         <p:txBody>
-          <a:bodyPr>
-            <a:normAutofit fontScale="90000"/>
-          </a:bodyPr>
+          <a:bodyPr/>
           <a:lstStyle/>
           <a:p>
             <a:r>
-              <a:rPr lang="en-US" dirty="0"/>
-              <a:t>Proposed </a:t>
-            </a:r>
-            <a:r>
               <a:rPr lang="en-US" dirty="0" smtClean="0"/>
-              <a:t>Method</a:t>
-            </a:r>
-            <a:br>
-              <a:rPr lang="en-US" dirty="0" smtClean="0"/>
-            </a:br>
-            <a:r>
-              <a:rPr lang="en-US" dirty="0" smtClean="0"/>
-              <a:t>	</a:t>
-            </a:r>
-            <a:r>
-              <a:rPr lang="en-US" sz="3100" dirty="0" smtClean="0"/>
-              <a:t>-Level </a:t>
-            </a:r>
-            <a:r>
-              <a:rPr lang="en-US" sz="3100" dirty="0"/>
-              <a:t>Balance and Compression</a:t>
+              <a:t>Related Work</a:t>
             </a:r>
             <a:endParaRPr lang="en-US" dirty="0"/>
           </a:p>
@@ -12360,51 +16692,230 @@
           </a:bodyPr>
           <a:lstStyle/>
           <a:p>
-            <a:endParaRPr lang="en-US" sz="3200" dirty="0"/>
-          </a:p>
-          <a:p>
-            <a:r>
-              <a:rPr lang="en-US" sz="3200" dirty="0" smtClean="0"/>
-              <a:t>The model </a:t>
-            </a:r>
-            <a:r>
-              <a:rPr lang="en-US" sz="3200" dirty="0"/>
-              <a:t>outputs </a:t>
-            </a:r>
-            <a:r>
-              <a:rPr lang="en-US" sz="3200" dirty="0" smtClean="0"/>
-              <a:t>intermediate audio features (relative loudness and loudness range)</a:t>
-            </a:r>
-          </a:p>
-          <a:p>
-            <a:endParaRPr lang="en-US" sz="3200" dirty="0"/>
-          </a:p>
-          <a:p>
-            <a:r>
-              <a:rPr lang="en-US" sz="3200" dirty="0" smtClean="0"/>
-              <a:t>Post-processing converts the </a:t>
-            </a:r>
-            <a:r>
-              <a:rPr lang="en-US" sz="3200" dirty="0"/>
-              <a:t>intermediate </a:t>
-            </a:r>
-            <a:r>
-              <a:rPr lang="en-US" sz="3200" dirty="0" smtClean="0"/>
-              <a:t>features into mixing parameters</a:t>
-            </a:r>
-          </a:p>
-          <a:p>
-            <a:endParaRPr lang="en-US" sz="3200" dirty="0"/>
-          </a:p>
-          <a:p>
-            <a:endParaRPr lang="en-US" sz="3200" dirty="0" smtClean="0"/>
+            <a:r>
+              <a:rPr lang="en-US" sz="2800" dirty="0" smtClean="0">
+                <a:solidFill>
+                  <a:schemeClr val="bg1">
+                    <a:lumMod val="50000"/>
+                  </a:schemeClr>
+                </a:solidFill>
+              </a:rPr>
+              <a:t>Knowledge-based:</a:t>
+            </a:r>
+          </a:p>
+          <a:p>
+            <a:pPr lvl="1"/>
+            <a:r>
+              <a:rPr lang="en-US" sz="2400" dirty="0" smtClean="0">
+                <a:solidFill>
+                  <a:schemeClr val="bg1">
+                    <a:lumMod val="50000"/>
+                  </a:schemeClr>
+                </a:solidFill>
+              </a:rPr>
+              <a:t>Mixing </a:t>
+            </a:r>
+            <a:r>
+              <a:rPr lang="en-US" sz="2400" dirty="0">
+                <a:solidFill>
+                  <a:schemeClr val="bg1">
+                    <a:lumMod val="50000"/>
+                  </a:schemeClr>
+                </a:solidFill>
+              </a:rPr>
+              <a:t>rules and </a:t>
+            </a:r>
+            <a:r>
+              <a:rPr lang="en-US" sz="2400" dirty="0" smtClean="0">
+                <a:solidFill>
+                  <a:schemeClr val="bg1">
+                    <a:lumMod val="50000"/>
+                  </a:schemeClr>
+                </a:solidFill>
+              </a:rPr>
+              <a:t>mix analysis</a:t>
+            </a:r>
+          </a:p>
+          <a:p>
+            <a:r>
+              <a:rPr lang="en-US" sz="2800" dirty="0" smtClean="0"/>
+              <a:t>Data-driven:</a:t>
+            </a:r>
+          </a:p>
+          <a:p>
+            <a:pPr lvl="1"/>
+            <a:r>
+              <a:rPr lang="en-US" sz="2400" dirty="0">
+                <a:solidFill>
+                  <a:schemeClr val="bg1">
+                    <a:lumMod val="50000"/>
+                  </a:schemeClr>
+                </a:solidFill>
+              </a:rPr>
+              <a:t>Extract mixing parameters from </a:t>
+            </a:r>
+            <a:r>
+              <a:rPr lang="en-US" sz="2400" b="1" dirty="0">
+                <a:solidFill>
+                  <a:schemeClr val="bg1">
+                    <a:lumMod val="50000"/>
+                  </a:schemeClr>
+                </a:solidFill>
+              </a:rPr>
+              <a:t>paired raw tracks and human-mixed </a:t>
+            </a:r>
+            <a:r>
+              <a:rPr lang="en-US" sz="2400" dirty="0" smtClean="0">
+                <a:solidFill>
+                  <a:schemeClr val="bg1">
+                    <a:lumMod val="50000"/>
+                  </a:schemeClr>
+                </a:solidFill>
+              </a:rPr>
+              <a:t>tracks</a:t>
+            </a:r>
+          </a:p>
+          <a:p>
+            <a:pPr lvl="2"/>
+            <a:r>
+              <a:rPr lang="en-US" sz="2400" dirty="0" smtClean="0">
+                <a:solidFill>
+                  <a:schemeClr val="bg1">
+                    <a:lumMod val="50000"/>
+                  </a:schemeClr>
+                </a:solidFill>
+              </a:rPr>
+              <a:t>Reverse engineering of a mix[1]</a:t>
+            </a:r>
+          </a:p>
+          <a:p>
+            <a:pPr lvl="2"/>
+            <a:r>
+              <a:rPr lang="en-US" sz="2400" dirty="0" smtClean="0">
+                <a:solidFill>
+                  <a:schemeClr val="bg1">
+                    <a:lumMod val="50000"/>
+                  </a:schemeClr>
+                </a:solidFill>
+              </a:rPr>
+              <a:t>Differentiable </a:t>
+            </a:r>
+            <a:r>
+              <a:rPr lang="en-US" sz="2400" dirty="0">
+                <a:solidFill>
+                  <a:schemeClr val="bg1">
+                    <a:lumMod val="50000"/>
+                  </a:schemeClr>
+                </a:solidFill>
+              </a:rPr>
+              <a:t>signal processing </a:t>
+            </a:r>
+            <a:r>
+              <a:rPr lang="en-US" sz="2400" dirty="0" smtClean="0">
+                <a:solidFill>
+                  <a:schemeClr val="bg1">
+                    <a:lumMod val="50000"/>
+                  </a:schemeClr>
+                </a:solidFill>
+              </a:rPr>
+              <a:t>chain[2]</a:t>
+            </a:r>
+            <a:endParaRPr lang="en-US" sz="2400" dirty="0">
+              <a:solidFill>
+                <a:schemeClr val="bg1">
+                  <a:lumMod val="50000"/>
+                </a:schemeClr>
+              </a:solidFill>
+            </a:endParaRPr>
+          </a:p>
+          <a:p>
+            <a:pPr lvl="2"/>
+            <a:r>
+              <a:rPr lang="en-US" sz="2400" dirty="0" smtClean="0">
+                <a:solidFill>
+                  <a:schemeClr val="bg1">
+                    <a:lumMod val="50000"/>
+                  </a:schemeClr>
+                </a:solidFill>
+              </a:rPr>
+              <a:t>Gradient </a:t>
+            </a:r>
+            <a:r>
+              <a:rPr lang="en-US" sz="2400" dirty="0">
+                <a:solidFill>
+                  <a:schemeClr val="bg1">
+                    <a:lumMod val="50000"/>
+                  </a:schemeClr>
+                </a:solidFill>
+              </a:rPr>
+              <a:t>approximation </a:t>
+            </a:r>
+            <a:r>
+              <a:rPr lang="en-US" sz="2400" dirty="0" smtClean="0">
+                <a:solidFill>
+                  <a:schemeClr val="bg1">
+                    <a:lumMod val="50000"/>
+                  </a:schemeClr>
+                </a:solidFill>
+              </a:rPr>
+              <a:t>on black-box </a:t>
+            </a:r>
+            <a:r>
+              <a:rPr lang="en-US" sz="2400" dirty="0">
+                <a:solidFill>
+                  <a:schemeClr val="bg1">
+                    <a:lumMod val="50000"/>
+                  </a:schemeClr>
+                </a:solidFill>
+              </a:rPr>
+              <a:t>audio </a:t>
+            </a:r>
+            <a:r>
+              <a:rPr lang="en-US" sz="2400" dirty="0" smtClean="0">
+                <a:solidFill>
+                  <a:schemeClr val="bg1">
+                    <a:lumMod val="50000"/>
+                  </a:schemeClr>
+                </a:solidFill>
+              </a:rPr>
+              <a:t>effects[3]</a:t>
+            </a:r>
+          </a:p>
+          <a:p>
+            <a:pPr lvl="1"/>
+            <a:r>
+              <a:rPr lang="en-US" sz="2400" dirty="0" smtClean="0"/>
+              <a:t>End-to-end audio transformation[4]</a:t>
+            </a:r>
+          </a:p>
+          <a:p>
+            <a:pPr lvl="2"/>
+            <a:r>
+              <a:rPr lang="en-US" sz="2200" dirty="0" smtClean="0"/>
+              <a:t>No further control by users</a:t>
+            </a:r>
+          </a:p>
+          <a:p>
+            <a:pPr lvl="1"/>
+            <a:endParaRPr lang="en-US" sz="2600" dirty="0" smtClean="0"/>
+          </a:p>
+          <a:p>
+            <a:pPr lvl="1"/>
+            <a:endParaRPr lang="en-US" sz="2600" dirty="0"/>
+          </a:p>
+          <a:p>
+            <a:pPr lvl="1"/>
+            <a:endParaRPr lang="en-US" sz="2600" dirty="0"/>
+          </a:p>
+          <a:p>
+            <a:endParaRPr lang="en-US" sz="2600" dirty="0" smtClean="0"/>
           </a:p>
         </p:txBody>
       </p:sp>
     </p:spTree>
     <p:extLst>
       <p:ext uri="{BB962C8B-B14F-4D97-AF65-F5344CB8AC3E}">
-        <p14:creationId xmlns:p14="http://schemas.microsoft.com/office/powerpoint/2010/main" val="1845662158"/>
+        <p14:creationId xmlns:p14="http://schemas.microsoft.com/office/powerpoint/2010/main" val="1760447403"/>
       </p:ext>
     </p:extLst>
   </p:cSld>
@@ -12443,7 +16954,7 @@
           <p:cNvPr id="2" name="Title 1">
             <a:extLst>
               <a:ext uri="{FF2B5EF4-FFF2-40B4-BE49-F238E27FC236}">
-                <a16:creationId xmlns="" xmlns:a16="http://schemas.microsoft.com/office/drawing/2014/main" id="{9045A477-9EA3-4F5C-B4B9-8CE29E6FF138}"/>
+                <a16:creationId xmlns:a16="http://schemas.microsoft.com/office/drawing/2014/main" xmlns="" id="{9045A477-9EA3-4F5C-B4B9-8CE29E6FF138}"/>
               </a:ext>
             </a:extLst>
           </p:cNvPr>
@@ -12456,63 +16967,376 @@
         </p:nvSpPr>
         <p:spPr/>
         <p:txBody>
-          <a:bodyPr>
-            <a:normAutofit fontScale="90000"/>
-          </a:bodyPr>
+          <a:bodyPr/>
           <a:lstStyle/>
           <a:p>
             <a:r>
-              <a:rPr lang="en-US" dirty="0"/>
-              <a:t>Proposed Method</a:t>
-            </a:r>
-            <a:br>
-              <a:rPr lang="en-US" dirty="0"/>
-            </a:br>
-            <a:r>
-              <a:rPr lang="en-US" dirty="0"/>
-              <a:t>	-Level </a:t>
-            </a:r>
-            <a:r>
               <a:rPr lang="en-US" dirty="0" smtClean="0"/>
-              <a:t>Balance</a:t>
+              <a:t>Related Work</a:t>
             </a:r>
             <a:endParaRPr lang="en-US" dirty="0"/>
           </a:p>
         </p:txBody>
       </p:sp>
-      <p:pic>
-        <p:nvPicPr>
-          <p:cNvPr id="4" name="Content Placeholder 3"/>
-          <p:cNvPicPr>
-            <a:picLocks noGrp="1" noChangeAspect="1"/>
-          </p:cNvPicPr>
+      <p:sp>
+        <p:nvSpPr>
+          <p:cNvPr id="5" name="Content Placeholder 4"/>
+          <p:cNvSpPr>
+            <a:spLocks noGrp="1"/>
+          </p:cNvSpPr>
           <p:nvPr>
             <p:ph idx="1"/>
           </p:nvPr>
-        </p:nvPicPr>
-        <p:blipFill>
-          <a:blip r:embed="rId2">
-            <a:extLst>
-              <a:ext uri="{28A0092B-C50C-407E-A947-70E740481C1C}">
-                <a14:useLocalDpi xmlns:a14="http://schemas.microsoft.com/office/drawing/2010/main" val="0"/>
-              </a:ext>
-            </a:extLst>
-          </a:blip>
-          <a:stretch>
-            <a:fillRect/>
-          </a:stretch>
-        </p:blipFill>
+        </p:nvSpPr>
+        <p:spPr/>
+        <p:txBody>
+          <a:bodyPr>
+            <a:normAutofit/>
+          </a:bodyPr>
+          <a:lstStyle/>
+          <a:p>
+            <a:r>
+              <a:rPr lang="en-US" sz="2800" dirty="0" smtClean="0">
+                <a:solidFill>
+                  <a:schemeClr val="bg1">
+                    <a:lumMod val="85000"/>
+                  </a:schemeClr>
+                </a:solidFill>
+              </a:rPr>
+              <a:t>Knowledge-based:</a:t>
+            </a:r>
+          </a:p>
+          <a:p>
+            <a:pPr lvl="1"/>
+            <a:r>
+              <a:rPr lang="en-US" sz="2400" dirty="0" smtClean="0">
+                <a:solidFill>
+                  <a:schemeClr val="bg1">
+                    <a:lumMod val="85000"/>
+                  </a:schemeClr>
+                </a:solidFill>
+              </a:rPr>
+              <a:t>Mixing </a:t>
+            </a:r>
+            <a:r>
+              <a:rPr lang="en-US" sz="2400" dirty="0">
+                <a:solidFill>
+                  <a:schemeClr val="bg1">
+                    <a:lumMod val="85000"/>
+                  </a:schemeClr>
+                </a:solidFill>
+              </a:rPr>
+              <a:t>rules and </a:t>
+            </a:r>
+            <a:r>
+              <a:rPr lang="en-US" sz="2400" dirty="0" smtClean="0">
+                <a:solidFill>
+                  <a:schemeClr val="bg1">
+                    <a:lumMod val="85000"/>
+                  </a:schemeClr>
+                </a:solidFill>
+              </a:rPr>
+              <a:t>mix analysis</a:t>
+            </a:r>
+          </a:p>
+          <a:p>
+            <a:r>
+              <a:rPr lang="en-US" sz="2800" dirty="0" smtClean="0">
+                <a:solidFill>
+                  <a:schemeClr val="bg1">
+                    <a:lumMod val="85000"/>
+                  </a:schemeClr>
+                </a:solidFill>
+              </a:rPr>
+              <a:t>Data-driven:</a:t>
+            </a:r>
+          </a:p>
+          <a:p>
+            <a:pPr lvl="1"/>
+            <a:r>
+              <a:rPr lang="en-US" sz="2400" dirty="0">
+                <a:solidFill>
+                  <a:schemeClr val="bg1">
+                    <a:lumMod val="85000"/>
+                  </a:schemeClr>
+                </a:solidFill>
+              </a:rPr>
+              <a:t>Extract mixing </a:t>
+            </a:r>
+            <a:r>
+              <a:rPr lang="en-US" sz="2400" dirty="0" smtClean="0">
+                <a:solidFill>
+                  <a:schemeClr val="bg1">
+                    <a:lumMod val="85000"/>
+                  </a:schemeClr>
+                </a:solidFill>
+              </a:rPr>
+              <a:t>parameters </a:t>
+            </a:r>
+            <a:r>
+              <a:rPr lang="en-US" sz="2400" dirty="0">
+                <a:solidFill>
+                  <a:schemeClr val="bg1">
+                    <a:lumMod val="85000"/>
+                  </a:schemeClr>
+                </a:solidFill>
+              </a:rPr>
+              <a:t>from </a:t>
+            </a:r>
+            <a:r>
+              <a:rPr lang="en-US" sz="2400" b="1" dirty="0">
+                <a:solidFill>
+                  <a:schemeClr val="bg1">
+                    <a:lumMod val="85000"/>
+                  </a:schemeClr>
+                </a:solidFill>
+              </a:rPr>
+              <a:t>paired raw tracks and human-mixed </a:t>
+            </a:r>
+            <a:r>
+              <a:rPr lang="en-US" sz="2400" dirty="0" smtClean="0">
+                <a:solidFill>
+                  <a:schemeClr val="bg1">
+                    <a:lumMod val="85000"/>
+                  </a:schemeClr>
+                </a:solidFill>
+              </a:rPr>
+              <a:t>tracks</a:t>
+            </a:r>
+          </a:p>
+          <a:p>
+            <a:pPr lvl="2"/>
+            <a:r>
+              <a:rPr lang="en-US" sz="2400" dirty="0" smtClean="0">
+                <a:solidFill>
+                  <a:schemeClr val="bg1">
+                    <a:lumMod val="85000"/>
+                  </a:schemeClr>
+                </a:solidFill>
+              </a:rPr>
+              <a:t>Reverse engineering of a mix[1]</a:t>
+            </a:r>
+          </a:p>
+          <a:p>
+            <a:pPr lvl="2"/>
+            <a:r>
+              <a:rPr lang="en-US" sz="2400" dirty="0" smtClean="0">
+                <a:solidFill>
+                  <a:schemeClr val="bg1">
+                    <a:lumMod val="85000"/>
+                  </a:schemeClr>
+                </a:solidFill>
+              </a:rPr>
+              <a:t>Differentiable </a:t>
+            </a:r>
+            <a:r>
+              <a:rPr lang="en-US" sz="2400" dirty="0">
+                <a:solidFill>
+                  <a:schemeClr val="bg1">
+                    <a:lumMod val="85000"/>
+                  </a:schemeClr>
+                </a:solidFill>
+              </a:rPr>
+              <a:t>signal processing </a:t>
+            </a:r>
+            <a:r>
+              <a:rPr lang="en-US" sz="2400" dirty="0" smtClean="0">
+                <a:solidFill>
+                  <a:schemeClr val="bg1">
+                    <a:lumMod val="85000"/>
+                  </a:schemeClr>
+                </a:solidFill>
+              </a:rPr>
+              <a:t>chain[2]</a:t>
+            </a:r>
+            <a:endParaRPr lang="en-US" sz="2400" dirty="0">
+              <a:solidFill>
+                <a:schemeClr val="bg1">
+                  <a:lumMod val="85000"/>
+                </a:schemeClr>
+              </a:solidFill>
+            </a:endParaRPr>
+          </a:p>
+          <a:p>
+            <a:pPr lvl="2"/>
+            <a:r>
+              <a:rPr lang="en-US" sz="2400" dirty="0" smtClean="0">
+                <a:solidFill>
+                  <a:schemeClr val="bg1">
+                    <a:lumMod val="85000"/>
+                  </a:schemeClr>
+                </a:solidFill>
+              </a:rPr>
+              <a:t>Gradient </a:t>
+            </a:r>
+            <a:r>
+              <a:rPr lang="en-US" sz="2400" dirty="0">
+                <a:solidFill>
+                  <a:schemeClr val="bg1">
+                    <a:lumMod val="85000"/>
+                  </a:schemeClr>
+                </a:solidFill>
+              </a:rPr>
+              <a:t>approximation </a:t>
+            </a:r>
+            <a:r>
+              <a:rPr lang="en-US" sz="2400" dirty="0" smtClean="0">
+                <a:solidFill>
+                  <a:schemeClr val="bg1">
+                    <a:lumMod val="85000"/>
+                  </a:schemeClr>
+                </a:solidFill>
+              </a:rPr>
+              <a:t>on black-box </a:t>
+            </a:r>
+            <a:r>
+              <a:rPr lang="en-US" sz="2400" dirty="0">
+                <a:solidFill>
+                  <a:schemeClr val="bg1">
+                    <a:lumMod val="85000"/>
+                  </a:schemeClr>
+                </a:solidFill>
+              </a:rPr>
+              <a:t>audio </a:t>
+            </a:r>
+            <a:r>
+              <a:rPr lang="en-US" sz="2400" dirty="0" smtClean="0">
+                <a:solidFill>
+                  <a:schemeClr val="bg1">
+                    <a:lumMod val="85000"/>
+                  </a:schemeClr>
+                </a:solidFill>
+              </a:rPr>
+              <a:t>effects[3]</a:t>
+            </a:r>
+          </a:p>
+          <a:p>
+            <a:pPr lvl="1"/>
+            <a:r>
+              <a:rPr lang="en-US" sz="2400" dirty="0" smtClean="0">
+                <a:solidFill>
+                  <a:schemeClr val="bg1">
+                    <a:lumMod val="85000"/>
+                  </a:schemeClr>
+                </a:solidFill>
+              </a:rPr>
+              <a:t>End-to-end audio transformation[4]</a:t>
+            </a:r>
+          </a:p>
+          <a:p>
+            <a:pPr lvl="2"/>
+            <a:r>
+              <a:rPr lang="en-US" sz="2200" dirty="0">
+                <a:solidFill>
+                  <a:schemeClr val="bg1">
+                    <a:lumMod val="85000"/>
+                  </a:schemeClr>
+                </a:solidFill>
+              </a:rPr>
+              <a:t>No further control by </a:t>
+            </a:r>
+            <a:r>
+              <a:rPr lang="en-US" sz="2200" dirty="0" smtClean="0">
+                <a:solidFill>
+                  <a:schemeClr val="bg1">
+                    <a:lumMod val="85000"/>
+                  </a:schemeClr>
+                </a:solidFill>
+              </a:rPr>
+              <a:t>users</a:t>
+            </a:r>
+            <a:endParaRPr lang="en-US" sz="3600" b="1" dirty="0" smtClean="0">
+              <a:solidFill>
+                <a:schemeClr val="bg1">
+                  <a:lumMod val="85000"/>
+                </a:schemeClr>
+              </a:solidFill>
+            </a:endParaRPr>
+          </a:p>
+          <a:p>
+            <a:pPr lvl="1"/>
+            <a:endParaRPr lang="en-US" sz="2600" dirty="0" smtClean="0">
+              <a:solidFill>
+                <a:schemeClr val="bg1">
+                  <a:lumMod val="85000"/>
+                </a:schemeClr>
+              </a:solidFill>
+            </a:endParaRPr>
+          </a:p>
+          <a:p>
+            <a:pPr lvl="1"/>
+            <a:endParaRPr lang="en-US" sz="2600" dirty="0">
+              <a:solidFill>
+                <a:schemeClr val="bg1">
+                  <a:lumMod val="85000"/>
+                </a:schemeClr>
+              </a:solidFill>
+            </a:endParaRPr>
+          </a:p>
+          <a:p>
+            <a:pPr lvl="1"/>
+            <a:endParaRPr lang="en-US" sz="2600" dirty="0">
+              <a:solidFill>
+                <a:schemeClr val="bg1">
+                  <a:lumMod val="85000"/>
+                </a:schemeClr>
+              </a:solidFill>
+            </a:endParaRPr>
+          </a:p>
+          <a:p>
+            <a:endParaRPr lang="en-US" sz="2600" dirty="0" smtClean="0">
+              <a:solidFill>
+                <a:schemeClr val="bg1">
+                  <a:lumMod val="85000"/>
+                </a:schemeClr>
+              </a:solidFill>
+            </a:endParaRPr>
+          </a:p>
+        </p:txBody>
+      </p:sp>
+      <p:sp>
+        <p:nvSpPr>
+          <p:cNvPr id="3" name="TextBox 2"/>
+          <p:cNvSpPr txBox="1"/>
+          <p:nvPr/>
+        </p:nvSpPr>
         <p:spPr>
           <a:xfrm>
-            <a:off x="2729134" y="1407190"/>
-            <a:ext cx="6608540" cy="5106600"/>
+            <a:off x="3106151" y="3201117"/>
+            <a:ext cx="5979696" cy="1446550"/>
           </a:xfrm>
+          <a:prstGeom prst="rect">
+            <a:avLst/>
+          </a:prstGeom>
+          <a:noFill/>
         </p:spPr>
-      </p:pic>
+        <p:txBody>
+          <a:bodyPr wrap="square" rtlCol="0">
+            <a:spAutoFit/>
+          </a:bodyPr>
+          <a:lstStyle/>
+          <a:p>
+            <a:pPr algn="ctr"/>
+            <a:r>
+              <a:rPr lang="en-US" sz="8800" dirty="0" smtClean="0">
+                <a:solidFill>
+                  <a:srgbClr val="FF0000"/>
+                </a:solidFill>
+              </a:rPr>
+              <a:t>Lack of Data</a:t>
+            </a:r>
+            <a:endParaRPr lang="en-US" sz="8800" dirty="0">
+              <a:solidFill>
+                <a:srgbClr val="FF0000"/>
+              </a:solidFill>
+            </a:endParaRPr>
+          </a:p>
+        </p:txBody>
+      </p:sp>
     </p:spTree>
     <p:extLst>
       <p:ext uri="{BB962C8B-B14F-4D97-AF65-F5344CB8AC3E}">
-        <p14:creationId xmlns:p14="http://schemas.microsoft.com/office/powerpoint/2010/main" val="737481525"/>
+        <p14:creationId xmlns:p14="http://schemas.microsoft.com/office/powerpoint/2010/main" val="1942807779"/>
       </p:ext>
     </p:extLst>
   </p:cSld>
